--- a/doc/G-suite_review_3 ppt_final.pptx
+++ b/doc/G-suite_review_3 ppt_final.pptx
@@ -12,8 +12,8 @@
     <p:sldId id="286" r:id="rId3"/>
     <p:sldId id="258" r:id="rId4"/>
     <p:sldId id="284" r:id="rId5"/>
-    <p:sldId id="285" r:id="rId6"/>
-    <p:sldId id="287" r:id="rId7"/>
+    <p:sldId id="331" r:id="rId6"/>
+    <p:sldId id="330" r:id="rId7"/>
     <p:sldId id="288" r:id="rId8"/>
     <p:sldId id="289" r:id="rId9"/>
     <p:sldId id="290" r:id="rId10"/>
@@ -23,32 +23,32 @@
     <p:sldId id="305" r:id="rId14"/>
     <p:sldId id="306" r:id="rId15"/>
     <p:sldId id="311" r:id="rId16"/>
-    <p:sldId id="310" r:id="rId17"/>
-    <p:sldId id="309" r:id="rId18"/>
+    <p:sldId id="328" r:id="rId17"/>
+    <p:sldId id="329" r:id="rId18"/>
     <p:sldId id="307" r:id="rId19"/>
-    <p:sldId id="257" r:id="rId20"/>
-    <p:sldId id="312" r:id="rId21"/>
-    <p:sldId id="259" r:id="rId22"/>
-    <p:sldId id="260" r:id="rId23"/>
-    <p:sldId id="261" r:id="rId24"/>
-    <p:sldId id="262" r:id="rId25"/>
-    <p:sldId id="263" r:id="rId26"/>
-    <p:sldId id="264" r:id="rId27"/>
-    <p:sldId id="313" r:id="rId28"/>
-    <p:sldId id="314" r:id="rId29"/>
-    <p:sldId id="315" r:id="rId30"/>
-    <p:sldId id="319" r:id="rId31"/>
-    <p:sldId id="316" r:id="rId32"/>
-    <p:sldId id="317" r:id="rId33"/>
-    <p:sldId id="318" r:id="rId34"/>
-    <p:sldId id="320" r:id="rId35"/>
-    <p:sldId id="321" r:id="rId36"/>
-    <p:sldId id="322" r:id="rId37"/>
-    <p:sldId id="323" r:id="rId38"/>
-    <p:sldId id="324" r:id="rId39"/>
-    <p:sldId id="325" r:id="rId40"/>
-    <p:sldId id="326" r:id="rId41"/>
-    <p:sldId id="327" r:id="rId42"/>
+    <p:sldId id="320" r:id="rId20"/>
+    <p:sldId id="321" r:id="rId21"/>
+    <p:sldId id="322" r:id="rId22"/>
+    <p:sldId id="323" r:id="rId23"/>
+    <p:sldId id="324" r:id="rId24"/>
+    <p:sldId id="325" r:id="rId25"/>
+    <p:sldId id="326" r:id="rId26"/>
+    <p:sldId id="327" r:id="rId27"/>
+    <p:sldId id="257" r:id="rId28"/>
+    <p:sldId id="312" r:id="rId29"/>
+    <p:sldId id="259" r:id="rId30"/>
+    <p:sldId id="260" r:id="rId31"/>
+    <p:sldId id="261" r:id="rId32"/>
+    <p:sldId id="262" r:id="rId33"/>
+    <p:sldId id="263" r:id="rId34"/>
+    <p:sldId id="264" r:id="rId35"/>
+    <p:sldId id="313" r:id="rId36"/>
+    <p:sldId id="314" r:id="rId37"/>
+    <p:sldId id="318" r:id="rId38"/>
+    <p:sldId id="315" r:id="rId39"/>
+    <p:sldId id="319" r:id="rId40"/>
+    <p:sldId id="316" r:id="rId41"/>
+    <p:sldId id="317" r:id="rId42"/>
   </p:sldIdLst>
   <p:sldSz cx="9144000" cy="5143500" type="screen16x9"/>
   <p:notesSz cx="6858000" cy="9144000"/>
@@ -1612,6 +1612,496 @@
   <p:cSld>
     <p:spTree>
       <p:nvGrpSpPr>
+        <p:cNvPr id="1" name="Shape 104"/>
+        <p:cNvGrpSpPr/>
+        <p:nvPr/>
+      </p:nvGrpSpPr>
+      <p:grpSpPr>
+        <a:xfrm>
+          <a:off x="0" y="0"/>
+          <a:ext cx="0" cy="0"/>
+          <a:chOff x="0" y="0"/>
+          <a:chExt cx="0" cy="0"/>
+        </a:xfrm>
+      </p:grpSpPr>
+      <p:sp>
+        <p:nvSpPr>
+          <p:cNvPr id="105" name="Google Shape;105;g75bc95f42c_0_30:notes"/>
+          <p:cNvSpPr txBox="1">
+            <a:spLocks noGrp="1"/>
+          </p:cNvSpPr>
+          <p:nvPr>
+            <p:ph type="body" idx="1"/>
+          </p:nvPr>
+        </p:nvSpPr>
+        <p:spPr>
+          <a:xfrm>
+            <a:off x="685800" y="4400550"/>
+            <a:ext cx="5486400" cy="3600600"/>
+          </a:xfrm>
+          <a:prstGeom prst="rect">
+            <a:avLst/>
+          </a:prstGeom>
+          <a:noFill/>
+          <a:ln>
+            <a:noFill/>
+          </a:ln>
+        </p:spPr>
+        <p:txBody>
+          <a:bodyPr spcFirstLastPara="1" wrap="square" lIns="91425" tIns="45700" rIns="91425" bIns="45700" anchor="t" anchorCtr="0">
+            <a:noAutofit/>
+          </a:bodyPr>
+          <a:lstStyle/>
+          <a:p>
+            <a:pPr marL="0" lvl="0" indent="0" algn="l" rtl="0">
+              <a:lnSpc>
+                <a:spcPct val="100000"/>
+              </a:lnSpc>
+              <a:spcBef>
+                <a:spcPts val="0"/>
+              </a:spcBef>
+              <a:spcAft>
+                <a:spcPts val="0"/>
+              </a:spcAft>
+              <a:buSzPts val="1400"/>
+              <a:buNone/>
+            </a:pPr>
+            <a:endParaRPr/>
+          </a:p>
+        </p:txBody>
+      </p:sp>
+      <p:sp>
+        <p:nvSpPr>
+          <p:cNvPr id="106" name="Google Shape;106;g75bc95f42c_0_30:notes"/>
+          <p:cNvSpPr>
+            <a:spLocks noGrp="1" noRot="1" noChangeAspect="1"/>
+          </p:cNvSpPr>
+          <p:nvPr>
+            <p:ph type="sldImg" idx="2"/>
+          </p:nvPr>
+        </p:nvSpPr>
+        <p:spPr>
+          <a:xfrm>
+            <a:off x="685800" y="1143000"/>
+            <a:ext cx="5486400" cy="3086100"/>
+          </a:xfrm>
+          <a:custGeom>
+            <a:avLst/>
+            <a:gdLst/>
+            <a:ahLst/>
+            <a:cxnLst/>
+            <a:rect l="l" t="t" r="r" b="b"/>
+            <a:pathLst>
+              <a:path w="120000" h="120000" extrusionOk="0">
+                <a:moveTo>
+                  <a:pt x="0" y="0"/>
+                </a:moveTo>
+                <a:lnTo>
+                  <a:pt x="120000" y="0"/>
+                </a:lnTo>
+                <a:lnTo>
+                  <a:pt x="120000" y="120000"/>
+                </a:lnTo>
+                <a:lnTo>
+                  <a:pt x="0" y="120000"/>
+                </a:lnTo>
+                <a:close/>
+              </a:path>
+            </a:pathLst>
+          </a:custGeom>
+          <a:noFill/>
+          <a:ln w="12700" cap="flat" cmpd="sng">
+            <a:solidFill>
+              <a:srgbClr val="000000"/>
+            </a:solidFill>
+            <a:prstDash val="solid"/>
+            <a:round/>
+            <a:headEnd type="none" w="sm" len="sm"/>
+            <a:tailEnd type="none" w="sm" len="sm"/>
+          </a:ln>
+        </p:spPr>
+      </p:sp>
+    </p:spTree>
+    <p:extLst>
+      <p:ext uri="{BB962C8B-B14F-4D97-AF65-F5344CB8AC3E}">
+        <p14:creationId xmlns:p14="http://schemas.microsoft.com/office/powerpoint/2010/main" val="1153270610"/>
+      </p:ext>
+    </p:extLst>
+  </p:cSld>
+  <p:clrMapOvr>
+    <a:masterClrMapping/>
+  </p:clrMapOvr>
+</p:notes>
+</file>
+
+<file path=ppt/notesSlides/notesSlide11.xml><?xml version="1.0" encoding="utf-8"?>
+<p:notes xmlns:a="http://schemas.openxmlformats.org/drawingml/2006/main" xmlns:r="http://schemas.openxmlformats.org/officeDocument/2006/relationships" xmlns:p="http://schemas.openxmlformats.org/presentationml/2006/main" showMasterSp="0" showMasterPhAnim="0">
+  <p:cSld>
+    <p:spTree>
+      <p:nvGrpSpPr>
+        <p:cNvPr id="1" name="Shape 110"/>
+        <p:cNvGrpSpPr/>
+        <p:nvPr/>
+      </p:nvGrpSpPr>
+      <p:grpSpPr>
+        <a:xfrm>
+          <a:off x="0" y="0"/>
+          <a:ext cx="0" cy="0"/>
+          <a:chOff x="0" y="0"/>
+          <a:chExt cx="0" cy="0"/>
+        </a:xfrm>
+      </p:grpSpPr>
+      <p:sp>
+        <p:nvSpPr>
+          <p:cNvPr id="111" name="Google Shape;111;g75bc95f42c_0_35:notes"/>
+          <p:cNvSpPr txBox="1">
+            <a:spLocks noGrp="1"/>
+          </p:cNvSpPr>
+          <p:nvPr>
+            <p:ph type="body" idx="1"/>
+          </p:nvPr>
+        </p:nvSpPr>
+        <p:spPr>
+          <a:xfrm>
+            <a:off x="685800" y="4400550"/>
+            <a:ext cx="5486400" cy="3600600"/>
+          </a:xfrm>
+          <a:prstGeom prst="rect">
+            <a:avLst/>
+          </a:prstGeom>
+        </p:spPr>
+        <p:txBody>
+          <a:bodyPr spcFirstLastPara="1" wrap="square" lIns="91425" tIns="45700" rIns="91425" bIns="45700" anchor="t" anchorCtr="0">
+            <a:noAutofit/>
+          </a:bodyPr>
+          <a:lstStyle/>
+          <a:p>
+            <a:pPr marL="0" lvl="0" indent="0" algn="l" rtl="0">
+              <a:spcBef>
+                <a:spcPts val="0"/>
+              </a:spcBef>
+              <a:spcAft>
+                <a:spcPts val="0"/>
+              </a:spcAft>
+              <a:buNone/>
+            </a:pPr>
+            <a:endParaRPr/>
+          </a:p>
+        </p:txBody>
+      </p:sp>
+      <p:sp>
+        <p:nvSpPr>
+          <p:cNvPr id="112" name="Google Shape;112;g75bc95f42c_0_35:notes"/>
+          <p:cNvSpPr>
+            <a:spLocks noGrp="1" noRot="1" noChangeAspect="1"/>
+          </p:cNvSpPr>
+          <p:nvPr>
+            <p:ph type="sldImg" idx="2"/>
+          </p:nvPr>
+        </p:nvSpPr>
+        <p:spPr>
+          <a:xfrm>
+            <a:off x="685800" y="1143000"/>
+            <a:ext cx="5486400" cy="3086100"/>
+          </a:xfrm>
+          <a:custGeom>
+            <a:avLst/>
+            <a:gdLst/>
+            <a:ahLst/>
+            <a:cxnLst/>
+            <a:rect l="l" t="t" r="r" b="b"/>
+            <a:pathLst>
+              <a:path w="120000" h="120000" extrusionOk="0">
+                <a:moveTo>
+                  <a:pt x="0" y="0"/>
+                </a:moveTo>
+                <a:lnTo>
+                  <a:pt x="120000" y="0"/>
+                </a:lnTo>
+                <a:lnTo>
+                  <a:pt x="120000" y="120000"/>
+                </a:lnTo>
+                <a:lnTo>
+                  <a:pt x="0" y="120000"/>
+                </a:lnTo>
+                <a:close/>
+              </a:path>
+            </a:pathLst>
+          </a:custGeom>
+        </p:spPr>
+      </p:sp>
+    </p:spTree>
+    <p:extLst>
+      <p:ext uri="{BB962C8B-B14F-4D97-AF65-F5344CB8AC3E}">
+        <p14:creationId xmlns:p14="http://schemas.microsoft.com/office/powerpoint/2010/main" val="970457854"/>
+      </p:ext>
+    </p:extLst>
+  </p:cSld>
+  <p:clrMapOvr>
+    <a:masterClrMapping/>
+  </p:clrMapOvr>
+</p:notes>
+</file>
+
+<file path=ppt/notesSlides/notesSlide12.xml><?xml version="1.0" encoding="utf-8"?>
+<p:notes xmlns:a="http://schemas.openxmlformats.org/drawingml/2006/main" xmlns:r="http://schemas.openxmlformats.org/officeDocument/2006/relationships" xmlns:p="http://schemas.openxmlformats.org/presentationml/2006/main" showMasterSp="0" showMasterPhAnim="0">
+  <p:cSld>
+    <p:spTree>
+      <p:nvGrpSpPr>
+        <p:cNvPr id="1" name="Shape 117"/>
+        <p:cNvGrpSpPr/>
+        <p:nvPr/>
+      </p:nvGrpSpPr>
+      <p:grpSpPr>
+        <a:xfrm>
+          <a:off x="0" y="0"/>
+          <a:ext cx="0" cy="0"/>
+          <a:chOff x="0" y="0"/>
+          <a:chExt cx="0" cy="0"/>
+        </a:xfrm>
+      </p:grpSpPr>
+      <p:sp>
+        <p:nvSpPr>
+          <p:cNvPr id="118" name="Google Shape;118;p2:notes"/>
+          <p:cNvSpPr txBox="1">
+            <a:spLocks noGrp="1"/>
+          </p:cNvSpPr>
+          <p:nvPr>
+            <p:ph type="body" idx="1"/>
+          </p:nvPr>
+        </p:nvSpPr>
+        <p:spPr>
+          <a:xfrm>
+            <a:off x="685800" y="4400550"/>
+            <a:ext cx="5486400" cy="3600450"/>
+          </a:xfrm>
+          <a:prstGeom prst="rect">
+            <a:avLst/>
+          </a:prstGeom>
+          <a:noFill/>
+          <a:ln>
+            <a:noFill/>
+          </a:ln>
+        </p:spPr>
+        <p:txBody>
+          <a:bodyPr spcFirstLastPara="1" wrap="square" lIns="91425" tIns="45700" rIns="91425" bIns="45700" anchor="t" anchorCtr="0">
+            <a:noAutofit/>
+          </a:bodyPr>
+          <a:lstStyle/>
+          <a:p>
+            <a:pPr marL="0" lvl="0" indent="0" algn="l" rtl="0">
+              <a:lnSpc>
+                <a:spcPct val="100000"/>
+              </a:lnSpc>
+              <a:spcBef>
+                <a:spcPts val="0"/>
+              </a:spcBef>
+              <a:spcAft>
+                <a:spcPts val="0"/>
+              </a:spcAft>
+              <a:buSzPts val="1400"/>
+              <a:buNone/>
+            </a:pPr>
+            <a:endParaRPr/>
+          </a:p>
+        </p:txBody>
+      </p:sp>
+      <p:sp>
+        <p:nvSpPr>
+          <p:cNvPr id="119" name="Google Shape;119;p2:notes"/>
+          <p:cNvSpPr>
+            <a:spLocks noGrp="1" noRot="1" noChangeAspect="1"/>
+          </p:cNvSpPr>
+          <p:nvPr>
+            <p:ph type="sldImg" idx="2"/>
+          </p:nvPr>
+        </p:nvSpPr>
+        <p:spPr>
+          <a:xfrm>
+            <a:off x="685800" y="1143000"/>
+            <a:ext cx="5486400" cy="3086100"/>
+          </a:xfrm>
+          <a:custGeom>
+            <a:avLst/>
+            <a:gdLst/>
+            <a:ahLst/>
+            <a:cxnLst/>
+            <a:rect l="l" t="t" r="r" b="b"/>
+            <a:pathLst>
+              <a:path w="120000" h="120000" extrusionOk="0">
+                <a:moveTo>
+                  <a:pt x="0" y="0"/>
+                </a:moveTo>
+                <a:lnTo>
+                  <a:pt x="120000" y="0"/>
+                </a:lnTo>
+                <a:lnTo>
+                  <a:pt x="120000" y="120000"/>
+                </a:lnTo>
+                <a:lnTo>
+                  <a:pt x="0" y="120000"/>
+                </a:lnTo>
+                <a:close/>
+              </a:path>
+            </a:pathLst>
+          </a:custGeom>
+          <a:noFill/>
+          <a:ln w="12700" cap="flat" cmpd="sng">
+            <a:solidFill>
+              <a:srgbClr val="000000"/>
+            </a:solidFill>
+            <a:prstDash val="solid"/>
+            <a:round/>
+            <a:headEnd type="none" w="sm" len="sm"/>
+            <a:tailEnd type="none" w="sm" len="sm"/>
+          </a:ln>
+        </p:spPr>
+      </p:sp>
+    </p:spTree>
+    <p:extLst>
+      <p:ext uri="{BB962C8B-B14F-4D97-AF65-F5344CB8AC3E}">
+        <p14:creationId xmlns:p14="http://schemas.microsoft.com/office/powerpoint/2010/main" val="4249518500"/>
+      </p:ext>
+    </p:extLst>
+  </p:cSld>
+  <p:clrMapOvr>
+    <a:masterClrMapping/>
+  </p:clrMapOvr>
+</p:notes>
+</file>
+
+<file path=ppt/notesSlides/notesSlide13.xml><?xml version="1.0" encoding="utf-8"?>
+<p:notes xmlns:a="http://schemas.openxmlformats.org/drawingml/2006/main" xmlns:r="http://schemas.openxmlformats.org/officeDocument/2006/relationships" xmlns:p="http://schemas.openxmlformats.org/presentationml/2006/main" showMasterSp="0" showMasterPhAnim="0">
+  <p:cSld>
+    <p:spTree>
+      <p:nvGrpSpPr>
+        <p:cNvPr id="1" name="Shape 123"/>
+        <p:cNvGrpSpPr/>
+        <p:nvPr/>
+      </p:nvGrpSpPr>
+      <p:grpSpPr>
+        <a:xfrm>
+          <a:off x="0" y="0"/>
+          <a:ext cx="0" cy="0"/>
+          <a:chOff x="0" y="0"/>
+          <a:chExt cx="0" cy="0"/>
+        </a:xfrm>
+      </p:grpSpPr>
+      <p:sp>
+        <p:nvSpPr>
+          <p:cNvPr id="124" name="Google Shape;124;p3:notes"/>
+          <p:cNvSpPr txBox="1">
+            <a:spLocks noGrp="1"/>
+          </p:cNvSpPr>
+          <p:nvPr>
+            <p:ph type="body" idx="1"/>
+          </p:nvPr>
+        </p:nvSpPr>
+        <p:spPr>
+          <a:xfrm>
+            <a:off x="685800" y="4400550"/>
+            <a:ext cx="5486400" cy="3600450"/>
+          </a:xfrm>
+          <a:prstGeom prst="rect">
+            <a:avLst/>
+          </a:prstGeom>
+          <a:noFill/>
+          <a:ln>
+            <a:noFill/>
+          </a:ln>
+        </p:spPr>
+        <p:txBody>
+          <a:bodyPr spcFirstLastPara="1" wrap="square" lIns="91425" tIns="45700" rIns="91425" bIns="45700" anchor="t" anchorCtr="0">
+            <a:noAutofit/>
+          </a:bodyPr>
+          <a:lstStyle/>
+          <a:p>
+            <a:pPr marL="0" lvl="0" indent="0" algn="l" rtl="0">
+              <a:lnSpc>
+                <a:spcPct val="100000"/>
+              </a:lnSpc>
+              <a:spcBef>
+                <a:spcPts val="0"/>
+              </a:spcBef>
+              <a:spcAft>
+                <a:spcPts val="0"/>
+              </a:spcAft>
+              <a:buSzPts val="1400"/>
+              <a:buNone/>
+            </a:pPr>
+            <a:endParaRPr/>
+          </a:p>
+        </p:txBody>
+      </p:sp>
+      <p:sp>
+        <p:nvSpPr>
+          <p:cNvPr id="125" name="Google Shape;125;p3:notes"/>
+          <p:cNvSpPr>
+            <a:spLocks noGrp="1" noRot="1" noChangeAspect="1"/>
+          </p:cNvSpPr>
+          <p:nvPr>
+            <p:ph type="sldImg" idx="2"/>
+          </p:nvPr>
+        </p:nvSpPr>
+        <p:spPr>
+          <a:xfrm>
+            <a:off x="685800" y="1143000"/>
+            <a:ext cx="5486400" cy="3086100"/>
+          </a:xfrm>
+          <a:custGeom>
+            <a:avLst/>
+            <a:gdLst/>
+            <a:ahLst/>
+            <a:cxnLst/>
+            <a:rect l="l" t="t" r="r" b="b"/>
+            <a:pathLst>
+              <a:path w="120000" h="120000" extrusionOk="0">
+                <a:moveTo>
+                  <a:pt x="0" y="0"/>
+                </a:moveTo>
+                <a:lnTo>
+                  <a:pt x="120000" y="0"/>
+                </a:lnTo>
+                <a:lnTo>
+                  <a:pt x="120000" y="120000"/>
+                </a:lnTo>
+                <a:lnTo>
+                  <a:pt x="0" y="120000"/>
+                </a:lnTo>
+                <a:close/>
+              </a:path>
+            </a:pathLst>
+          </a:custGeom>
+          <a:noFill/>
+          <a:ln w="12700" cap="flat" cmpd="sng">
+            <a:solidFill>
+              <a:srgbClr val="000000"/>
+            </a:solidFill>
+            <a:prstDash val="solid"/>
+            <a:round/>
+            <a:headEnd type="none" w="sm" len="sm"/>
+            <a:tailEnd type="none" w="sm" len="sm"/>
+          </a:ln>
+        </p:spPr>
+      </p:sp>
+    </p:spTree>
+    <p:extLst>
+      <p:ext uri="{BB962C8B-B14F-4D97-AF65-F5344CB8AC3E}">
+        <p14:creationId xmlns:p14="http://schemas.microsoft.com/office/powerpoint/2010/main" val="384888281"/>
+      </p:ext>
+    </p:extLst>
+  </p:cSld>
+  <p:clrMapOvr>
+    <a:masterClrMapping/>
+  </p:clrMapOvr>
+</p:notes>
+</file>
+
+<file path=ppt/notesSlides/notesSlide14.xml><?xml version="1.0" encoding="utf-8"?>
+<p:notes xmlns:a="http://schemas.openxmlformats.org/drawingml/2006/main" xmlns:r="http://schemas.openxmlformats.org/officeDocument/2006/relationships" xmlns:p="http://schemas.openxmlformats.org/presentationml/2006/main" showMasterSp="0" showMasterPhAnim="0">
+  <p:cSld>
+    <p:spTree>
+      <p:nvGrpSpPr>
         <p:cNvPr id="1" name="Shape 129"/>
         <p:cNvGrpSpPr/>
         <p:nvPr/>
@@ -1716,7 +2206,7 @@
 </p:notes>
 </file>
 
-<file path=ppt/notesSlides/notesSlide11.xml><?xml version="1.0" encoding="utf-8"?>
+<file path=ppt/notesSlides/notesSlide15.xml><?xml version="1.0" encoding="utf-8"?>
 <p:notes xmlns:a="http://schemas.openxmlformats.org/drawingml/2006/main" xmlns:r="http://schemas.openxmlformats.org/officeDocument/2006/relationships" xmlns:p="http://schemas.openxmlformats.org/presentationml/2006/main" showMasterSp="0" showMasterPhAnim="0">
   <p:cSld>
     <p:spTree>
@@ -1825,7 +2315,7 @@
 </p:notes>
 </file>
 
-<file path=ppt/notesSlides/notesSlide12.xml><?xml version="1.0" encoding="utf-8"?>
+<file path=ppt/notesSlides/notesSlide16.xml><?xml version="1.0" encoding="utf-8"?>
 <p:notes xmlns:a="http://schemas.openxmlformats.org/drawingml/2006/main" xmlns:r="http://schemas.openxmlformats.org/officeDocument/2006/relationships" xmlns:p="http://schemas.openxmlformats.org/presentationml/2006/main" showMasterSp="0" showMasterPhAnim="0">
   <p:cSld>
     <p:spTree>
@@ -1962,7 +2452,7 @@
             </a:pPr>
             <a:fld id="{00000000-1234-1234-1234-123412341234}" type="slidenum">
               <a:rPr lang="en-US"/>
-              <a:t>26</a:t>
+              <a:t>34</a:t>
             </a:fld>
             <a:endParaRPr/>
           </a:p>
@@ -1972,432 +2462,6 @@
     <p:extLst>
       <p:ext uri="{BB962C8B-B14F-4D97-AF65-F5344CB8AC3E}">
         <p14:creationId xmlns:p14="http://schemas.microsoft.com/office/powerpoint/2010/main" val="803187333"/>
-      </p:ext>
-    </p:extLst>
-  </p:cSld>
-  <p:clrMapOvr>
-    <a:masterClrMapping/>
-  </p:clrMapOvr>
-</p:notes>
-</file>
-
-<file path=ppt/notesSlides/notesSlide13.xml><?xml version="1.0" encoding="utf-8"?>
-<p:notes xmlns:a="http://schemas.openxmlformats.org/drawingml/2006/main" xmlns:r="http://schemas.openxmlformats.org/officeDocument/2006/relationships" xmlns:p="http://schemas.openxmlformats.org/presentationml/2006/main" showMasterSp="0" showMasterPhAnim="0">
-  <p:cSld>
-    <p:spTree>
-      <p:nvGrpSpPr>
-        <p:cNvPr id="1" name="Shape 98"/>
-        <p:cNvGrpSpPr/>
-        <p:nvPr/>
-      </p:nvGrpSpPr>
-      <p:grpSpPr>
-        <a:xfrm>
-          <a:off x="0" y="0"/>
-          <a:ext cx="0" cy="0"/>
-          <a:chOff x="0" y="0"/>
-          <a:chExt cx="0" cy="0"/>
-        </a:xfrm>
-      </p:grpSpPr>
-      <p:sp>
-        <p:nvSpPr>
-          <p:cNvPr id="99" name="Google Shape;99;p2:notes"/>
-          <p:cNvSpPr txBox="1">
-            <a:spLocks noGrp="1"/>
-          </p:cNvSpPr>
-          <p:nvPr>
-            <p:ph type="body" idx="1"/>
-          </p:nvPr>
-        </p:nvSpPr>
-        <p:spPr>
-          <a:xfrm>
-            <a:off x="685800" y="4400550"/>
-            <a:ext cx="5486400" cy="3600450"/>
-          </a:xfrm>
-          <a:prstGeom prst="rect">
-            <a:avLst/>
-          </a:prstGeom>
-        </p:spPr>
-        <p:txBody>
-          <a:bodyPr spcFirstLastPara="1" wrap="square" lIns="91425" tIns="45700" rIns="91425" bIns="45700" anchor="t" anchorCtr="0">
-            <a:noAutofit/>
-          </a:bodyPr>
-          <a:lstStyle/>
-          <a:p>
-            <a:pPr marL="0" lvl="0" indent="0" algn="l" rtl="0">
-              <a:spcBef>
-                <a:spcPts val="0"/>
-              </a:spcBef>
-              <a:spcAft>
-                <a:spcPts val="0"/>
-              </a:spcAft>
-              <a:buNone/>
-            </a:pPr>
-            <a:endParaRPr dirty="0"/>
-          </a:p>
-        </p:txBody>
-      </p:sp>
-      <p:sp>
-        <p:nvSpPr>
-          <p:cNvPr id="100" name="Google Shape;100;p2:notes"/>
-          <p:cNvSpPr>
-            <a:spLocks noGrp="1" noRot="1" noChangeAspect="1"/>
-          </p:cNvSpPr>
-          <p:nvPr>
-            <p:ph type="sldImg" idx="2"/>
-          </p:nvPr>
-        </p:nvSpPr>
-        <p:spPr>
-          <a:xfrm>
-            <a:off x="685800" y="1143000"/>
-            <a:ext cx="5486400" cy="3086100"/>
-          </a:xfrm>
-          <a:custGeom>
-            <a:avLst/>
-            <a:gdLst/>
-            <a:ahLst/>
-            <a:cxnLst/>
-            <a:rect l="l" t="t" r="r" b="b"/>
-            <a:pathLst>
-              <a:path w="120000" h="120000" extrusionOk="0">
-                <a:moveTo>
-                  <a:pt x="0" y="0"/>
-                </a:moveTo>
-                <a:lnTo>
-                  <a:pt x="120000" y="0"/>
-                </a:lnTo>
-                <a:lnTo>
-                  <a:pt x="120000" y="120000"/>
-                </a:lnTo>
-                <a:lnTo>
-                  <a:pt x="0" y="120000"/>
-                </a:lnTo>
-                <a:close/>
-              </a:path>
-            </a:pathLst>
-          </a:custGeom>
-        </p:spPr>
-      </p:sp>
-    </p:spTree>
-  </p:cSld>
-  <p:clrMapOvr>
-    <a:masterClrMapping/>
-  </p:clrMapOvr>
-</p:notes>
-</file>
-
-<file path=ppt/notesSlides/notesSlide14.xml><?xml version="1.0" encoding="utf-8"?>
-<p:notes xmlns:a="http://schemas.openxmlformats.org/drawingml/2006/main" xmlns:r="http://schemas.openxmlformats.org/officeDocument/2006/relationships" xmlns:p="http://schemas.openxmlformats.org/presentationml/2006/main" showMasterSp="0" showMasterPhAnim="0">
-  <p:cSld>
-    <p:spTree>
-      <p:nvGrpSpPr>
-        <p:cNvPr id="1" name="Shape 106"/>
-        <p:cNvGrpSpPr/>
-        <p:nvPr/>
-      </p:nvGrpSpPr>
-      <p:grpSpPr>
-        <a:xfrm>
-          <a:off x="0" y="0"/>
-          <a:ext cx="0" cy="0"/>
-          <a:chOff x="0" y="0"/>
-          <a:chExt cx="0" cy="0"/>
-        </a:xfrm>
-      </p:grpSpPr>
-      <p:sp>
-        <p:nvSpPr>
-          <p:cNvPr id="107" name="Google Shape;107;p3:notes"/>
-          <p:cNvSpPr txBox="1">
-            <a:spLocks noGrp="1"/>
-          </p:cNvSpPr>
-          <p:nvPr>
-            <p:ph type="body" idx="1"/>
-          </p:nvPr>
-        </p:nvSpPr>
-        <p:spPr>
-          <a:xfrm>
-            <a:off x="685800" y="4400550"/>
-            <a:ext cx="5486400" cy="3600450"/>
-          </a:xfrm>
-          <a:prstGeom prst="rect">
-            <a:avLst/>
-          </a:prstGeom>
-        </p:spPr>
-        <p:txBody>
-          <a:bodyPr spcFirstLastPara="1" wrap="square" lIns="91425" tIns="45700" rIns="91425" bIns="45700" anchor="t" anchorCtr="0">
-            <a:noAutofit/>
-          </a:bodyPr>
-          <a:lstStyle/>
-          <a:p>
-            <a:pPr marL="0" lvl="0" indent="0" algn="l" rtl="0">
-              <a:spcBef>
-                <a:spcPts val="0"/>
-              </a:spcBef>
-              <a:spcAft>
-                <a:spcPts val="0"/>
-              </a:spcAft>
-              <a:buNone/>
-            </a:pPr>
-            <a:endParaRPr dirty="0"/>
-          </a:p>
-        </p:txBody>
-      </p:sp>
-      <p:sp>
-        <p:nvSpPr>
-          <p:cNvPr id="108" name="Google Shape;108;p3:notes"/>
-          <p:cNvSpPr>
-            <a:spLocks noGrp="1" noRot="1" noChangeAspect="1"/>
-          </p:cNvSpPr>
-          <p:nvPr>
-            <p:ph type="sldImg" idx="2"/>
-          </p:nvPr>
-        </p:nvSpPr>
-        <p:spPr>
-          <a:xfrm>
-            <a:off x="685800" y="1143000"/>
-            <a:ext cx="5486400" cy="3086100"/>
-          </a:xfrm>
-          <a:custGeom>
-            <a:avLst/>
-            <a:gdLst/>
-            <a:ahLst/>
-            <a:cxnLst/>
-            <a:rect l="l" t="t" r="r" b="b"/>
-            <a:pathLst>
-              <a:path w="120000" h="120000" extrusionOk="0">
-                <a:moveTo>
-                  <a:pt x="0" y="0"/>
-                </a:moveTo>
-                <a:lnTo>
-                  <a:pt x="120000" y="0"/>
-                </a:lnTo>
-                <a:lnTo>
-                  <a:pt x="120000" y="120000"/>
-                </a:lnTo>
-                <a:lnTo>
-                  <a:pt x="0" y="120000"/>
-                </a:lnTo>
-                <a:close/>
-              </a:path>
-            </a:pathLst>
-          </a:custGeom>
-        </p:spPr>
-      </p:sp>
-    </p:spTree>
-  </p:cSld>
-  <p:clrMapOvr>
-    <a:masterClrMapping/>
-  </p:clrMapOvr>
-</p:notes>
-</file>
-
-<file path=ppt/notesSlides/notesSlide15.xml><?xml version="1.0" encoding="utf-8"?>
-<p:notes xmlns:a="http://schemas.openxmlformats.org/drawingml/2006/main" xmlns:r="http://schemas.openxmlformats.org/officeDocument/2006/relationships" xmlns:p="http://schemas.openxmlformats.org/presentationml/2006/main">
-  <p:cSld>
-    <p:spTree>
-      <p:nvGrpSpPr>
-        <p:cNvPr id="1" name=""/>
-        <p:cNvGrpSpPr/>
-        <p:nvPr/>
-      </p:nvGrpSpPr>
-      <p:grpSpPr>
-        <a:xfrm>
-          <a:off x="0" y="0"/>
-          <a:ext cx="0" cy="0"/>
-          <a:chOff x="0" y="0"/>
-          <a:chExt cx="0" cy="0"/>
-        </a:xfrm>
-      </p:grpSpPr>
-      <p:sp>
-        <p:nvSpPr>
-          <p:cNvPr id="2" name="Slide Image Placeholder 1"/>
-          <p:cNvSpPr>
-            <a:spLocks noGrp="1" noRot="1" noChangeAspect="1"/>
-          </p:cNvSpPr>
-          <p:nvPr>
-            <p:ph type="sldImg"/>
-          </p:nvPr>
-        </p:nvSpPr>
-        <p:spPr/>
-      </p:sp>
-      <p:sp>
-        <p:nvSpPr>
-          <p:cNvPr id="3" name="Notes Placeholder 2"/>
-          <p:cNvSpPr>
-            <a:spLocks noGrp="1"/>
-          </p:cNvSpPr>
-          <p:nvPr>
-            <p:ph type="body" idx="1"/>
-          </p:nvPr>
-        </p:nvSpPr>
-        <p:spPr/>
-        <p:txBody>
-          <a:bodyPr/>
-          <a:lstStyle/>
-          <a:p>
-            <a:endParaRPr lang="en-US" dirty="0"/>
-          </a:p>
-        </p:txBody>
-      </p:sp>
-      <p:sp>
-        <p:nvSpPr>
-          <p:cNvPr id="4" name="Slide Number Placeholder 3"/>
-          <p:cNvSpPr>
-            <a:spLocks noGrp="1"/>
-          </p:cNvSpPr>
-          <p:nvPr>
-            <p:ph type="sldNum" idx="12"/>
-          </p:nvPr>
-        </p:nvSpPr>
-        <p:spPr/>
-        <p:txBody>
-          <a:bodyPr/>
-          <a:lstStyle/>
-          <a:p>
-            <a:pPr marL="0" marR="0" lvl="0" indent="0" algn="r" rtl="0">
-              <a:spcBef>
-                <a:spcPts val="0"/>
-              </a:spcBef>
-              <a:spcAft>
-                <a:spcPts val="0"/>
-              </a:spcAft>
-              <a:buNone/>
-            </a:pPr>
-            <a:fld id="{00000000-1234-1234-1234-123412341234}" type="slidenum">
-              <a:rPr lang="en-US" sz="1200" b="0" i="0" u="none" strike="noStrike" cap="none" smtClean="0">
-                <a:solidFill>
-                  <a:schemeClr val="dk1"/>
-                </a:solidFill>
-                <a:latin typeface="Calibri"/>
-                <a:ea typeface="Calibri"/>
-                <a:cs typeface="Calibri"/>
-                <a:sym typeface="Calibri"/>
-              </a:rPr>
-              <a:t>38</a:t>
-            </a:fld>
-            <a:endParaRPr lang="en-US" sz="1200" b="0" i="0" u="none" strike="noStrike" cap="none" dirty="0">
-              <a:solidFill>
-                <a:schemeClr val="dk1"/>
-              </a:solidFill>
-              <a:latin typeface="Calibri"/>
-              <a:ea typeface="Calibri"/>
-              <a:cs typeface="Calibri"/>
-              <a:sym typeface="Calibri"/>
-            </a:endParaRPr>
-          </a:p>
-        </p:txBody>
-      </p:sp>
-    </p:spTree>
-    <p:extLst>
-      <p:ext uri="{BB962C8B-B14F-4D97-AF65-F5344CB8AC3E}">
-        <p14:creationId xmlns:p14="http://schemas.microsoft.com/office/powerpoint/2010/main" val="1873660484"/>
-      </p:ext>
-    </p:extLst>
-  </p:cSld>
-  <p:clrMapOvr>
-    <a:masterClrMapping/>
-  </p:clrMapOvr>
-</p:notes>
-</file>
-
-<file path=ppt/notesSlides/notesSlide16.xml><?xml version="1.0" encoding="utf-8"?>
-<p:notes xmlns:a="http://schemas.openxmlformats.org/drawingml/2006/main" xmlns:r="http://schemas.openxmlformats.org/officeDocument/2006/relationships" xmlns:p="http://schemas.openxmlformats.org/presentationml/2006/main">
-  <p:cSld>
-    <p:spTree>
-      <p:nvGrpSpPr>
-        <p:cNvPr id="1" name=""/>
-        <p:cNvGrpSpPr/>
-        <p:nvPr/>
-      </p:nvGrpSpPr>
-      <p:grpSpPr>
-        <a:xfrm>
-          <a:off x="0" y="0"/>
-          <a:ext cx="0" cy="0"/>
-          <a:chOff x="0" y="0"/>
-          <a:chExt cx="0" cy="0"/>
-        </a:xfrm>
-      </p:grpSpPr>
-      <p:sp>
-        <p:nvSpPr>
-          <p:cNvPr id="2" name="Slide Image Placeholder 1"/>
-          <p:cNvSpPr>
-            <a:spLocks noGrp="1" noRot="1" noChangeAspect="1"/>
-          </p:cNvSpPr>
-          <p:nvPr>
-            <p:ph type="sldImg"/>
-          </p:nvPr>
-        </p:nvSpPr>
-        <p:spPr/>
-      </p:sp>
-      <p:sp>
-        <p:nvSpPr>
-          <p:cNvPr id="3" name="Notes Placeholder 2"/>
-          <p:cNvSpPr>
-            <a:spLocks noGrp="1"/>
-          </p:cNvSpPr>
-          <p:nvPr>
-            <p:ph type="body" idx="1"/>
-          </p:nvPr>
-        </p:nvSpPr>
-        <p:spPr/>
-        <p:txBody>
-          <a:bodyPr/>
-          <a:lstStyle/>
-          <a:p>
-            <a:endParaRPr lang="en-US" dirty="0"/>
-          </a:p>
-        </p:txBody>
-      </p:sp>
-      <p:sp>
-        <p:nvSpPr>
-          <p:cNvPr id="4" name="Slide Number Placeholder 3"/>
-          <p:cNvSpPr>
-            <a:spLocks noGrp="1"/>
-          </p:cNvSpPr>
-          <p:nvPr>
-            <p:ph type="sldNum" idx="12"/>
-          </p:nvPr>
-        </p:nvSpPr>
-        <p:spPr/>
-        <p:txBody>
-          <a:bodyPr/>
-          <a:lstStyle/>
-          <a:p>
-            <a:pPr marL="0" marR="0" lvl="0" indent="0" algn="r" rtl="0">
-              <a:spcBef>
-                <a:spcPts val="0"/>
-              </a:spcBef>
-              <a:spcAft>
-                <a:spcPts val="0"/>
-              </a:spcAft>
-              <a:buNone/>
-            </a:pPr>
-            <a:fld id="{00000000-1234-1234-1234-123412341234}" type="slidenum">
-              <a:rPr lang="en-US" sz="1200" b="0" i="0" u="none" strike="noStrike" cap="none" smtClean="0">
-                <a:solidFill>
-                  <a:schemeClr val="dk1"/>
-                </a:solidFill>
-                <a:latin typeface="Calibri"/>
-                <a:ea typeface="Calibri"/>
-                <a:cs typeface="Calibri"/>
-                <a:sym typeface="Calibri"/>
-              </a:rPr>
-              <a:t>39</a:t>
-            </a:fld>
-            <a:endParaRPr lang="en-US" sz="1200" b="0" i="0" u="none" strike="noStrike" cap="none" dirty="0">
-              <a:solidFill>
-                <a:schemeClr val="dk1"/>
-              </a:solidFill>
-              <a:latin typeface="Calibri"/>
-              <a:ea typeface="Calibri"/>
-              <a:cs typeface="Calibri"/>
-              <a:sym typeface="Calibri"/>
-            </a:endParaRPr>
-          </a:p>
-        </p:txBody>
-      </p:sp>
-    </p:spTree>
-    <p:extLst>
-      <p:ext uri="{BB962C8B-B14F-4D97-AF65-F5344CB8AC3E}">
-        <p14:creationId xmlns:p14="http://schemas.microsoft.com/office/powerpoint/2010/main" val="3378352718"/>
       </p:ext>
     </p:extLst>
   </p:cSld>
@@ -2753,6 +2817,442 @@
       </p:grpSpPr>
       <p:sp>
         <p:nvSpPr>
+          <p:cNvPr id="99" name="Google Shape;99;p2:notes"/>
+          <p:cNvSpPr txBox="1">
+            <a:spLocks noGrp="1"/>
+          </p:cNvSpPr>
+          <p:nvPr>
+            <p:ph type="body" idx="1"/>
+          </p:nvPr>
+        </p:nvSpPr>
+        <p:spPr>
+          <a:xfrm>
+            <a:off x="685800" y="4400550"/>
+            <a:ext cx="5486400" cy="3600450"/>
+          </a:xfrm>
+          <a:prstGeom prst="rect">
+            <a:avLst/>
+          </a:prstGeom>
+        </p:spPr>
+        <p:txBody>
+          <a:bodyPr spcFirstLastPara="1" wrap="square" lIns="91425" tIns="45700" rIns="91425" bIns="45700" anchor="t" anchorCtr="0">
+            <a:noAutofit/>
+          </a:bodyPr>
+          <a:lstStyle/>
+          <a:p>
+            <a:pPr marL="0" lvl="0" indent="0" algn="l" rtl="0">
+              <a:spcBef>
+                <a:spcPts val="0"/>
+              </a:spcBef>
+              <a:spcAft>
+                <a:spcPts val="0"/>
+              </a:spcAft>
+              <a:buNone/>
+            </a:pPr>
+            <a:endParaRPr dirty="0"/>
+          </a:p>
+        </p:txBody>
+      </p:sp>
+      <p:sp>
+        <p:nvSpPr>
+          <p:cNvPr id="100" name="Google Shape;100;p2:notes"/>
+          <p:cNvSpPr>
+            <a:spLocks noGrp="1" noRot="1" noChangeAspect="1"/>
+          </p:cNvSpPr>
+          <p:nvPr>
+            <p:ph type="sldImg" idx="2"/>
+          </p:nvPr>
+        </p:nvSpPr>
+        <p:spPr>
+          <a:xfrm>
+            <a:off x="685800" y="1143000"/>
+            <a:ext cx="5486400" cy="3086100"/>
+          </a:xfrm>
+          <a:custGeom>
+            <a:avLst/>
+            <a:gdLst/>
+            <a:ahLst/>
+            <a:cxnLst/>
+            <a:rect l="l" t="t" r="r" b="b"/>
+            <a:pathLst>
+              <a:path w="120000" h="120000" extrusionOk="0">
+                <a:moveTo>
+                  <a:pt x="0" y="0"/>
+                </a:moveTo>
+                <a:lnTo>
+                  <a:pt x="120000" y="0"/>
+                </a:lnTo>
+                <a:lnTo>
+                  <a:pt x="120000" y="120000"/>
+                </a:lnTo>
+                <a:lnTo>
+                  <a:pt x="0" y="120000"/>
+                </a:lnTo>
+                <a:close/>
+              </a:path>
+            </a:pathLst>
+          </a:custGeom>
+        </p:spPr>
+      </p:sp>
+    </p:spTree>
+    <p:extLst>
+      <p:ext uri="{BB962C8B-B14F-4D97-AF65-F5344CB8AC3E}">
+        <p14:creationId xmlns:p14="http://schemas.microsoft.com/office/powerpoint/2010/main" val="3518665984"/>
+      </p:ext>
+    </p:extLst>
+  </p:cSld>
+  <p:clrMapOvr>
+    <a:masterClrMapping/>
+  </p:clrMapOvr>
+</p:notes>
+</file>
+
+<file path=ppt/notesSlides/notesSlide6.xml><?xml version="1.0" encoding="utf-8"?>
+<p:notes xmlns:a="http://schemas.openxmlformats.org/drawingml/2006/main" xmlns:r="http://schemas.openxmlformats.org/officeDocument/2006/relationships" xmlns:p="http://schemas.openxmlformats.org/presentationml/2006/main" showMasterSp="0" showMasterPhAnim="0">
+  <p:cSld>
+    <p:spTree>
+      <p:nvGrpSpPr>
+        <p:cNvPr id="1" name="Shape 106"/>
+        <p:cNvGrpSpPr/>
+        <p:nvPr/>
+      </p:nvGrpSpPr>
+      <p:grpSpPr>
+        <a:xfrm>
+          <a:off x="0" y="0"/>
+          <a:ext cx="0" cy="0"/>
+          <a:chOff x="0" y="0"/>
+          <a:chExt cx="0" cy="0"/>
+        </a:xfrm>
+      </p:grpSpPr>
+      <p:sp>
+        <p:nvSpPr>
+          <p:cNvPr id="107" name="Google Shape;107;p3:notes"/>
+          <p:cNvSpPr txBox="1">
+            <a:spLocks noGrp="1"/>
+          </p:cNvSpPr>
+          <p:nvPr>
+            <p:ph type="body" idx="1"/>
+          </p:nvPr>
+        </p:nvSpPr>
+        <p:spPr>
+          <a:xfrm>
+            <a:off x="685800" y="4400550"/>
+            <a:ext cx="5486400" cy="3600450"/>
+          </a:xfrm>
+          <a:prstGeom prst="rect">
+            <a:avLst/>
+          </a:prstGeom>
+        </p:spPr>
+        <p:txBody>
+          <a:bodyPr spcFirstLastPara="1" wrap="square" lIns="91425" tIns="45700" rIns="91425" bIns="45700" anchor="t" anchorCtr="0">
+            <a:noAutofit/>
+          </a:bodyPr>
+          <a:lstStyle/>
+          <a:p>
+            <a:pPr marL="0" lvl="0" indent="0" algn="l" rtl="0">
+              <a:spcBef>
+                <a:spcPts val="0"/>
+              </a:spcBef>
+              <a:spcAft>
+                <a:spcPts val="0"/>
+              </a:spcAft>
+              <a:buNone/>
+            </a:pPr>
+            <a:endParaRPr dirty="0"/>
+          </a:p>
+        </p:txBody>
+      </p:sp>
+      <p:sp>
+        <p:nvSpPr>
+          <p:cNvPr id="108" name="Google Shape;108;p3:notes"/>
+          <p:cNvSpPr>
+            <a:spLocks noGrp="1" noRot="1" noChangeAspect="1"/>
+          </p:cNvSpPr>
+          <p:nvPr>
+            <p:ph type="sldImg" idx="2"/>
+          </p:nvPr>
+        </p:nvSpPr>
+        <p:spPr>
+          <a:xfrm>
+            <a:off x="685800" y="1143000"/>
+            <a:ext cx="5486400" cy="3086100"/>
+          </a:xfrm>
+          <a:custGeom>
+            <a:avLst/>
+            <a:gdLst/>
+            <a:ahLst/>
+            <a:cxnLst/>
+            <a:rect l="l" t="t" r="r" b="b"/>
+            <a:pathLst>
+              <a:path w="120000" h="120000" extrusionOk="0">
+                <a:moveTo>
+                  <a:pt x="0" y="0"/>
+                </a:moveTo>
+                <a:lnTo>
+                  <a:pt x="120000" y="0"/>
+                </a:lnTo>
+                <a:lnTo>
+                  <a:pt x="120000" y="120000"/>
+                </a:lnTo>
+                <a:lnTo>
+                  <a:pt x="0" y="120000"/>
+                </a:lnTo>
+                <a:close/>
+              </a:path>
+            </a:pathLst>
+          </a:custGeom>
+        </p:spPr>
+      </p:sp>
+    </p:spTree>
+    <p:extLst>
+      <p:ext uri="{BB962C8B-B14F-4D97-AF65-F5344CB8AC3E}">
+        <p14:creationId xmlns:p14="http://schemas.microsoft.com/office/powerpoint/2010/main" val="4283684510"/>
+      </p:ext>
+    </p:extLst>
+  </p:cSld>
+  <p:clrMapOvr>
+    <a:masterClrMapping/>
+  </p:clrMapOvr>
+</p:notes>
+</file>
+
+<file path=ppt/notesSlides/notesSlide7.xml><?xml version="1.0" encoding="utf-8"?>
+<p:notes xmlns:a="http://schemas.openxmlformats.org/drawingml/2006/main" xmlns:r="http://schemas.openxmlformats.org/officeDocument/2006/relationships" xmlns:p="http://schemas.openxmlformats.org/presentationml/2006/main">
+  <p:cSld>
+    <p:spTree>
+      <p:nvGrpSpPr>
+        <p:cNvPr id="1" name=""/>
+        <p:cNvGrpSpPr/>
+        <p:nvPr/>
+      </p:nvGrpSpPr>
+      <p:grpSpPr>
+        <a:xfrm>
+          <a:off x="0" y="0"/>
+          <a:ext cx="0" cy="0"/>
+          <a:chOff x="0" y="0"/>
+          <a:chExt cx="0" cy="0"/>
+        </a:xfrm>
+      </p:grpSpPr>
+      <p:sp>
+        <p:nvSpPr>
+          <p:cNvPr id="2" name="Slide Image Placeholder 1"/>
+          <p:cNvSpPr>
+            <a:spLocks noGrp="1" noRot="1" noChangeAspect="1"/>
+          </p:cNvSpPr>
+          <p:nvPr>
+            <p:ph type="sldImg"/>
+          </p:nvPr>
+        </p:nvSpPr>
+        <p:spPr/>
+      </p:sp>
+      <p:sp>
+        <p:nvSpPr>
+          <p:cNvPr id="3" name="Notes Placeholder 2"/>
+          <p:cNvSpPr>
+            <a:spLocks noGrp="1"/>
+          </p:cNvSpPr>
+          <p:nvPr>
+            <p:ph type="body" idx="1"/>
+          </p:nvPr>
+        </p:nvSpPr>
+        <p:spPr/>
+        <p:txBody>
+          <a:bodyPr/>
+          <a:lstStyle/>
+          <a:p>
+            <a:endParaRPr lang="en-US" dirty="0"/>
+          </a:p>
+        </p:txBody>
+      </p:sp>
+      <p:sp>
+        <p:nvSpPr>
+          <p:cNvPr id="4" name="Slide Number Placeholder 3"/>
+          <p:cNvSpPr>
+            <a:spLocks noGrp="1"/>
+          </p:cNvSpPr>
+          <p:nvPr>
+            <p:ph type="sldNum" idx="12"/>
+          </p:nvPr>
+        </p:nvSpPr>
+        <p:spPr/>
+        <p:txBody>
+          <a:bodyPr/>
+          <a:lstStyle/>
+          <a:p>
+            <a:pPr marL="0" marR="0" lvl="0" indent="0" algn="r" rtl="0">
+              <a:spcBef>
+                <a:spcPts val="0"/>
+              </a:spcBef>
+              <a:spcAft>
+                <a:spcPts val="0"/>
+              </a:spcAft>
+              <a:buNone/>
+            </a:pPr>
+            <a:fld id="{00000000-1234-1234-1234-123412341234}" type="slidenum">
+              <a:rPr lang="en-US" sz="1200" b="0" i="0" u="none" strike="noStrike" cap="none" smtClean="0">
+                <a:solidFill>
+                  <a:schemeClr val="dk1"/>
+                </a:solidFill>
+                <a:latin typeface="Calibri"/>
+                <a:ea typeface="Calibri"/>
+                <a:cs typeface="Calibri"/>
+                <a:sym typeface="Calibri"/>
+              </a:rPr>
+              <a:t>23</a:t>
+            </a:fld>
+            <a:endParaRPr lang="en-US" sz="1200" b="0" i="0" u="none" strike="noStrike" cap="none" dirty="0">
+              <a:solidFill>
+                <a:schemeClr val="dk1"/>
+              </a:solidFill>
+              <a:latin typeface="Calibri"/>
+              <a:ea typeface="Calibri"/>
+              <a:cs typeface="Calibri"/>
+              <a:sym typeface="Calibri"/>
+            </a:endParaRPr>
+          </a:p>
+        </p:txBody>
+      </p:sp>
+    </p:spTree>
+    <p:extLst>
+      <p:ext uri="{BB962C8B-B14F-4D97-AF65-F5344CB8AC3E}">
+        <p14:creationId xmlns:p14="http://schemas.microsoft.com/office/powerpoint/2010/main" val="438867316"/>
+      </p:ext>
+    </p:extLst>
+  </p:cSld>
+  <p:clrMapOvr>
+    <a:masterClrMapping/>
+  </p:clrMapOvr>
+</p:notes>
+</file>
+
+<file path=ppt/notesSlides/notesSlide8.xml><?xml version="1.0" encoding="utf-8"?>
+<p:notes xmlns:a="http://schemas.openxmlformats.org/drawingml/2006/main" xmlns:r="http://schemas.openxmlformats.org/officeDocument/2006/relationships" xmlns:p="http://schemas.openxmlformats.org/presentationml/2006/main">
+  <p:cSld>
+    <p:spTree>
+      <p:nvGrpSpPr>
+        <p:cNvPr id="1" name=""/>
+        <p:cNvGrpSpPr/>
+        <p:nvPr/>
+      </p:nvGrpSpPr>
+      <p:grpSpPr>
+        <a:xfrm>
+          <a:off x="0" y="0"/>
+          <a:ext cx="0" cy="0"/>
+          <a:chOff x="0" y="0"/>
+          <a:chExt cx="0" cy="0"/>
+        </a:xfrm>
+      </p:grpSpPr>
+      <p:sp>
+        <p:nvSpPr>
+          <p:cNvPr id="2" name="Slide Image Placeholder 1"/>
+          <p:cNvSpPr>
+            <a:spLocks noGrp="1" noRot="1" noChangeAspect="1"/>
+          </p:cNvSpPr>
+          <p:nvPr>
+            <p:ph type="sldImg"/>
+          </p:nvPr>
+        </p:nvSpPr>
+        <p:spPr/>
+      </p:sp>
+      <p:sp>
+        <p:nvSpPr>
+          <p:cNvPr id="3" name="Notes Placeholder 2"/>
+          <p:cNvSpPr>
+            <a:spLocks noGrp="1"/>
+          </p:cNvSpPr>
+          <p:nvPr>
+            <p:ph type="body" idx="1"/>
+          </p:nvPr>
+        </p:nvSpPr>
+        <p:spPr/>
+        <p:txBody>
+          <a:bodyPr/>
+          <a:lstStyle/>
+          <a:p>
+            <a:endParaRPr lang="en-US" dirty="0"/>
+          </a:p>
+        </p:txBody>
+      </p:sp>
+      <p:sp>
+        <p:nvSpPr>
+          <p:cNvPr id="4" name="Slide Number Placeholder 3"/>
+          <p:cNvSpPr>
+            <a:spLocks noGrp="1"/>
+          </p:cNvSpPr>
+          <p:nvPr>
+            <p:ph type="sldNum" idx="12"/>
+          </p:nvPr>
+        </p:nvSpPr>
+        <p:spPr/>
+        <p:txBody>
+          <a:bodyPr/>
+          <a:lstStyle/>
+          <a:p>
+            <a:pPr marL="0" marR="0" lvl="0" indent="0" algn="r" rtl="0">
+              <a:spcBef>
+                <a:spcPts val="0"/>
+              </a:spcBef>
+              <a:spcAft>
+                <a:spcPts val="0"/>
+              </a:spcAft>
+              <a:buNone/>
+            </a:pPr>
+            <a:fld id="{00000000-1234-1234-1234-123412341234}" type="slidenum">
+              <a:rPr lang="en-US" sz="1200" b="0" i="0" u="none" strike="noStrike" cap="none" smtClean="0">
+                <a:solidFill>
+                  <a:schemeClr val="dk1"/>
+                </a:solidFill>
+                <a:latin typeface="Calibri"/>
+                <a:ea typeface="Calibri"/>
+                <a:cs typeface="Calibri"/>
+                <a:sym typeface="Calibri"/>
+              </a:rPr>
+              <a:t>24</a:t>
+            </a:fld>
+            <a:endParaRPr lang="en-US" sz="1200" b="0" i="0" u="none" strike="noStrike" cap="none" dirty="0">
+              <a:solidFill>
+                <a:schemeClr val="dk1"/>
+              </a:solidFill>
+              <a:latin typeface="Calibri"/>
+              <a:ea typeface="Calibri"/>
+              <a:cs typeface="Calibri"/>
+              <a:sym typeface="Calibri"/>
+            </a:endParaRPr>
+          </a:p>
+        </p:txBody>
+      </p:sp>
+    </p:spTree>
+    <p:extLst>
+      <p:ext uri="{BB962C8B-B14F-4D97-AF65-F5344CB8AC3E}">
+        <p14:creationId xmlns:p14="http://schemas.microsoft.com/office/powerpoint/2010/main" val="3959785811"/>
+      </p:ext>
+    </p:extLst>
+  </p:cSld>
+  <p:clrMapOvr>
+    <a:masterClrMapping/>
+  </p:clrMapOvr>
+</p:notes>
+</file>
+
+<file path=ppt/notesSlides/notesSlide9.xml><?xml version="1.0" encoding="utf-8"?>
+<p:notes xmlns:a="http://schemas.openxmlformats.org/drawingml/2006/main" xmlns:r="http://schemas.openxmlformats.org/officeDocument/2006/relationships" xmlns:p="http://schemas.openxmlformats.org/presentationml/2006/main" showMasterSp="0" showMasterPhAnim="0">
+  <p:cSld>
+    <p:spTree>
+      <p:nvGrpSpPr>
+        <p:cNvPr id="1" name="Shape 98"/>
+        <p:cNvGrpSpPr/>
+        <p:nvPr/>
+      </p:nvGrpSpPr>
+      <p:grpSpPr>
+        <a:xfrm>
+          <a:off x="0" y="0"/>
+          <a:ext cx="0" cy="0"/>
+          <a:chOff x="0" y="0"/>
+          <a:chExt cx="0" cy="0"/>
+        </a:xfrm>
+      </p:grpSpPr>
+      <p:sp>
+        <p:nvSpPr>
           <p:cNvPr id="99" name="Google Shape;99;g75bc95f42c_0_25:notes"/>
           <p:cNvSpPr txBox="1">
             <a:spLocks noGrp="1"/>
@@ -2852,496 +3352,6 @@
     <p:extLst>
       <p:ext uri="{BB962C8B-B14F-4D97-AF65-F5344CB8AC3E}">
         <p14:creationId xmlns:p14="http://schemas.microsoft.com/office/powerpoint/2010/main" val="4009283189"/>
-      </p:ext>
-    </p:extLst>
-  </p:cSld>
-  <p:clrMapOvr>
-    <a:masterClrMapping/>
-  </p:clrMapOvr>
-</p:notes>
-</file>
-
-<file path=ppt/notesSlides/notesSlide6.xml><?xml version="1.0" encoding="utf-8"?>
-<p:notes xmlns:a="http://schemas.openxmlformats.org/drawingml/2006/main" xmlns:r="http://schemas.openxmlformats.org/officeDocument/2006/relationships" xmlns:p="http://schemas.openxmlformats.org/presentationml/2006/main" showMasterSp="0" showMasterPhAnim="0">
-  <p:cSld>
-    <p:spTree>
-      <p:nvGrpSpPr>
-        <p:cNvPr id="1" name="Shape 104"/>
-        <p:cNvGrpSpPr/>
-        <p:nvPr/>
-      </p:nvGrpSpPr>
-      <p:grpSpPr>
-        <a:xfrm>
-          <a:off x="0" y="0"/>
-          <a:ext cx="0" cy="0"/>
-          <a:chOff x="0" y="0"/>
-          <a:chExt cx="0" cy="0"/>
-        </a:xfrm>
-      </p:grpSpPr>
-      <p:sp>
-        <p:nvSpPr>
-          <p:cNvPr id="105" name="Google Shape;105;g75bc95f42c_0_30:notes"/>
-          <p:cNvSpPr txBox="1">
-            <a:spLocks noGrp="1"/>
-          </p:cNvSpPr>
-          <p:nvPr>
-            <p:ph type="body" idx="1"/>
-          </p:nvPr>
-        </p:nvSpPr>
-        <p:spPr>
-          <a:xfrm>
-            <a:off x="685800" y="4400550"/>
-            <a:ext cx="5486400" cy="3600600"/>
-          </a:xfrm>
-          <a:prstGeom prst="rect">
-            <a:avLst/>
-          </a:prstGeom>
-          <a:noFill/>
-          <a:ln>
-            <a:noFill/>
-          </a:ln>
-        </p:spPr>
-        <p:txBody>
-          <a:bodyPr spcFirstLastPara="1" wrap="square" lIns="91425" tIns="45700" rIns="91425" bIns="45700" anchor="t" anchorCtr="0">
-            <a:noAutofit/>
-          </a:bodyPr>
-          <a:lstStyle/>
-          <a:p>
-            <a:pPr marL="0" lvl="0" indent="0" algn="l" rtl="0">
-              <a:lnSpc>
-                <a:spcPct val="100000"/>
-              </a:lnSpc>
-              <a:spcBef>
-                <a:spcPts val="0"/>
-              </a:spcBef>
-              <a:spcAft>
-                <a:spcPts val="0"/>
-              </a:spcAft>
-              <a:buSzPts val="1400"/>
-              <a:buNone/>
-            </a:pPr>
-            <a:endParaRPr/>
-          </a:p>
-        </p:txBody>
-      </p:sp>
-      <p:sp>
-        <p:nvSpPr>
-          <p:cNvPr id="106" name="Google Shape;106;g75bc95f42c_0_30:notes"/>
-          <p:cNvSpPr>
-            <a:spLocks noGrp="1" noRot="1" noChangeAspect="1"/>
-          </p:cNvSpPr>
-          <p:nvPr>
-            <p:ph type="sldImg" idx="2"/>
-          </p:nvPr>
-        </p:nvSpPr>
-        <p:spPr>
-          <a:xfrm>
-            <a:off x="685800" y="1143000"/>
-            <a:ext cx="5486400" cy="3086100"/>
-          </a:xfrm>
-          <a:custGeom>
-            <a:avLst/>
-            <a:gdLst/>
-            <a:ahLst/>
-            <a:cxnLst/>
-            <a:rect l="l" t="t" r="r" b="b"/>
-            <a:pathLst>
-              <a:path w="120000" h="120000" extrusionOk="0">
-                <a:moveTo>
-                  <a:pt x="0" y="0"/>
-                </a:moveTo>
-                <a:lnTo>
-                  <a:pt x="120000" y="0"/>
-                </a:lnTo>
-                <a:lnTo>
-                  <a:pt x="120000" y="120000"/>
-                </a:lnTo>
-                <a:lnTo>
-                  <a:pt x="0" y="120000"/>
-                </a:lnTo>
-                <a:close/>
-              </a:path>
-            </a:pathLst>
-          </a:custGeom>
-          <a:noFill/>
-          <a:ln w="12700" cap="flat" cmpd="sng">
-            <a:solidFill>
-              <a:srgbClr val="000000"/>
-            </a:solidFill>
-            <a:prstDash val="solid"/>
-            <a:round/>
-            <a:headEnd type="none" w="sm" len="sm"/>
-            <a:tailEnd type="none" w="sm" len="sm"/>
-          </a:ln>
-        </p:spPr>
-      </p:sp>
-    </p:spTree>
-    <p:extLst>
-      <p:ext uri="{BB962C8B-B14F-4D97-AF65-F5344CB8AC3E}">
-        <p14:creationId xmlns:p14="http://schemas.microsoft.com/office/powerpoint/2010/main" val="1153270610"/>
-      </p:ext>
-    </p:extLst>
-  </p:cSld>
-  <p:clrMapOvr>
-    <a:masterClrMapping/>
-  </p:clrMapOvr>
-</p:notes>
-</file>
-
-<file path=ppt/notesSlides/notesSlide7.xml><?xml version="1.0" encoding="utf-8"?>
-<p:notes xmlns:a="http://schemas.openxmlformats.org/drawingml/2006/main" xmlns:r="http://schemas.openxmlformats.org/officeDocument/2006/relationships" xmlns:p="http://schemas.openxmlformats.org/presentationml/2006/main" showMasterSp="0" showMasterPhAnim="0">
-  <p:cSld>
-    <p:spTree>
-      <p:nvGrpSpPr>
-        <p:cNvPr id="1" name="Shape 110"/>
-        <p:cNvGrpSpPr/>
-        <p:nvPr/>
-      </p:nvGrpSpPr>
-      <p:grpSpPr>
-        <a:xfrm>
-          <a:off x="0" y="0"/>
-          <a:ext cx="0" cy="0"/>
-          <a:chOff x="0" y="0"/>
-          <a:chExt cx="0" cy="0"/>
-        </a:xfrm>
-      </p:grpSpPr>
-      <p:sp>
-        <p:nvSpPr>
-          <p:cNvPr id="111" name="Google Shape;111;g75bc95f42c_0_35:notes"/>
-          <p:cNvSpPr txBox="1">
-            <a:spLocks noGrp="1"/>
-          </p:cNvSpPr>
-          <p:nvPr>
-            <p:ph type="body" idx="1"/>
-          </p:nvPr>
-        </p:nvSpPr>
-        <p:spPr>
-          <a:xfrm>
-            <a:off x="685800" y="4400550"/>
-            <a:ext cx="5486400" cy="3600600"/>
-          </a:xfrm>
-          <a:prstGeom prst="rect">
-            <a:avLst/>
-          </a:prstGeom>
-        </p:spPr>
-        <p:txBody>
-          <a:bodyPr spcFirstLastPara="1" wrap="square" lIns="91425" tIns="45700" rIns="91425" bIns="45700" anchor="t" anchorCtr="0">
-            <a:noAutofit/>
-          </a:bodyPr>
-          <a:lstStyle/>
-          <a:p>
-            <a:pPr marL="0" lvl="0" indent="0" algn="l" rtl="0">
-              <a:spcBef>
-                <a:spcPts val="0"/>
-              </a:spcBef>
-              <a:spcAft>
-                <a:spcPts val="0"/>
-              </a:spcAft>
-              <a:buNone/>
-            </a:pPr>
-            <a:endParaRPr/>
-          </a:p>
-        </p:txBody>
-      </p:sp>
-      <p:sp>
-        <p:nvSpPr>
-          <p:cNvPr id="112" name="Google Shape;112;g75bc95f42c_0_35:notes"/>
-          <p:cNvSpPr>
-            <a:spLocks noGrp="1" noRot="1" noChangeAspect="1"/>
-          </p:cNvSpPr>
-          <p:nvPr>
-            <p:ph type="sldImg" idx="2"/>
-          </p:nvPr>
-        </p:nvSpPr>
-        <p:spPr>
-          <a:xfrm>
-            <a:off x="685800" y="1143000"/>
-            <a:ext cx="5486400" cy="3086100"/>
-          </a:xfrm>
-          <a:custGeom>
-            <a:avLst/>
-            <a:gdLst/>
-            <a:ahLst/>
-            <a:cxnLst/>
-            <a:rect l="l" t="t" r="r" b="b"/>
-            <a:pathLst>
-              <a:path w="120000" h="120000" extrusionOk="0">
-                <a:moveTo>
-                  <a:pt x="0" y="0"/>
-                </a:moveTo>
-                <a:lnTo>
-                  <a:pt x="120000" y="0"/>
-                </a:lnTo>
-                <a:lnTo>
-                  <a:pt x="120000" y="120000"/>
-                </a:lnTo>
-                <a:lnTo>
-                  <a:pt x="0" y="120000"/>
-                </a:lnTo>
-                <a:close/>
-              </a:path>
-            </a:pathLst>
-          </a:custGeom>
-        </p:spPr>
-      </p:sp>
-    </p:spTree>
-    <p:extLst>
-      <p:ext uri="{BB962C8B-B14F-4D97-AF65-F5344CB8AC3E}">
-        <p14:creationId xmlns:p14="http://schemas.microsoft.com/office/powerpoint/2010/main" val="970457854"/>
-      </p:ext>
-    </p:extLst>
-  </p:cSld>
-  <p:clrMapOvr>
-    <a:masterClrMapping/>
-  </p:clrMapOvr>
-</p:notes>
-</file>
-
-<file path=ppt/notesSlides/notesSlide8.xml><?xml version="1.0" encoding="utf-8"?>
-<p:notes xmlns:a="http://schemas.openxmlformats.org/drawingml/2006/main" xmlns:r="http://schemas.openxmlformats.org/officeDocument/2006/relationships" xmlns:p="http://schemas.openxmlformats.org/presentationml/2006/main" showMasterSp="0" showMasterPhAnim="0">
-  <p:cSld>
-    <p:spTree>
-      <p:nvGrpSpPr>
-        <p:cNvPr id="1" name="Shape 117"/>
-        <p:cNvGrpSpPr/>
-        <p:nvPr/>
-      </p:nvGrpSpPr>
-      <p:grpSpPr>
-        <a:xfrm>
-          <a:off x="0" y="0"/>
-          <a:ext cx="0" cy="0"/>
-          <a:chOff x="0" y="0"/>
-          <a:chExt cx="0" cy="0"/>
-        </a:xfrm>
-      </p:grpSpPr>
-      <p:sp>
-        <p:nvSpPr>
-          <p:cNvPr id="118" name="Google Shape;118;p2:notes"/>
-          <p:cNvSpPr txBox="1">
-            <a:spLocks noGrp="1"/>
-          </p:cNvSpPr>
-          <p:nvPr>
-            <p:ph type="body" idx="1"/>
-          </p:nvPr>
-        </p:nvSpPr>
-        <p:spPr>
-          <a:xfrm>
-            <a:off x="685800" y="4400550"/>
-            <a:ext cx="5486400" cy="3600450"/>
-          </a:xfrm>
-          <a:prstGeom prst="rect">
-            <a:avLst/>
-          </a:prstGeom>
-          <a:noFill/>
-          <a:ln>
-            <a:noFill/>
-          </a:ln>
-        </p:spPr>
-        <p:txBody>
-          <a:bodyPr spcFirstLastPara="1" wrap="square" lIns="91425" tIns="45700" rIns="91425" bIns="45700" anchor="t" anchorCtr="0">
-            <a:noAutofit/>
-          </a:bodyPr>
-          <a:lstStyle/>
-          <a:p>
-            <a:pPr marL="0" lvl="0" indent="0" algn="l" rtl="0">
-              <a:lnSpc>
-                <a:spcPct val="100000"/>
-              </a:lnSpc>
-              <a:spcBef>
-                <a:spcPts val="0"/>
-              </a:spcBef>
-              <a:spcAft>
-                <a:spcPts val="0"/>
-              </a:spcAft>
-              <a:buSzPts val="1400"/>
-              <a:buNone/>
-            </a:pPr>
-            <a:endParaRPr/>
-          </a:p>
-        </p:txBody>
-      </p:sp>
-      <p:sp>
-        <p:nvSpPr>
-          <p:cNvPr id="119" name="Google Shape;119;p2:notes"/>
-          <p:cNvSpPr>
-            <a:spLocks noGrp="1" noRot="1" noChangeAspect="1"/>
-          </p:cNvSpPr>
-          <p:nvPr>
-            <p:ph type="sldImg" idx="2"/>
-          </p:nvPr>
-        </p:nvSpPr>
-        <p:spPr>
-          <a:xfrm>
-            <a:off x="685800" y="1143000"/>
-            <a:ext cx="5486400" cy="3086100"/>
-          </a:xfrm>
-          <a:custGeom>
-            <a:avLst/>
-            <a:gdLst/>
-            <a:ahLst/>
-            <a:cxnLst/>
-            <a:rect l="l" t="t" r="r" b="b"/>
-            <a:pathLst>
-              <a:path w="120000" h="120000" extrusionOk="0">
-                <a:moveTo>
-                  <a:pt x="0" y="0"/>
-                </a:moveTo>
-                <a:lnTo>
-                  <a:pt x="120000" y="0"/>
-                </a:lnTo>
-                <a:lnTo>
-                  <a:pt x="120000" y="120000"/>
-                </a:lnTo>
-                <a:lnTo>
-                  <a:pt x="0" y="120000"/>
-                </a:lnTo>
-                <a:close/>
-              </a:path>
-            </a:pathLst>
-          </a:custGeom>
-          <a:noFill/>
-          <a:ln w="12700" cap="flat" cmpd="sng">
-            <a:solidFill>
-              <a:srgbClr val="000000"/>
-            </a:solidFill>
-            <a:prstDash val="solid"/>
-            <a:round/>
-            <a:headEnd type="none" w="sm" len="sm"/>
-            <a:tailEnd type="none" w="sm" len="sm"/>
-          </a:ln>
-        </p:spPr>
-      </p:sp>
-    </p:spTree>
-    <p:extLst>
-      <p:ext uri="{BB962C8B-B14F-4D97-AF65-F5344CB8AC3E}">
-        <p14:creationId xmlns:p14="http://schemas.microsoft.com/office/powerpoint/2010/main" val="4249518500"/>
-      </p:ext>
-    </p:extLst>
-  </p:cSld>
-  <p:clrMapOvr>
-    <a:masterClrMapping/>
-  </p:clrMapOvr>
-</p:notes>
-</file>
-
-<file path=ppt/notesSlides/notesSlide9.xml><?xml version="1.0" encoding="utf-8"?>
-<p:notes xmlns:a="http://schemas.openxmlformats.org/drawingml/2006/main" xmlns:r="http://schemas.openxmlformats.org/officeDocument/2006/relationships" xmlns:p="http://schemas.openxmlformats.org/presentationml/2006/main" showMasterSp="0" showMasterPhAnim="0">
-  <p:cSld>
-    <p:spTree>
-      <p:nvGrpSpPr>
-        <p:cNvPr id="1" name="Shape 123"/>
-        <p:cNvGrpSpPr/>
-        <p:nvPr/>
-      </p:nvGrpSpPr>
-      <p:grpSpPr>
-        <a:xfrm>
-          <a:off x="0" y="0"/>
-          <a:ext cx="0" cy="0"/>
-          <a:chOff x="0" y="0"/>
-          <a:chExt cx="0" cy="0"/>
-        </a:xfrm>
-      </p:grpSpPr>
-      <p:sp>
-        <p:nvSpPr>
-          <p:cNvPr id="124" name="Google Shape;124;p3:notes"/>
-          <p:cNvSpPr txBox="1">
-            <a:spLocks noGrp="1"/>
-          </p:cNvSpPr>
-          <p:nvPr>
-            <p:ph type="body" idx="1"/>
-          </p:nvPr>
-        </p:nvSpPr>
-        <p:spPr>
-          <a:xfrm>
-            <a:off x="685800" y="4400550"/>
-            <a:ext cx="5486400" cy="3600450"/>
-          </a:xfrm>
-          <a:prstGeom prst="rect">
-            <a:avLst/>
-          </a:prstGeom>
-          <a:noFill/>
-          <a:ln>
-            <a:noFill/>
-          </a:ln>
-        </p:spPr>
-        <p:txBody>
-          <a:bodyPr spcFirstLastPara="1" wrap="square" lIns="91425" tIns="45700" rIns="91425" bIns="45700" anchor="t" anchorCtr="0">
-            <a:noAutofit/>
-          </a:bodyPr>
-          <a:lstStyle/>
-          <a:p>
-            <a:pPr marL="0" lvl="0" indent="0" algn="l" rtl="0">
-              <a:lnSpc>
-                <a:spcPct val="100000"/>
-              </a:lnSpc>
-              <a:spcBef>
-                <a:spcPts val="0"/>
-              </a:spcBef>
-              <a:spcAft>
-                <a:spcPts val="0"/>
-              </a:spcAft>
-              <a:buSzPts val="1400"/>
-              <a:buNone/>
-            </a:pPr>
-            <a:endParaRPr/>
-          </a:p>
-        </p:txBody>
-      </p:sp>
-      <p:sp>
-        <p:nvSpPr>
-          <p:cNvPr id="125" name="Google Shape;125;p3:notes"/>
-          <p:cNvSpPr>
-            <a:spLocks noGrp="1" noRot="1" noChangeAspect="1"/>
-          </p:cNvSpPr>
-          <p:nvPr>
-            <p:ph type="sldImg" idx="2"/>
-          </p:nvPr>
-        </p:nvSpPr>
-        <p:spPr>
-          <a:xfrm>
-            <a:off x="685800" y="1143000"/>
-            <a:ext cx="5486400" cy="3086100"/>
-          </a:xfrm>
-          <a:custGeom>
-            <a:avLst/>
-            <a:gdLst/>
-            <a:ahLst/>
-            <a:cxnLst/>
-            <a:rect l="l" t="t" r="r" b="b"/>
-            <a:pathLst>
-              <a:path w="120000" h="120000" extrusionOk="0">
-                <a:moveTo>
-                  <a:pt x="0" y="0"/>
-                </a:moveTo>
-                <a:lnTo>
-                  <a:pt x="120000" y="0"/>
-                </a:lnTo>
-                <a:lnTo>
-                  <a:pt x="120000" y="120000"/>
-                </a:lnTo>
-                <a:lnTo>
-                  <a:pt x="0" y="120000"/>
-                </a:lnTo>
-                <a:close/>
-              </a:path>
-            </a:pathLst>
-          </a:custGeom>
-          <a:noFill/>
-          <a:ln w="12700" cap="flat" cmpd="sng">
-            <a:solidFill>
-              <a:srgbClr val="000000"/>
-            </a:solidFill>
-            <a:prstDash val="solid"/>
-            <a:round/>
-            <a:headEnd type="none" w="sm" len="sm"/>
-            <a:tailEnd type="none" w="sm" len="sm"/>
-          </a:ln>
-        </p:spPr>
-      </p:sp>
-    </p:spTree>
-    <p:extLst>
-      <p:ext uri="{BB962C8B-B14F-4D97-AF65-F5344CB8AC3E}">
-        <p14:creationId xmlns:p14="http://schemas.microsoft.com/office/powerpoint/2010/main" val="384888281"/>
       </p:ext>
     </p:extLst>
   </p:cSld>
@@ -15575,10 +15585,10 @@
       </p:sp>
       <p:pic>
         <p:nvPicPr>
-          <p:cNvPr id="7" name="Picture 6" descr="A close up of a map&#10;&#10;Description automatically generated">
+          <p:cNvPr id="4" name="Picture 3">
             <a:extLst>
               <a:ext uri="{FF2B5EF4-FFF2-40B4-BE49-F238E27FC236}">
-                <a16:creationId xmlns:a16="http://schemas.microsoft.com/office/drawing/2014/main" id="{46D3F604-FDD8-493E-B396-FDAC63A2B206}"/>
+                <a16:creationId xmlns:a16="http://schemas.microsoft.com/office/drawing/2014/main" id="{98A10B4B-2ADE-482A-B34D-F5F2DA435313}"/>
               </a:ext>
             </a:extLst>
           </p:cNvPr>
@@ -15595,8 +15605,8 @@
         </p:blipFill>
         <p:spPr>
           <a:xfrm>
-            <a:off x="448965" y="1243842"/>
-            <a:ext cx="8105619" cy="3618483"/>
+            <a:off x="684914" y="1138844"/>
+            <a:ext cx="8093326" cy="3814698"/>
           </a:xfrm>
           <a:prstGeom prst="rect">
             <a:avLst/>
@@ -15606,7 +15616,7 @@
     </p:spTree>
     <p:extLst>
       <p:ext uri="{BB962C8B-B14F-4D97-AF65-F5344CB8AC3E}">
-        <p14:creationId xmlns:p14="http://schemas.microsoft.com/office/powerpoint/2010/main" val="1842830270"/>
+        <p14:creationId xmlns:p14="http://schemas.microsoft.com/office/powerpoint/2010/main" val="510344602"/>
       </p:ext>
     </p:extLst>
   </p:cSld>
@@ -15669,10 +15679,10 @@
       </p:sp>
       <p:pic>
         <p:nvPicPr>
-          <p:cNvPr id="5" name="Picture 4" descr="A close up of a map&#10;&#10;Description automatically generated">
+          <p:cNvPr id="3" name="Picture 2">
             <a:extLst>
               <a:ext uri="{FF2B5EF4-FFF2-40B4-BE49-F238E27FC236}">
-                <a16:creationId xmlns:a16="http://schemas.microsoft.com/office/drawing/2014/main" id="{C8BFA568-A2C7-42F4-A19B-289CAD3291FB}"/>
+                <a16:creationId xmlns:a16="http://schemas.microsoft.com/office/drawing/2014/main" id="{77EDEF2C-66D2-4A9B-840E-FCA2FE66449E}"/>
               </a:ext>
             </a:extLst>
           </p:cNvPr>
@@ -15689,8 +15699,8 @@
         </p:blipFill>
         <p:spPr>
           <a:xfrm>
-            <a:off x="448965" y="1014292"/>
-            <a:ext cx="8134101" cy="3941909"/>
+            <a:off x="332510" y="1248381"/>
+            <a:ext cx="8620298" cy="3772506"/>
           </a:xfrm>
           <a:prstGeom prst="rect">
             <a:avLst/>
@@ -15700,7 +15710,7 @@
     </p:spTree>
     <p:extLst>
       <p:ext uri="{BB962C8B-B14F-4D97-AF65-F5344CB8AC3E}">
-        <p14:creationId xmlns:p14="http://schemas.microsoft.com/office/powerpoint/2010/main" val="3589454537"/>
+        <p14:creationId xmlns:p14="http://schemas.microsoft.com/office/powerpoint/2010/main" val="1838964728"/>
       </p:ext>
     </p:extLst>
   </p:cSld>
@@ -15869,8 +15879,8 @@
         </p:nvSpPr>
         <p:spPr>
           <a:xfrm>
-            <a:off x="897890" y="271900"/>
-            <a:ext cx="8246100" cy="610800"/>
+            <a:off x="448965" y="281175"/>
+            <a:ext cx="8246070" cy="610820"/>
           </a:xfrm>
           <a:prstGeom prst="rect">
             <a:avLst/>
@@ -15886,26 +15896,26 @@
           </a:bodyPr>
           <a:lstStyle/>
           <a:p>
-            <a:pPr marL="0" lvl="0" indent="0" algn="r" rtl="0">
-              <a:lnSpc>
-                <a:spcPct val="100000"/>
-              </a:lnSpc>
-              <a:spcBef>
-                <a:spcPts val="0"/>
-              </a:spcBef>
-              <a:spcAft>
-                <a:spcPts val="0"/>
-              </a:spcAft>
-              <a:buSzPts val="3600"/>
-              <a:buNone/>
-            </a:pPr>
+            <a:pPr lvl="0"/>
             <a:r>
               <a:rPr lang="en-US" dirty="0"/>
-              <a:t>G-Calendar Prediction</a:t>
+              <a:t> </a:t>
+            </a:r>
+            <a:r>
+              <a:rPr lang="en-US" dirty="0">
+                <a:solidFill>
+                  <a:schemeClr val="accent1">
+                    <a:lumMod val="50000"/>
+                  </a:schemeClr>
+                </a:solidFill>
+              </a:rPr>
+              <a:t>Establishment of Machine Learning goals</a:t>
             </a:r>
             <a:endParaRPr dirty="0">
               <a:solidFill>
-                <a:srgbClr val="244061"/>
+                <a:schemeClr val="accent1">
+                  <a:lumMod val="50000"/>
+                </a:schemeClr>
               </a:solidFill>
             </a:endParaRPr>
           </a:p>
@@ -15924,7 +15934,7 @@
         <p:spPr>
           <a:xfrm>
             <a:off x="448966" y="1197405"/>
-            <a:ext cx="8246100" cy="3512100"/>
+            <a:ext cx="8246070" cy="3512210"/>
           </a:xfrm>
           <a:prstGeom prst="rect">
             <a:avLst/>
@@ -15940,31 +15950,27 @@
           </a:bodyPr>
           <a:lstStyle/>
           <a:p>
-            <a:pPr marL="342900" lvl="0" indent="-165100" algn="l" rtl="0">
-              <a:lnSpc>
-                <a:spcPct val="100000"/>
-              </a:lnSpc>
-              <a:spcBef>
-                <a:spcPts val="560"/>
-              </a:spcBef>
-              <a:spcAft>
-                <a:spcPts val="0"/>
-              </a:spcAft>
-              <a:buClr>
-                <a:srgbClr val="002060"/>
-              </a:buClr>
-              <a:buSzPts val="2800"/>
-              <a:buNone/>
-            </a:pPr>
+            <a:pPr marL="520700" indent="-342900"/>
             <a:r>
-              <a:rPr lang="en-US"/>
-              <a:t>How can the data for Google Calendar be used to predict changes in the future</a:t>
+              <a:rPr lang="en-US" sz="2000" dirty="0"/>
+              <a:t>Prediction of future metric value based on the current data set values for top 6 metrics under Google Meet. </a:t>
             </a:r>
-            <a:endParaRPr/>
+          </a:p>
+          <a:p>
+            <a:pPr marL="520700" indent="-342900"/>
+            <a:r>
+              <a:rPr lang="en-US" sz="2000" dirty="0"/>
+              <a:t>Time series forecasting is a technique for the prediction of events through a sequence of time.</a:t>
+            </a:r>
           </a:p>
         </p:txBody>
       </p:sp>
     </p:spTree>
+    <p:extLst>
+      <p:ext uri="{BB962C8B-B14F-4D97-AF65-F5344CB8AC3E}">
+        <p14:creationId xmlns:p14="http://schemas.microsoft.com/office/powerpoint/2010/main" val="1487234396"/>
+      </p:ext>
+    </p:extLst>
   </p:cSld>
   <p:clrMapOvr>
     <a:masterClrMapping/>
@@ -16145,6 +16151,1241 @@
   <p:cSld>
     <p:spTree>
       <p:nvGrpSpPr>
+        <p:cNvPr id="1" name="Shape 109"/>
+        <p:cNvGrpSpPr/>
+        <p:nvPr/>
+      </p:nvGrpSpPr>
+      <p:grpSpPr>
+        <a:xfrm>
+          <a:off x="0" y="0"/>
+          <a:ext cx="0" cy="0"/>
+          <a:chOff x="0" y="0"/>
+          <a:chExt cx="0" cy="0"/>
+        </a:xfrm>
+      </p:grpSpPr>
+      <p:sp>
+        <p:nvSpPr>
+          <p:cNvPr id="110" name="Google Shape;110;p16"/>
+          <p:cNvSpPr txBox="1">
+            <a:spLocks noGrp="1"/>
+          </p:cNvSpPr>
+          <p:nvPr>
+            <p:ph type="title"/>
+          </p:nvPr>
+        </p:nvSpPr>
+        <p:spPr>
+          <a:xfrm>
+            <a:off x="448965" y="281175"/>
+            <a:ext cx="8246070" cy="610820"/>
+          </a:xfrm>
+          <a:prstGeom prst="rect">
+            <a:avLst/>
+          </a:prstGeom>
+          <a:noFill/>
+          <a:ln>
+            <a:noFill/>
+          </a:ln>
+        </p:spPr>
+        <p:txBody>
+          <a:bodyPr spcFirstLastPara="1" wrap="square" lIns="91425" tIns="45700" rIns="91425" bIns="45700" anchor="ctr" anchorCtr="0">
+            <a:noAutofit/>
+          </a:bodyPr>
+          <a:lstStyle/>
+          <a:p>
+            <a:pPr marL="0" lvl="0" indent="0" algn="r" rtl="0">
+              <a:spcBef>
+                <a:spcPts val="0"/>
+              </a:spcBef>
+              <a:spcAft>
+                <a:spcPts val="0"/>
+              </a:spcAft>
+              <a:buClr>
+                <a:schemeClr val="lt1"/>
+              </a:buClr>
+              <a:buSzPts val="3240"/>
+              <a:buFont typeface="Calibri"/>
+              <a:buNone/>
+            </a:pPr>
+            <a:r>
+              <a:rPr lang="en-US" dirty="0">
+                <a:solidFill>
+                  <a:schemeClr val="accent1">
+                    <a:lumMod val="50000"/>
+                  </a:schemeClr>
+                </a:solidFill>
+              </a:rPr>
+              <a:t>TASK BY MEMBER</a:t>
+            </a:r>
+            <a:endParaRPr dirty="0">
+              <a:solidFill>
+                <a:schemeClr val="accent1">
+                  <a:lumMod val="50000"/>
+                </a:schemeClr>
+              </a:solidFill>
+            </a:endParaRPr>
+          </a:p>
+        </p:txBody>
+      </p:sp>
+      <p:sp>
+        <p:nvSpPr>
+          <p:cNvPr id="111" name="Google Shape;111;p16"/>
+          <p:cNvSpPr txBox="1">
+            <a:spLocks noGrp="1"/>
+          </p:cNvSpPr>
+          <p:nvPr>
+            <p:ph type="body" idx="1"/>
+          </p:nvPr>
+        </p:nvSpPr>
+        <p:spPr>
+          <a:xfrm>
+            <a:off x="260036" y="1068233"/>
+            <a:ext cx="7937607" cy="3972493"/>
+          </a:xfrm>
+          <a:prstGeom prst="rect">
+            <a:avLst/>
+          </a:prstGeom>
+          <a:noFill/>
+          <a:ln>
+            <a:noFill/>
+          </a:ln>
+        </p:spPr>
+        <p:txBody>
+          <a:bodyPr spcFirstLastPara="1" wrap="square" lIns="91425" tIns="45700" rIns="91425" bIns="45700" anchor="t" anchorCtr="0">
+            <a:noAutofit/>
+          </a:bodyPr>
+          <a:lstStyle/>
+          <a:p>
+            <a:r>
+              <a:rPr lang="en-US" sz="2000" dirty="0"/>
+              <a:t>Question - Can we predict the metric values for next year based on the previous years data. How accurate will be our predictions?</a:t>
+            </a:r>
+          </a:p>
+          <a:p>
+            <a:r>
+              <a:rPr lang="en-US" sz="2000" dirty="0"/>
+              <a:t>Why was the question asked? - Our mentor is interested in finding the unexpected spikes, drops, trend changes and level shifts. It will allow them to prepare in advance for the next year.</a:t>
+            </a:r>
+          </a:p>
+          <a:p>
+            <a:endParaRPr lang="en-US" sz="2000" dirty="0"/>
+          </a:p>
+        </p:txBody>
+      </p:sp>
+      <p:sp>
+        <p:nvSpPr>
+          <p:cNvPr id="2" name="Rectangle 1">
+            <a:extLst>
+              <a:ext uri="{FF2B5EF4-FFF2-40B4-BE49-F238E27FC236}">
+                <a16:creationId xmlns:a16="http://schemas.microsoft.com/office/drawing/2014/main" id="{569E382C-21BA-46E6-A57B-03AAD38D24D7}"/>
+              </a:ext>
+            </a:extLst>
+          </p:cNvPr>
+          <p:cNvSpPr/>
+          <p:nvPr/>
+        </p:nvSpPr>
+        <p:spPr>
+          <a:xfrm>
+            <a:off x="565446" y="1352071"/>
+            <a:ext cx="8318518" cy="2739211"/>
+          </a:xfrm>
+          <a:prstGeom prst="rect">
+            <a:avLst/>
+          </a:prstGeom>
+        </p:spPr>
+        <p:txBody>
+          <a:bodyPr wrap="square">
+            <a:spAutoFit/>
+          </a:bodyPr>
+          <a:lstStyle/>
+          <a:p>
+            <a:endParaRPr lang="en-US" sz="1800" dirty="0">
+              <a:solidFill>
+                <a:schemeClr val="bg2">
+                  <a:lumMod val="50000"/>
+                </a:schemeClr>
+              </a:solidFill>
+            </a:endParaRPr>
+          </a:p>
+          <a:p>
+            <a:endParaRPr lang="en-US" sz="1800" dirty="0">
+              <a:solidFill>
+                <a:schemeClr val="bg2">
+                  <a:lumMod val="50000"/>
+                </a:schemeClr>
+              </a:solidFill>
+            </a:endParaRPr>
+          </a:p>
+          <a:p>
+            <a:endParaRPr lang="en-US" sz="1800" dirty="0">
+              <a:solidFill>
+                <a:schemeClr val="bg2">
+                  <a:lumMod val="50000"/>
+                </a:schemeClr>
+              </a:solidFill>
+            </a:endParaRPr>
+          </a:p>
+          <a:p>
+            <a:r>
+              <a:rPr lang="en-US" sz="1800" dirty="0">
+                <a:solidFill>
+                  <a:schemeClr val="bg2">
+                    <a:lumMod val="50000"/>
+                  </a:schemeClr>
+                </a:solidFill>
+              </a:rPr>
+              <a:t>                         </a:t>
+            </a:r>
+          </a:p>
+          <a:p>
+            <a:endParaRPr lang="en-US" sz="1800" dirty="0">
+              <a:solidFill>
+                <a:schemeClr val="bg2">
+                  <a:lumMod val="50000"/>
+                </a:schemeClr>
+              </a:solidFill>
+            </a:endParaRPr>
+          </a:p>
+          <a:p>
+            <a:endParaRPr lang="en-US" sz="1800" dirty="0">
+              <a:solidFill>
+                <a:schemeClr val="bg2">
+                  <a:lumMod val="50000"/>
+                </a:schemeClr>
+              </a:solidFill>
+            </a:endParaRPr>
+          </a:p>
+          <a:p>
+            <a:endParaRPr lang="en-US" sz="1800" dirty="0">
+              <a:solidFill>
+                <a:schemeClr val="bg2">
+                  <a:lumMod val="50000"/>
+                </a:schemeClr>
+              </a:solidFill>
+            </a:endParaRPr>
+          </a:p>
+          <a:p>
+            <a:r>
+              <a:rPr lang="en-US" sz="1800" dirty="0">
+                <a:solidFill>
+                  <a:schemeClr val="bg2">
+                    <a:lumMod val="50000"/>
+                  </a:schemeClr>
+                </a:solidFill>
+              </a:rPr>
+              <a:t> </a:t>
+            </a:r>
+          </a:p>
+          <a:p>
+            <a:endParaRPr lang="en-US" dirty="0"/>
+          </a:p>
+          <a:p>
+            <a:r>
+              <a:rPr lang="en-US" dirty="0"/>
+              <a:t> </a:t>
+            </a:r>
+          </a:p>
+        </p:txBody>
+      </p:sp>
+    </p:spTree>
+    <p:extLst>
+      <p:ext uri="{BB962C8B-B14F-4D97-AF65-F5344CB8AC3E}">
+        <p14:creationId xmlns:p14="http://schemas.microsoft.com/office/powerpoint/2010/main" val="2057113932"/>
+      </p:ext>
+    </p:extLst>
+  </p:cSld>
+  <p:clrMapOvr>
+    <a:masterClrMapping/>
+  </p:clrMapOvr>
+</p:sld>
+</file>
+
+<file path=ppt/slides/slide21.xml><?xml version="1.0" encoding="utf-8"?>
+<p:sld xmlns:a="http://schemas.openxmlformats.org/drawingml/2006/main" xmlns:r="http://schemas.openxmlformats.org/officeDocument/2006/relationships" xmlns:p="http://schemas.openxmlformats.org/presentationml/2006/main">
+  <p:cSld>
+    <p:spTree>
+      <p:nvGrpSpPr>
+        <p:cNvPr id="1" name=""/>
+        <p:cNvGrpSpPr/>
+        <p:nvPr/>
+      </p:nvGrpSpPr>
+      <p:grpSpPr>
+        <a:xfrm>
+          <a:off x="0" y="0"/>
+          <a:ext cx="0" cy="0"/>
+          <a:chOff x="0" y="0"/>
+          <a:chExt cx="0" cy="0"/>
+        </a:xfrm>
+      </p:grpSpPr>
+      <p:sp>
+        <p:nvSpPr>
+          <p:cNvPr id="2" name="Title 1">
+            <a:extLst>
+              <a:ext uri="{FF2B5EF4-FFF2-40B4-BE49-F238E27FC236}">
+                <a16:creationId xmlns:a16="http://schemas.microsoft.com/office/drawing/2014/main" id="{D6E96934-9750-46EE-B6C4-8D1E4932E586}"/>
+              </a:ext>
+            </a:extLst>
+          </p:cNvPr>
+          <p:cNvSpPr>
+            <a:spLocks noGrp="1"/>
+          </p:cNvSpPr>
+          <p:nvPr>
+            <p:ph type="title"/>
+          </p:nvPr>
+        </p:nvSpPr>
+        <p:spPr/>
+        <p:txBody>
+          <a:bodyPr/>
+          <a:lstStyle/>
+          <a:p>
+            <a:r>
+              <a:rPr lang="en-US" dirty="0">
+                <a:solidFill>
+                  <a:schemeClr val="accent1">
+                    <a:lumMod val="50000"/>
+                  </a:schemeClr>
+                </a:solidFill>
+              </a:rPr>
+              <a:t>Progress made towards the task</a:t>
+            </a:r>
+          </a:p>
+        </p:txBody>
+      </p:sp>
+      <p:sp>
+        <p:nvSpPr>
+          <p:cNvPr id="5" name="Text Placeholder 4">
+            <a:extLst>
+              <a:ext uri="{FF2B5EF4-FFF2-40B4-BE49-F238E27FC236}">
+                <a16:creationId xmlns:a16="http://schemas.microsoft.com/office/drawing/2014/main" id="{5F5763BE-9E3F-4702-8C7C-99A4D695D079}"/>
+              </a:ext>
+            </a:extLst>
+          </p:cNvPr>
+          <p:cNvSpPr>
+            <a:spLocks noGrp="1"/>
+          </p:cNvSpPr>
+          <p:nvPr>
+            <p:ph type="body" idx="1"/>
+          </p:nvPr>
+        </p:nvSpPr>
+        <p:spPr/>
+        <p:txBody>
+          <a:bodyPr/>
+          <a:lstStyle/>
+          <a:p>
+            <a:pPr marL="50800" indent="0">
+              <a:buNone/>
+            </a:pPr>
+            <a:r>
+              <a:rPr lang="en-US" sz="2000" dirty="0"/>
+              <a:t>Method used and What was done to solve for the question?</a:t>
+            </a:r>
+          </a:p>
+          <a:p>
+            <a:pPr marL="50800" indent="0">
+              <a:buNone/>
+            </a:pPr>
+            <a:r>
+              <a:rPr lang="en-US" sz="1400" dirty="0"/>
+              <a:t>Facebook prophet is used to perform time series analysis on google meet metrics. </a:t>
+            </a:r>
+          </a:p>
+          <a:p>
+            <a:pPr marL="50800" indent="0">
+              <a:buNone/>
+            </a:pPr>
+            <a:r>
+              <a:rPr lang="en-US" sz="1400" dirty="0"/>
+              <a:t>The input to Prophet is always a data frame with two columns: ds and y. The ds (</a:t>
+            </a:r>
+            <a:r>
+              <a:rPr lang="en-US" sz="1400" dirty="0" err="1"/>
+              <a:t>datestamp</a:t>
+            </a:r>
+            <a:r>
+              <a:rPr lang="en-US" sz="1400" dirty="0"/>
+              <a:t>) column and the y column represents the values of a metric we wish to forecast.</a:t>
+            </a:r>
+          </a:p>
+          <a:p>
+            <a:pPr marL="50800" indent="0">
+              <a:buNone/>
+            </a:pPr>
+            <a:r>
+              <a:rPr lang="en-US" sz="1400" dirty="0"/>
+              <a:t>We fit the model by instantiating a new Prophet object.</a:t>
+            </a:r>
+          </a:p>
+          <a:p>
+            <a:pPr marL="50800" indent="0">
+              <a:buNone/>
+            </a:pPr>
+            <a:endParaRPr lang="en-US" sz="1400" dirty="0"/>
+          </a:p>
+        </p:txBody>
+      </p:sp>
+      <p:pic>
+        <p:nvPicPr>
+          <p:cNvPr id="7" name="Picture 6" descr="A screenshot of a social media post&#10;&#10;Description automatically generated">
+            <a:extLst>
+              <a:ext uri="{FF2B5EF4-FFF2-40B4-BE49-F238E27FC236}">
+                <a16:creationId xmlns:a16="http://schemas.microsoft.com/office/drawing/2014/main" id="{F1A579E4-8940-4026-B1D6-F56CC51593C9}"/>
+              </a:ext>
+            </a:extLst>
+          </p:cNvPr>
+          <p:cNvPicPr>
+            <a:picLocks noChangeAspect="1"/>
+          </p:cNvPicPr>
+          <p:nvPr/>
+        </p:nvPicPr>
+        <p:blipFill>
+          <a:blip r:embed="rId2"/>
+          <a:stretch>
+            <a:fillRect/>
+          </a:stretch>
+        </p:blipFill>
+        <p:spPr>
+          <a:xfrm>
+            <a:off x="448964" y="2750885"/>
+            <a:ext cx="8095681" cy="1821116"/>
+          </a:xfrm>
+          <a:prstGeom prst="rect">
+            <a:avLst/>
+          </a:prstGeom>
+        </p:spPr>
+      </p:pic>
+    </p:spTree>
+    <p:extLst>
+      <p:ext uri="{BB962C8B-B14F-4D97-AF65-F5344CB8AC3E}">
+        <p14:creationId xmlns:p14="http://schemas.microsoft.com/office/powerpoint/2010/main" val="2269727579"/>
+      </p:ext>
+    </p:extLst>
+  </p:cSld>
+  <p:clrMapOvr>
+    <a:masterClrMapping/>
+  </p:clrMapOvr>
+</p:sld>
+</file>
+
+<file path=ppt/slides/slide22.xml><?xml version="1.0" encoding="utf-8"?>
+<p:sld xmlns:a="http://schemas.openxmlformats.org/drawingml/2006/main" xmlns:r="http://schemas.openxmlformats.org/officeDocument/2006/relationships" xmlns:p="http://schemas.openxmlformats.org/presentationml/2006/main">
+  <p:cSld>
+    <p:spTree>
+      <p:nvGrpSpPr>
+        <p:cNvPr id="1" name=""/>
+        <p:cNvGrpSpPr/>
+        <p:nvPr/>
+      </p:nvGrpSpPr>
+      <p:grpSpPr>
+        <a:xfrm>
+          <a:off x="0" y="0"/>
+          <a:ext cx="0" cy="0"/>
+          <a:chOff x="0" y="0"/>
+          <a:chExt cx="0" cy="0"/>
+        </a:xfrm>
+      </p:grpSpPr>
+      <p:sp>
+        <p:nvSpPr>
+          <p:cNvPr id="2" name="Title 1">
+            <a:extLst>
+              <a:ext uri="{FF2B5EF4-FFF2-40B4-BE49-F238E27FC236}">
+                <a16:creationId xmlns:a16="http://schemas.microsoft.com/office/drawing/2014/main" id="{D6E96934-9750-46EE-B6C4-8D1E4932E586}"/>
+              </a:ext>
+            </a:extLst>
+          </p:cNvPr>
+          <p:cNvSpPr>
+            <a:spLocks noGrp="1"/>
+          </p:cNvSpPr>
+          <p:nvPr>
+            <p:ph type="title"/>
+          </p:nvPr>
+        </p:nvSpPr>
+        <p:spPr/>
+        <p:txBody>
+          <a:bodyPr/>
+          <a:lstStyle/>
+          <a:p>
+            <a:r>
+              <a:rPr lang="en-US" dirty="0">
+                <a:solidFill>
+                  <a:schemeClr val="accent1">
+                    <a:lumMod val="50000"/>
+                  </a:schemeClr>
+                </a:solidFill>
+              </a:rPr>
+              <a:t>Progress made towards the task</a:t>
+            </a:r>
+          </a:p>
+        </p:txBody>
+      </p:sp>
+      <p:sp>
+        <p:nvSpPr>
+          <p:cNvPr id="5" name="Text Placeholder 4">
+            <a:extLst>
+              <a:ext uri="{FF2B5EF4-FFF2-40B4-BE49-F238E27FC236}">
+                <a16:creationId xmlns:a16="http://schemas.microsoft.com/office/drawing/2014/main" id="{5F5763BE-9E3F-4702-8C7C-99A4D695D079}"/>
+              </a:ext>
+            </a:extLst>
+          </p:cNvPr>
+          <p:cNvSpPr>
+            <a:spLocks noGrp="1"/>
+          </p:cNvSpPr>
+          <p:nvPr>
+            <p:ph type="body" idx="1"/>
+          </p:nvPr>
+        </p:nvSpPr>
+        <p:spPr/>
+        <p:txBody>
+          <a:bodyPr/>
+          <a:lstStyle/>
+          <a:p>
+            <a:pPr marL="50800" indent="0">
+              <a:buNone/>
+            </a:pPr>
+            <a:r>
+              <a:rPr lang="en-US" sz="1600" dirty="0"/>
+              <a:t>Predictions are made for the future period of 365 days(1 Year).</a:t>
+            </a:r>
+          </a:p>
+        </p:txBody>
+      </p:sp>
+      <p:pic>
+        <p:nvPicPr>
+          <p:cNvPr id="4" name="Picture 3" descr="A screenshot of a cell phone&#10;&#10;Description automatically generated">
+            <a:extLst>
+              <a:ext uri="{FF2B5EF4-FFF2-40B4-BE49-F238E27FC236}">
+                <a16:creationId xmlns:a16="http://schemas.microsoft.com/office/drawing/2014/main" id="{12AE89CE-9252-4C42-B469-A05A6B687E94}"/>
+              </a:ext>
+            </a:extLst>
+          </p:cNvPr>
+          <p:cNvPicPr>
+            <a:picLocks noChangeAspect="1"/>
+          </p:cNvPicPr>
+          <p:nvPr/>
+        </p:nvPicPr>
+        <p:blipFill>
+          <a:blip r:embed="rId2"/>
+          <a:stretch>
+            <a:fillRect/>
+          </a:stretch>
+        </p:blipFill>
+        <p:spPr>
+          <a:xfrm>
+            <a:off x="553250" y="1644384"/>
+            <a:ext cx="7184572" cy="3065231"/>
+          </a:xfrm>
+          <a:prstGeom prst="rect">
+            <a:avLst/>
+          </a:prstGeom>
+        </p:spPr>
+      </p:pic>
+    </p:spTree>
+    <p:extLst>
+      <p:ext uri="{BB962C8B-B14F-4D97-AF65-F5344CB8AC3E}">
+        <p14:creationId xmlns:p14="http://schemas.microsoft.com/office/powerpoint/2010/main" val="3538608959"/>
+      </p:ext>
+    </p:extLst>
+  </p:cSld>
+  <p:clrMapOvr>
+    <a:masterClrMapping/>
+  </p:clrMapOvr>
+</p:sld>
+</file>
+
+<file path=ppt/slides/slide23.xml><?xml version="1.0" encoding="utf-8"?>
+<p:sld xmlns:a="http://schemas.openxmlformats.org/drawingml/2006/main" xmlns:r="http://schemas.openxmlformats.org/officeDocument/2006/relationships" xmlns:p="http://schemas.openxmlformats.org/presentationml/2006/main">
+  <p:cSld>
+    <p:spTree>
+      <p:nvGrpSpPr>
+        <p:cNvPr id="1" name=""/>
+        <p:cNvGrpSpPr/>
+        <p:nvPr/>
+      </p:nvGrpSpPr>
+      <p:grpSpPr>
+        <a:xfrm>
+          <a:off x="0" y="0"/>
+          <a:ext cx="0" cy="0"/>
+          <a:chOff x="0" y="0"/>
+          <a:chExt cx="0" cy="0"/>
+        </a:xfrm>
+      </p:grpSpPr>
+      <p:sp>
+        <p:nvSpPr>
+          <p:cNvPr id="2" name="Title 1">
+            <a:extLst>
+              <a:ext uri="{FF2B5EF4-FFF2-40B4-BE49-F238E27FC236}">
+                <a16:creationId xmlns:a16="http://schemas.microsoft.com/office/drawing/2014/main" id="{D6E96934-9750-46EE-B6C4-8D1E4932E586}"/>
+              </a:ext>
+            </a:extLst>
+          </p:cNvPr>
+          <p:cNvSpPr>
+            <a:spLocks noGrp="1"/>
+          </p:cNvSpPr>
+          <p:nvPr>
+            <p:ph type="title"/>
+          </p:nvPr>
+        </p:nvSpPr>
+        <p:spPr/>
+        <p:txBody>
+          <a:bodyPr/>
+          <a:lstStyle/>
+          <a:p>
+            <a:r>
+              <a:rPr lang="en-US" dirty="0">
+                <a:solidFill>
+                  <a:schemeClr val="accent1">
+                    <a:lumMod val="50000"/>
+                  </a:schemeClr>
+                </a:solidFill>
+              </a:rPr>
+              <a:t>Outcomes/Implications</a:t>
+            </a:r>
+          </a:p>
+        </p:txBody>
+      </p:sp>
+      <p:sp>
+        <p:nvSpPr>
+          <p:cNvPr id="5" name="Text Placeholder 4">
+            <a:extLst>
+              <a:ext uri="{FF2B5EF4-FFF2-40B4-BE49-F238E27FC236}">
+                <a16:creationId xmlns:a16="http://schemas.microsoft.com/office/drawing/2014/main" id="{5F5763BE-9E3F-4702-8C7C-99A4D695D079}"/>
+              </a:ext>
+            </a:extLst>
+          </p:cNvPr>
+          <p:cNvSpPr>
+            <a:spLocks noGrp="1"/>
+          </p:cNvSpPr>
+          <p:nvPr>
+            <p:ph type="body" idx="1"/>
+          </p:nvPr>
+        </p:nvSpPr>
+        <p:spPr>
+          <a:xfrm>
+            <a:off x="376518" y="1167972"/>
+            <a:ext cx="8318518" cy="3541643"/>
+          </a:xfrm>
+        </p:spPr>
+        <p:txBody>
+          <a:bodyPr/>
+          <a:lstStyle/>
+          <a:p>
+            <a:pPr marL="50800" indent="0">
+              <a:buNone/>
+            </a:pPr>
+            <a:r>
+              <a:rPr lang="en-US" sz="1600" dirty="0"/>
+              <a:t>Time Series Analysis for Number of 30 day Active users in Google Meet</a:t>
+            </a:r>
+          </a:p>
+        </p:txBody>
+      </p:sp>
+      <p:pic>
+        <p:nvPicPr>
+          <p:cNvPr id="1026" name="Picture 2">
+            <a:extLst>
+              <a:ext uri="{FF2B5EF4-FFF2-40B4-BE49-F238E27FC236}">
+                <a16:creationId xmlns:a16="http://schemas.microsoft.com/office/drawing/2014/main" id="{3CB094FC-8CFD-424D-8C3D-F5D882FCDB18}"/>
+              </a:ext>
+            </a:extLst>
+          </p:cNvPr>
+          <p:cNvPicPr>
+            <a:picLocks noChangeAspect="1" noChangeArrowheads="1"/>
+          </p:cNvPicPr>
+          <p:nvPr/>
+        </p:nvPicPr>
+        <p:blipFill>
+          <a:blip r:embed="rId3">
+            <a:extLst>
+              <a:ext uri="{28A0092B-C50C-407E-A947-70E740481C1C}">
+                <a14:useLocalDpi xmlns:a14="http://schemas.microsoft.com/office/drawing/2010/main" val="0"/>
+              </a:ext>
+            </a:extLst>
+          </a:blip>
+          <a:srcRect/>
+          <a:stretch>
+            <a:fillRect/>
+          </a:stretch>
+        </p:blipFill>
+        <p:spPr bwMode="auto">
+          <a:xfrm>
+            <a:off x="1190625" y="1690487"/>
+            <a:ext cx="6762750" cy="2900562"/>
+          </a:xfrm>
+          <a:prstGeom prst="rect">
+            <a:avLst/>
+          </a:prstGeom>
+          <a:noFill/>
+          <a:extLst>
+            <a:ext uri="{909E8E84-426E-40DD-AFC4-6F175D3DCCD1}">
+              <a14:hiddenFill xmlns:a14="http://schemas.microsoft.com/office/drawing/2010/main">
+                <a:solidFill>
+                  <a:srgbClr val="FFFFFF"/>
+                </a:solidFill>
+              </a14:hiddenFill>
+            </a:ext>
+          </a:extLst>
+        </p:spPr>
+      </p:pic>
+    </p:spTree>
+    <p:extLst>
+      <p:ext uri="{BB962C8B-B14F-4D97-AF65-F5344CB8AC3E}">
+        <p14:creationId xmlns:p14="http://schemas.microsoft.com/office/powerpoint/2010/main" val="4294234711"/>
+      </p:ext>
+    </p:extLst>
+  </p:cSld>
+  <p:clrMapOvr>
+    <a:masterClrMapping/>
+  </p:clrMapOvr>
+</p:sld>
+</file>
+
+<file path=ppt/slides/slide24.xml><?xml version="1.0" encoding="utf-8"?>
+<p:sld xmlns:a="http://schemas.openxmlformats.org/drawingml/2006/main" xmlns:r="http://schemas.openxmlformats.org/officeDocument/2006/relationships" xmlns:p="http://schemas.openxmlformats.org/presentationml/2006/main">
+  <p:cSld>
+    <p:spTree>
+      <p:nvGrpSpPr>
+        <p:cNvPr id="1" name=""/>
+        <p:cNvGrpSpPr/>
+        <p:nvPr/>
+      </p:nvGrpSpPr>
+      <p:grpSpPr>
+        <a:xfrm>
+          <a:off x="0" y="0"/>
+          <a:ext cx="0" cy="0"/>
+          <a:chOff x="0" y="0"/>
+          <a:chExt cx="0" cy="0"/>
+        </a:xfrm>
+      </p:grpSpPr>
+      <p:sp>
+        <p:nvSpPr>
+          <p:cNvPr id="2" name="Title 1">
+            <a:extLst>
+              <a:ext uri="{FF2B5EF4-FFF2-40B4-BE49-F238E27FC236}">
+                <a16:creationId xmlns:a16="http://schemas.microsoft.com/office/drawing/2014/main" id="{D6E96934-9750-46EE-B6C4-8D1E4932E586}"/>
+              </a:ext>
+            </a:extLst>
+          </p:cNvPr>
+          <p:cNvSpPr>
+            <a:spLocks noGrp="1"/>
+          </p:cNvSpPr>
+          <p:nvPr>
+            <p:ph type="title"/>
+          </p:nvPr>
+        </p:nvSpPr>
+        <p:spPr/>
+        <p:txBody>
+          <a:bodyPr/>
+          <a:lstStyle/>
+          <a:p>
+            <a:r>
+              <a:rPr lang="en-US" dirty="0">
+                <a:solidFill>
+                  <a:schemeClr val="accent1">
+                    <a:lumMod val="50000"/>
+                  </a:schemeClr>
+                </a:solidFill>
+              </a:rPr>
+              <a:t>Outcomes/Implications</a:t>
+            </a:r>
+          </a:p>
+        </p:txBody>
+      </p:sp>
+      <p:sp>
+        <p:nvSpPr>
+          <p:cNvPr id="5" name="Text Placeholder 4">
+            <a:extLst>
+              <a:ext uri="{FF2B5EF4-FFF2-40B4-BE49-F238E27FC236}">
+                <a16:creationId xmlns:a16="http://schemas.microsoft.com/office/drawing/2014/main" id="{5F5763BE-9E3F-4702-8C7C-99A4D695D079}"/>
+              </a:ext>
+            </a:extLst>
+          </p:cNvPr>
+          <p:cNvSpPr>
+            <a:spLocks noGrp="1"/>
+          </p:cNvSpPr>
+          <p:nvPr>
+            <p:ph type="body" idx="1"/>
+          </p:nvPr>
+        </p:nvSpPr>
+        <p:spPr/>
+        <p:txBody>
+          <a:bodyPr/>
+          <a:lstStyle/>
+          <a:p>
+            <a:pPr marL="50800" indent="0">
+              <a:buNone/>
+            </a:pPr>
+            <a:r>
+              <a:rPr lang="en-US" sz="1600" dirty="0"/>
+              <a:t>Actual and Predicted Values</a:t>
+            </a:r>
+          </a:p>
+        </p:txBody>
+      </p:sp>
+      <p:pic>
+        <p:nvPicPr>
+          <p:cNvPr id="6" name="Picture 5">
+            <a:extLst>
+              <a:ext uri="{FF2B5EF4-FFF2-40B4-BE49-F238E27FC236}">
+                <a16:creationId xmlns:a16="http://schemas.microsoft.com/office/drawing/2014/main" id="{FE5B894F-A7E1-4E2E-9642-9E85F884F869}"/>
+              </a:ext>
+            </a:extLst>
+          </p:cNvPr>
+          <p:cNvPicPr>
+            <a:picLocks noChangeAspect="1"/>
+          </p:cNvPicPr>
+          <p:nvPr/>
+        </p:nvPicPr>
+        <p:blipFill rotWithShape="1">
+          <a:blip r:embed="rId3"/>
+          <a:srcRect t="8809"/>
+          <a:stretch/>
+        </p:blipFill>
+        <p:spPr>
+          <a:xfrm>
+            <a:off x="561770" y="1621331"/>
+            <a:ext cx="3868657" cy="3202816"/>
+          </a:xfrm>
+          <a:prstGeom prst="rect">
+            <a:avLst/>
+          </a:prstGeom>
+        </p:spPr>
+      </p:pic>
+      <p:pic>
+        <p:nvPicPr>
+          <p:cNvPr id="8" name="Picture 7">
+            <a:extLst>
+              <a:ext uri="{FF2B5EF4-FFF2-40B4-BE49-F238E27FC236}">
+                <a16:creationId xmlns:a16="http://schemas.microsoft.com/office/drawing/2014/main" id="{77015ABF-FE58-4F29-BDAA-BB3786FB0249}"/>
+              </a:ext>
+            </a:extLst>
+          </p:cNvPr>
+          <p:cNvPicPr>
+            <a:picLocks noChangeAspect="1"/>
+          </p:cNvPicPr>
+          <p:nvPr/>
+        </p:nvPicPr>
+        <p:blipFill rotWithShape="1">
+          <a:blip r:embed="rId4"/>
+          <a:srcRect t="7807"/>
+          <a:stretch/>
+        </p:blipFill>
+        <p:spPr>
+          <a:xfrm>
+            <a:off x="4625787" y="1583154"/>
+            <a:ext cx="3873889" cy="3202816"/>
+          </a:xfrm>
+          <a:prstGeom prst="rect">
+            <a:avLst/>
+          </a:prstGeom>
+        </p:spPr>
+      </p:pic>
+    </p:spTree>
+    <p:extLst>
+      <p:ext uri="{BB962C8B-B14F-4D97-AF65-F5344CB8AC3E}">
+        <p14:creationId xmlns:p14="http://schemas.microsoft.com/office/powerpoint/2010/main" val="325636742"/>
+      </p:ext>
+    </p:extLst>
+  </p:cSld>
+  <p:clrMapOvr>
+    <a:masterClrMapping/>
+  </p:clrMapOvr>
+</p:sld>
+</file>
+
+<file path=ppt/slides/slide25.xml><?xml version="1.0" encoding="utf-8"?>
+<p:sld xmlns:a="http://schemas.openxmlformats.org/drawingml/2006/main" xmlns:r="http://schemas.openxmlformats.org/officeDocument/2006/relationships" xmlns:p="http://schemas.openxmlformats.org/presentationml/2006/main">
+  <p:cSld>
+    <p:spTree>
+      <p:nvGrpSpPr>
+        <p:cNvPr id="1" name=""/>
+        <p:cNvGrpSpPr/>
+        <p:nvPr/>
+      </p:nvGrpSpPr>
+      <p:grpSpPr>
+        <a:xfrm>
+          <a:off x="0" y="0"/>
+          <a:ext cx="0" cy="0"/>
+          <a:chOff x="0" y="0"/>
+          <a:chExt cx="0" cy="0"/>
+        </a:xfrm>
+      </p:grpSpPr>
+      <p:sp>
+        <p:nvSpPr>
+          <p:cNvPr id="2" name="Title 1">
+            <a:extLst>
+              <a:ext uri="{FF2B5EF4-FFF2-40B4-BE49-F238E27FC236}">
+                <a16:creationId xmlns:a16="http://schemas.microsoft.com/office/drawing/2014/main" id="{539AB0A2-BE92-4F9B-826A-2DA25F2DAA81}"/>
+              </a:ext>
+            </a:extLst>
+          </p:cNvPr>
+          <p:cNvSpPr>
+            <a:spLocks noGrp="1"/>
+          </p:cNvSpPr>
+          <p:nvPr>
+            <p:ph type="title"/>
+          </p:nvPr>
+        </p:nvSpPr>
+        <p:spPr/>
+        <p:txBody>
+          <a:bodyPr/>
+          <a:lstStyle/>
+          <a:p>
+            <a:r>
+              <a:rPr lang="en-US" dirty="0">
+                <a:solidFill>
+                  <a:schemeClr val="accent1">
+                    <a:lumMod val="50000"/>
+                  </a:schemeClr>
+                </a:solidFill>
+              </a:rPr>
+              <a:t>Outcomes/Implications</a:t>
+            </a:r>
+            <a:endParaRPr lang="en-US" dirty="0">
+              <a:solidFill>
+                <a:schemeClr val="bg2">
+                  <a:lumMod val="50000"/>
+                </a:schemeClr>
+              </a:solidFill>
+            </a:endParaRPr>
+          </a:p>
+        </p:txBody>
+      </p:sp>
+      <p:sp>
+        <p:nvSpPr>
+          <p:cNvPr id="3" name="Text Placeholder 2">
+            <a:extLst>
+              <a:ext uri="{FF2B5EF4-FFF2-40B4-BE49-F238E27FC236}">
+                <a16:creationId xmlns:a16="http://schemas.microsoft.com/office/drawing/2014/main" id="{5580802E-E8F0-41FF-BF12-832CC490006F}"/>
+              </a:ext>
+            </a:extLst>
+          </p:cNvPr>
+          <p:cNvSpPr>
+            <a:spLocks noGrp="1"/>
+          </p:cNvSpPr>
+          <p:nvPr>
+            <p:ph type="body" idx="1"/>
+          </p:nvPr>
+        </p:nvSpPr>
+        <p:spPr/>
+        <p:txBody>
+          <a:bodyPr/>
+          <a:lstStyle/>
+          <a:p>
+            <a:r>
+              <a:rPr lang="en-US" sz="2000" dirty="0"/>
+              <a:t>Cross validations are done to assess prediction performance on a horizon of 70 days, starting with 210 days of training data in the first cutoff and then making predictions every 15 days.</a:t>
+            </a:r>
+          </a:p>
+        </p:txBody>
+      </p:sp>
+      <p:pic>
+        <p:nvPicPr>
+          <p:cNvPr id="5" name="Picture 4" descr="A screenshot of a social media post&#10;&#10;Description automatically generated">
+            <a:extLst>
+              <a:ext uri="{FF2B5EF4-FFF2-40B4-BE49-F238E27FC236}">
+                <a16:creationId xmlns:a16="http://schemas.microsoft.com/office/drawing/2014/main" id="{10299B16-FD77-4D94-B339-E957EC7E1F67}"/>
+              </a:ext>
+            </a:extLst>
+          </p:cNvPr>
+          <p:cNvPicPr>
+            <a:picLocks noChangeAspect="1"/>
+          </p:cNvPicPr>
+          <p:nvPr/>
+        </p:nvPicPr>
+        <p:blipFill>
+          <a:blip r:embed="rId2"/>
+          <a:stretch>
+            <a:fillRect/>
+          </a:stretch>
+        </p:blipFill>
+        <p:spPr>
+          <a:xfrm>
+            <a:off x="560934" y="2382049"/>
+            <a:ext cx="8029816" cy="2632975"/>
+          </a:xfrm>
+          <a:prstGeom prst="rect">
+            <a:avLst/>
+          </a:prstGeom>
+        </p:spPr>
+      </p:pic>
+    </p:spTree>
+    <p:extLst>
+      <p:ext uri="{BB962C8B-B14F-4D97-AF65-F5344CB8AC3E}">
+        <p14:creationId xmlns:p14="http://schemas.microsoft.com/office/powerpoint/2010/main" val="1629926467"/>
+      </p:ext>
+    </p:extLst>
+  </p:cSld>
+  <p:clrMapOvr>
+    <a:masterClrMapping/>
+  </p:clrMapOvr>
+</p:sld>
+</file>
+
+<file path=ppt/slides/slide26.xml><?xml version="1.0" encoding="utf-8"?>
+<p:sld xmlns:a="http://schemas.openxmlformats.org/drawingml/2006/main" xmlns:r="http://schemas.openxmlformats.org/officeDocument/2006/relationships" xmlns:p="http://schemas.openxmlformats.org/presentationml/2006/main">
+  <p:cSld>
+    <p:spTree>
+      <p:nvGrpSpPr>
+        <p:cNvPr id="1" name=""/>
+        <p:cNvGrpSpPr/>
+        <p:nvPr/>
+      </p:nvGrpSpPr>
+      <p:grpSpPr>
+        <a:xfrm>
+          <a:off x="0" y="0"/>
+          <a:ext cx="0" cy="0"/>
+          <a:chOff x="0" y="0"/>
+          <a:chExt cx="0" cy="0"/>
+        </a:xfrm>
+      </p:grpSpPr>
+      <p:sp>
+        <p:nvSpPr>
+          <p:cNvPr id="2" name="Title 1">
+            <a:extLst>
+              <a:ext uri="{FF2B5EF4-FFF2-40B4-BE49-F238E27FC236}">
+                <a16:creationId xmlns:a16="http://schemas.microsoft.com/office/drawing/2014/main" id="{539AB0A2-BE92-4F9B-826A-2DA25F2DAA81}"/>
+              </a:ext>
+            </a:extLst>
+          </p:cNvPr>
+          <p:cNvSpPr>
+            <a:spLocks noGrp="1"/>
+          </p:cNvSpPr>
+          <p:nvPr>
+            <p:ph type="title"/>
+          </p:nvPr>
+        </p:nvSpPr>
+        <p:spPr/>
+        <p:txBody>
+          <a:bodyPr/>
+          <a:lstStyle/>
+          <a:p>
+            <a:r>
+              <a:rPr lang="en-US" dirty="0">
+                <a:solidFill>
+                  <a:schemeClr val="accent1">
+                    <a:lumMod val="50000"/>
+                  </a:schemeClr>
+                </a:solidFill>
+              </a:rPr>
+              <a:t>Outcomes/Implications</a:t>
+            </a:r>
+            <a:endParaRPr lang="en-US" dirty="0">
+              <a:solidFill>
+                <a:schemeClr val="bg2">
+                  <a:lumMod val="50000"/>
+                </a:schemeClr>
+              </a:solidFill>
+            </a:endParaRPr>
+          </a:p>
+        </p:txBody>
+      </p:sp>
+      <p:sp>
+        <p:nvSpPr>
+          <p:cNvPr id="3" name="Text Placeholder 2">
+            <a:extLst>
+              <a:ext uri="{FF2B5EF4-FFF2-40B4-BE49-F238E27FC236}">
+                <a16:creationId xmlns:a16="http://schemas.microsoft.com/office/drawing/2014/main" id="{5580802E-E8F0-41FF-BF12-832CC490006F}"/>
+              </a:ext>
+            </a:extLst>
+          </p:cNvPr>
+          <p:cNvSpPr>
+            <a:spLocks noGrp="1"/>
+          </p:cNvSpPr>
+          <p:nvPr>
+            <p:ph type="body" idx="1"/>
+          </p:nvPr>
+        </p:nvSpPr>
+        <p:spPr/>
+        <p:txBody>
+          <a:bodyPr/>
+          <a:lstStyle/>
+          <a:p>
+            <a:r>
+              <a:rPr lang="en-US" sz="1400" dirty="0"/>
+              <a:t>The mean absolute percentage error (MAPE) is a statistical measure of how accurate a forecast system is. Dots show the absolute percent error for each prediction. The blue line shows the MAPE.</a:t>
+            </a:r>
+            <a:endParaRPr lang="en-US" sz="2000" dirty="0"/>
+          </a:p>
+        </p:txBody>
+      </p:sp>
+      <p:pic>
+        <p:nvPicPr>
+          <p:cNvPr id="6" name="Picture 5" descr="A close up of a map&#10;&#10;Description automatically generated">
+            <a:extLst>
+              <a:ext uri="{FF2B5EF4-FFF2-40B4-BE49-F238E27FC236}">
+                <a16:creationId xmlns:a16="http://schemas.microsoft.com/office/drawing/2014/main" id="{9ECACC25-A59A-40DF-A272-D73B05AEE059}"/>
+              </a:ext>
+            </a:extLst>
+          </p:cNvPr>
+          <p:cNvPicPr>
+            <a:picLocks noChangeAspect="1"/>
+          </p:cNvPicPr>
+          <p:nvPr/>
+        </p:nvPicPr>
+        <p:blipFill>
+          <a:blip r:embed="rId2"/>
+          <a:stretch>
+            <a:fillRect/>
+          </a:stretch>
+        </p:blipFill>
+        <p:spPr>
+          <a:xfrm>
+            <a:off x="1165050" y="1970117"/>
+            <a:ext cx="6813900" cy="2739497"/>
+          </a:xfrm>
+          <a:prstGeom prst="rect">
+            <a:avLst/>
+          </a:prstGeom>
+        </p:spPr>
+      </p:pic>
+    </p:spTree>
+    <p:extLst>
+      <p:ext uri="{BB962C8B-B14F-4D97-AF65-F5344CB8AC3E}">
+        <p14:creationId xmlns:p14="http://schemas.microsoft.com/office/powerpoint/2010/main" val="3823998457"/>
+      </p:ext>
+    </p:extLst>
+  </p:cSld>
+  <p:clrMapOvr>
+    <a:masterClrMapping/>
+  </p:clrMapOvr>
+</p:sld>
+</file>
+
+<file path=ppt/slides/slide27.xml><?xml version="1.0" encoding="utf-8"?>
+<p:sld xmlns:a="http://schemas.openxmlformats.org/drawingml/2006/main" xmlns:r="http://schemas.openxmlformats.org/officeDocument/2006/relationships" xmlns:p="http://schemas.openxmlformats.org/presentationml/2006/main">
+  <p:cSld>
+    <p:spTree>
+      <p:nvGrpSpPr>
+        <p:cNvPr id="1" name="Shape 101"/>
+        <p:cNvGrpSpPr/>
+        <p:nvPr/>
+      </p:nvGrpSpPr>
+      <p:grpSpPr>
+        <a:xfrm>
+          <a:off x="0" y="0"/>
+          <a:ext cx="0" cy="0"/>
+          <a:chOff x="0" y="0"/>
+          <a:chExt cx="0" cy="0"/>
+        </a:xfrm>
+      </p:grpSpPr>
+      <p:sp>
+        <p:nvSpPr>
+          <p:cNvPr id="102" name="Google Shape;102;p15"/>
+          <p:cNvSpPr txBox="1">
+            <a:spLocks noGrp="1"/>
+          </p:cNvSpPr>
+          <p:nvPr>
+            <p:ph type="title"/>
+          </p:nvPr>
+        </p:nvSpPr>
+        <p:spPr>
+          <a:xfrm>
+            <a:off x="897890" y="271900"/>
+            <a:ext cx="8246100" cy="610800"/>
+          </a:xfrm>
+          <a:prstGeom prst="rect">
+            <a:avLst/>
+          </a:prstGeom>
+          <a:noFill/>
+          <a:ln>
+            <a:noFill/>
+          </a:ln>
+        </p:spPr>
+        <p:txBody>
+          <a:bodyPr spcFirstLastPara="1" wrap="square" lIns="91425" tIns="45700" rIns="91425" bIns="45700" anchor="ctr" anchorCtr="0">
+            <a:noAutofit/>
+          </a:bodyPr>
+          <a:lstStyle/>
+          <a:p>
+            <a:pPr marL="0" lvl="0" indent="0" algn="r" rtl="0">
+              <a:lnSpc>
+                <a:spcPct val="100000"/>
+              </a:lnSpc>
+              <a:spcBef>
+                <a:spcPts val="0"/>
+              </a:spcBef>
+              <a:spcAft>
+                <a:spcPts val="0"/>
+              </a:spcAft>
+              <a:buSzPts val="3600"/>
+              <a:buNone/>
+            </a:pPr>
+            <a:r>
+              <a:rPr lang="en-US" dirty="0"/>
+              <a:t>G-Calendar Prediction</a:t>
+            </a:r>
+            <a:endParaRPr dirty="0">
+              <a:solidFill>
+                <a:srgbClr val="244061"/>
+              </a:solidFill>
+            </a:endParaRPr>
+          </a:p>
+        </p:txBody>
+      </p:sp>
+      <p:sp>
+        <p:nvSpPr>
+          <p:cNvPr id="103" name="Google Shape;103;p15"/>
+          <p:cNvSpPr txBox="1">
+            <a:spLocks noGrp="1"/>
+          </p:cNvSpPr>
+          <p:nvPr>
+            <p:ph type="body" idx="1"/>
+          </p:nvPr>
+        </p:nvSpPr>
+        <p:spPr>
+          <a:xfrm>
+            <a:off x="448966" y="1197405"/>
+            <a:ext cx="8246100" cy="3512100"/>
+          </a:xfrm>
+          <a:prstGeom prst="rect">
+            <a:avLst/>
+          </a:prstGeom>
+          <a:noFill/>
+          <a:ln>
+            <a:noFill/>
+          </a:ln>
+        </p:spPr>
+        <p:txBody>
+          <a:bodyPr spcFirstLastPara="1" wrap="square" lIns="91425" tIns="45700" rIns="91425" bIns="45700" anchor="t" anchorCtr="0">
+            <a:noAutofit/>
+          </a:bodyPr>
+          <a:lstStyle/>
+          <a:p>
+            <a:pPr marL="342900" lvl="0" indent="-165100" algn="l" rtl="0">
+              <a:lnSpc>
+                <a:spcPct val="100000"/>
+              </a:lnSpc>
+              <a:spcBef>
+                <a:spcPts val="560"/>
+              </a:spcBef>
+              <a:spcAft>
+                <a:spcPts val="0"/>
+              </a:spcAft>
+              <a:buClr>
+                <a:srgbClr val="002060"/>
+              </a:buClr>
+              <a:buSzPts val="2800"/>
+              <a:buNone/>
+            </a:pPr>
+            <a:r>
+              <a:rPr lang="en-US"/>
+              <a:t>How can the data for Google Calendar be used to predict changes in the future</a:t>
+            </a:r>
+            <a:endParaRPr/>
+          </a:p>
+        </p:txBody>
+      </p:sp>
+    </p:spTree>
+  </p:cSld>
+  <p:clrMapOvr>
+    <a:masterClrMapping/>
+  </p:clrMapOvr>
+</p:sld>
+</file>
+
+<file path=ppt/slides/slide28.xml><?xml version="1.0" encoding="utf-8"?>
+<p:sld xmlns:a="http://schemas.openxmlformats.org/drawingml/2006/main" xmlns:r="http://schemas.openxmlformats.org/officeDocument/2006/relationships" xmlns:p="http://schemas.openxmlformats.org/presentationml/2006/main">
+  <p:cSld>
+    <p:spTree>
+      <p:nvGrpSpPr>
         <p:cNvPr id="1" name="Shape 107"/>
         <p:cNvGrpSpPr/>
         <p:nvPr/>
@@ -16295,7 +17536,7 @@
 </p:sld>
 </file>
 
-<file path=ppt/slides/slide21.xml><?xml version="1.0" encoding="utf-8"?>
+<file path=ppt/slides/slide29.xml><?xml version="1.0" encoding="utf-8"?>
 <p:sld xmlns:a="http://schemas.openxmlformats.org/drawingml/2006/main" xmlns:r="http://schemas.openxmlformats.org/officeDocument/2006/relationships" xmlns:p="http://schemas.openxmlformats.org/presentationml/2006/main">
   <p:cSld>
     <p:spTree>
@@ -16463,7 +17704,279 @@
 </p:sld>
 </file>
 
-<file path=ppt/slides/slide22.xml><?xml version="1.0" encoding="utf-8"?>
+<file path=ppt/slides/slide3.xml><?xml version="1.0" encoding="utf-8"?>
+<p:sld xmlns:a="http://schemas.openxmlformats.org/drawingml/2006/main" xmlns:r="http://schemas.openxmlformats.org/officeDocument/2006/relationships" xmlns:p="http://schemas.openxmlformats.org/presentationml/2006/main">
+  <p:cSld>
+    <p:spTree>
+      <p:nvGrpSpPr>
+        <p:cNvPr id="1" name="Shape 109"/>
+        <p:cNvGrpSpPr/>
+        <p:nvPr/>
+      </p:nvGrpSpPr>
+      <p:grpSpPr>
+        <a:xfrm>
+          <a:off x="0" y="0"/>
+          <a:ext cx="0" cy="0"/>
+          <a:chOff x="0" y="0"/>
+          <a:chExt cx="0" cy="0"/>
+        </a:xfrm>
+      </p:grpSpPr>
+      <p:sp>
+        <p:nvSpPr>
+          <p:cNvPr id="110" name="Google Shape;110;p16"/>
+          <p:cNvSpPr txBox="1">
+            <a:spLocks noGrp="1"/>
+          </p:cNvSpPr>
+          <p:nvPr>
+            <p:ph type="title"/>
+          </p:nvPr>
+        </p:nvSpPr>
+        <p:spPr>
+          <a:xfrm>
+            <a:off x="448965" y="281175"/>
+            <a:ext cx="8246070" cy="610820"/>
+          </a:xfrm>
+          <a:prstGeom prst="rect">
+            <a:avLst/>
+          </a:prstGeom>
+          <a:noFill/>
+          <a:ln>
+            <a:noFill/>
+          </a:ln>
+        </p:spPr>
+        <p:txBody>
+          <a:bodyPr spcFirstLastPara="1" wrap="square" lIns="91425" tIns="45700" rIns="91425" bIns="45700" anchor="ctr" anchorCtr="0">
+            <a:noAutofit/>
+          </a:bodyPr>
+          <a:lstStyle/>
+          <a:p>
+            <a:pPr marL="0" lvl="0" indent="0" algn="r" rtl="0">
+              <a:spcBef>
+                <a:spcPts val="0"/>
+              </a:spcBef>
+              <a:spcAft>
+                <a:spcPts val="0"/>
+              </a:spcAft>
+              <a:buClr>
+                <a:schemeClr val="lt1"/>
+              </a:buClr>
+              <a:buSzPts val="3240"/>
+              <a:buFont typeface="Calibri"/>
+              <a:buNone/>
+            </a:pPr>
+            <a:r>
+              <a:rPr lang="en-US" dirty="0">
+                <a:solidFill>
+                  <a:schemeClr val="accent1">
+                    <a:lumMod val="50000"/>
+                  </a:schemeClr>
+                </a:solidFill>
+              </a:rPr>
+              <a:t>Gmail Task</a:t>
+            </a:r>
+            <a:endParaRPr dirty="0">
+              <a:solidFill>
+                <a:schemeClr val="accent1">
+                  <a:lumMod val="50000"/>
+                </a:schemeClr>
+              </a:solidFill>
+            </a:endParaRPr>
+          </a:p>
+        </p:txBody>
+      </p:sp>
+      <p:sp>
+        <p:nvSpPr>
+          <p:cNvPr id="111" name="Google Shape;111;p16"/>
+          <p:cNvSpPr txBox="1">
+            <a:spLocks noGrp="1"/>
+          </p:cNvSpPr>
+          <p:nvPr>
+            <p:ph type="body" idx="1"/>
+          </p:nvPr>
+        </p:nvSpPr>
+        <p:spPr>
+          <a:xfrm>
+            <a:off x="260036" y="1068233"/>
+            <a:ext cx="7937607" cy="3972493"/>
+          </a:xfrm>
+          <a:prstGeom prst="rect">
+            <a:avLst/>
+          </a:prstGeom>
+          <a:noFill/>
+          <a:ln>
+            <a:noFill/>
+          </a:ln>
+        </p:spPr>
+        <p:txBody>
+          <a:bodyPr spcFirstLastPara="1" wrap="square" lIns="91425" tIns="45700" rIns="91425" bIns="45700" anchor="t" anchorCtr="0">
+            <a:noAutofit/>
+          </a:bodyPr>
+          <a:lstStyle/>
+          <a:p>
+            <a:r>
+              <a:rPr lang="en-US" dirty="0"/>
+              <a:t>The Question:</a:t>
+            </a:r>
+          </a:p>
+          <a:p>
+            <a:pPr lvl="1"/>
+            <a:r>
+              <a:rPr lang="en-US" sz="1400" dirty="0"/>
+              <a:t>Can I predict the data for  2020 based on my current available data and how accurate would be the predictions will be?</a:t>
+            </a:r>
+          </a:p>
+          <a:p>
+            <a:pPr lvl="1"/>
+            <a:r>
+              <a:rPr lang="en-US" sz="1400" dirty="0"/>
+              <a:t> After getting accurate predictions, can I fill 0s or missing days in my dataset?</a:t>
+            </a:r>
+          </a:p>
+          <a:p>
+            <a:r>
+              <a:rPr lang="en-US" dirty="0"/>
+              <a:t>Why was the question asked?</a:t>
+            </a:r>
+          </a:p>
+          <a:p>
+            <a:pPr lvl="1"/>
+            <a:r>
+              <a:rPr lang="en-US" sz="1400" dirty="0"/>
+              <a:t>To achieve the overall project goal of detecting anomalies and give the ITS department a firm understanding what is happening with Gmail throughout the year and allow the ITS department to prepare in advance to seasonal and overall trends.</a:t>
+            </a:r>
+          </a:p>
+          <a:p>
+            <a:pPr marL="50800" indent="0">
+              <a:buNone/>
+            </a:pPr>
+            <a:endParaRPr lang="en-US" sz="1600" dirty="0"/>
+          </a:p>
+        </p:txBody>
+      </p:sp>
+      <p:sp>
+        <p:nvSpPr>
+          <p:cNvPr id="2" name="Rectangle 1">
+            <a:extLst>
+              <a:ext uri="{FF2B5EF4-FFF2-40B4-BE49-F238E27FC236}">
+                <a16:creationId xmlns:a16="http://schemas.microsoft.com/office/drawing/2014/main" id="{569E382C-21BA-46E6-A57B-03AAD38D24D7}"/>
+              </a:ext>
+            </a:extLst>
+          </p:cNvPr>
+          <p:cNvSpPr/>
+          <p:nvPr/>
+        </p:nvSpPr>
+        <p:spPr>
+          <a:xfrm>
+            <a:off x="565446" y="1352071"/>
+            <a:ext cx="8318518" cy="2739211"/>
+          </a:xfrm>
+          <a:prstGeom prst="rect">
+            <a:avLst/>
+          </a:prstGeom>
+        </p:spPr>
+        <p:txBody>
+          <a:bodyPr wrap="square">
+            <a:spAutoFit/>
+          </a:bodyPr>
+          <a:lstStyle/>
+          <a:p>
+            <a:endParaRPr lang="en-US" sz="1800" dirty="0">
+              <a:solidFill>
+                <a:schemeClr val="bg2">
+                  <a:lumMod val="50000"/>
+                </a:schemeClr>
+              </a:solidFill>
+            </a:endParaRPr>
+          </a:p>
+          <a:p>
+            <a:endParaRPr lang="en-US" sz="1800" dirty="0">
+              <a:solidFill>
+                <a:schemeClr val="bg2">
+                  <a:lumMod val="50000"/>
+                </a:schemeClr>
+              </a:solidFill>
+            </a:endParaRPr>
+          </a:p>
+          <a:p>
+            <a:endParaRPr lang="en-US" sz="1800" dirty="0">
+              <a:solidFill>
+                <a:schemeClr val="bg2">
+                  <a:lumMod val="50000"/>
+                </a:schemeClr>
+              </a:solidFill>
+            </a:endParaRPr>
+          </a:p>
+          <a:p>
+            <a:r>
+              <a:rPr lang="en-US" sz="1800" dirty="0">
+                <a:solidFill>
+                  <a:schemeClr val="bg2">
+                    <a:lumMod val="50000"/>
+                  </a:schemeClr>
+                </a:solidFill>
+              </a:rPr>
+              <a:t>                         </a:t>
+            </a:r>
+          </a:p>
+          <a:p>
+            <a:endParaRPr lang="en-US" sz="1800" dirty="0">
+              <a:solidFill>
+                <a:schemeClr val="bg2">
+                  <a:lumMod val="50000"/>
+                </a:schemeClr>
+              </a:solidFill>
+            </a:endParaRPr>
+          </a:p>
+          <a:p>
+            <a:endParaRPr lang="en-US" sz="1800" dirty="0">
+              <a:solidFill>
+                <a:schemeClr val="bg2">
+                  <a:lumMod val="50000"/>
+                </a:schemeClr>
+              </a:solidFill>
+            </a:endParaRPr>
+          </a:p>
+          <a:p>
+            <a:endParaRPr lang="en-US" sz="1800" dirty="0">
+              <a:solidFill>
+                <a:schemeClr val="bg2">
+                  <a:lumMod val="50000"/>
+                </a:schemeClr>
+              </a:solidFill>
+            </a:endParaRPr>
+          </a:p>
+          <a:p>
+            <a:r>
+              <a:rPr lang="en-US" sz="1800" dirty="0">
+                <a:solidFill>
+                  <a:schemeClr val="bg2">
+                    <a:lumMod val="50000"/>
+                  </a:schemeClr>
+                </a:solidFill>
+              </a:rPr>
+              <a:t> </a:t>
+            </a:r>
+          </a:p>
+          <a:p>
+            <a:endParaRPr lang="en-US" dirty="0"/>
+          </a:p>
+          <a:p>
+            <a:r>
+              <a:rPr lang="en-US" dirty="0"/>
+              <a:t> </a:t>
+            </a:r>
+          </a:p>
+        </p:txBody>
+      </p:sp>
+    </p:spTree>
+  </p:cSld>
+  <p:clrMapOvr>
+    <a:masterClrMapping/>
+  </p:clrMapOvr>
+</p:sld>
+</file>
+
+<file path=ppt/slides/slide30.xml><?xml version="1.0" encoding="utf-8"?>
 <p:sld xmlns:a="http://schemas.openxmlformats.org/drawingml/2006/main" xmlns:r="http://schemas.openxmlformats.org/officeDocument/2006/relationships" xmlns:p="http://schemas.openxmlformats.org/presentationml/2006/main">
   <p:cSld>
     <p:spTree>
@@ -16603,7 +18116,7 @@
 </p:sld>
 </file>
 
-<file path=ppt/slides/slide23.xml><?xml version="1.0" encoding="utf-8"?>
+<file path=ppt/slides/slide31.xml><?xml version="1.0" encoding="utf-8"?>
 <p:sld xmlns:a="http://schemas.openxmlformats.org/drawingml/2006/main" xmlns:r="http://schemas.openxmlformats.org/officeDocument/2006/relationships" xmlns:p="http://schemas.openxmlformats.org/presentationml/2006/main">
   <p:cSld>
     <p:spTree>
@@ -16786,7 +18299,7 @@
 </p:sld>
 </file>
 
-<file path=ppt/slides/slide24.xml><?xml version="1.0" encoding="utf-8"?>
+<file path=ppt/slides/slide32.xml><?xml version="1.0" encoding="utf-8"?>
 <p:sld xmlns:a="http://schemas.openxmlformats.org/drawingml/2006/main" xmlns:r="http://schemas.openxmlformats.org/officeDocument/2006/relationships" xmlns:p="http://schemas.openxmlformats.org/presentationml/2006/main">
   <p:cSld>
     <p:spTree>
@@ -16965,7 +18478,7 @@
 </p:sld>
 </file>
 
-<file path=ppt/slides/slide25.xml><?xml version="1.0" encoding="utf-8"?>
+<file path=ppt/slides/slide33.xml><?xml version="1.0" encoding="utf-8"?>
 <p:sld xmlns:a="http://schemas.openxmlformats.org/drawingml/2006/main" xmlns:r="http://schemas.openxmlformats.org/officeDocument/2006/relationships" xmlns:p="http://schemas.openxmlformats.org/presentationml/2006/main">
   <p:cSld>
     <p:spTree>
@@ -17133,7 +18646,7 @@
 </p:sld>
 </file>
 
-<file path=ppt/slides/slide26.xml><?xml version="1.0" encoding="utf-8"?>
+<file path=ppt/slides/slide34.xml><?xml version="1.0" encoding="utf-8"?>
 <p:sld xmlns:a="http://schemas.openxmlformats.org/drawingml/2006/main" xmlns:r="http://schemas.openxmlformats.org/officeDocument/2006/relationships" xmlns:p="http://schemas.openxmlformats.org/presentationml/2006/main">
   <p:cSld>
     <p:spTree>
@@ -17266,7 +18779,7 @@
 </p:sld>
 </file>
 
-<file path=ppt/slides/slide27.xml><?xml version="1.0" encoding="utf-8"?>
+<file path=ppt/slides/slide35.xml><?xml version="1.0" encoding="utf-8"?>
 <p:sld xmlns:a="http://schemas.openxmlformats.org/drawingml/2006/main" xmlns:r="http://schemas.openxmlformats.org/officeDocument/2006/relationships" xmlns:p="http://schemas.openxmlformats.org/presentationml/2006/main">
   <p:cSld>
     <p:spTree>
@@ -17446,7 +18959,7 @@
 </p:sld>
 </file>
 
-<file path=ppt/slides/slide28.xml><?xml version="1.0" encoding="utf-8"?>
+<file path=ppt/slides/slide36.xml><?xml version="1.0" encoding="utf-8"?>
 <p:sld xmlns:a="http://schemas.openxmlformats.org/drawingml/2006/main" xmlns:r="http://schemas.openxmlformats.org/officeDocument/2006/relationships" xmlns:p="http://schemas.openxmlformats.org/presentationml/2006/main">
   <p:cSld>
     <p:spTree>
@@ -17545,7 +19058,99 @@
 </p:sld>
 </file>
 
-<file path=ppt/slides/slide29.xml><?xml version="1.0" encoding="utf-8"?>
+<file path=ppt/slides/slide37.xml><?xml version="1.0" encoding="utf-8"?>
+<p:sld xmlns:a="http://schemas.openxmlformats.org/drawingml/2006/main" xmlns:r="http://schemas.openxmlformats.org/officeDocument/2006/relationships" xmlns:p="http://schemas.openxmlformats.org/presentationml/2006/main">
+  <p:cSld>
+    <p:spTree>
+      <p:nvGrpSpPr>
+        <p:cNvPr id="1" name=""/>
+        <p:cNvGrpSpPr/>
+        <p:nvPr/>
+      </p:nvGrpSpPr>
+      <p:grpSpPr>
+        <a:xfrm>
+          <a:off x="0" y="0"/>
+          <a:ext cx="0" cy="0"/>
+          <a:chOff x="0" y="0"/>
+          <a:chExt cx="0" cy="0"/>
+        </a:xfrm>
+      </p:grpSpPr>
+      <p:sp>
+        <p:nvSpPr>
+          <p:cNvPr id="2" name="Title 1"/>
+          <p:cNvSpPr>
+            <a:spLocks noGrp="1"/>
+          </p:cNvSpPr>
+          <p:nvPr>
+            <p:ph type="title"/>
+          </p:nvPr>
+        </p:nvSpPr>
+        <p:spPr/>
+        <p:txBody>
+          <a:bodyPr/>
+          <a:lstStyle/>
+          <a:p>
+            <a:r>
+              <a:rPr lang="en-US" dirty="0"/>
+              <a:t>Result</a:t>
+            </a:r>
+          </a:p>
+        </p:txBody>
+      </p:sp>
+      <p:sp>
+        <p:nvSpPr>
+          <p:cNvPr id="3" name="Text Placeholder 2"/>
+          <p:cNvSpPr>
+            <a:spLocks noGrp="1"/>
+          </p:cNvSpPr>
+          <p:nvPr>
+            <p:ph type="body" idx="1"/>
+          </p:nvPr>
+        </p:nvSpPr>
+        <p:spPr/>
+        <p:txBody>
+          <a:bodyPr/>
+          <a:lstStyle/>
+          <a:p>
+            <a:r>
+              <a:rPr lang="en-US" dirty="0"/>
+              <a:t>Predict the increasing in data usage.</a:t>
+            </a:r>
+          </a:p>
+          <a:p>
+            <a:r>
+              <a:rPr lang="en-US" dirty="0"/>
+              <a:t>Predict data usage base on number of users.</a:t>
+            </a:r>
+          </a:p>
+          <a:p>
+            <a:r>
+              <a:rPr lang="en-US" dirty="0"/>
+              <a:t>Predict active users.</a:t>
+            </a:r>
+          </a:p>
+          <a:p>
+            <a:r>
+              <a:rPr lang="en-US" dirty="0"/>
+              <a:t>Visualization help to tell the increasing or decreasing of data usage.</a:t>
+            </a:r>
+          </a:p>
+        </p:txBody>
+      </p:sp>
+    </p:spTree>
+    <p:extLst>
+      <p:ext uri="{BB962C8B-B14F-4D97-AF65-F5344CB8AC3E}">
+        <p14:creationId xmlns:p14="http://schemas.microsoft.com/office/powerpoint/2010/main" val="1468027438"/>
+      </p:ext>
+    </p:extLst>
+  </p:cSld>
+  <p:clrMapOvr>
+    <a:masterClrMapping/>
+  </p:clrMapOvr>
+</p:sld>
+</file>
+
+<file path=ppt/slides/slide38.xml><?xml version="1.0" encoding="utf-8"?>
 <p:sld xmlns:a="http://schemas.openxmlformats.org/drawingml/2006/main" xmlns:r="http://schemas.openxmlformats.org/officeDocument/2006/relationships" xmlns:p="http://schemas.openxmlformats.org/presentationml/2006/main">
   <p:cSld>
     <p:spTree>
@@ -17737,279 +19342,7 @@
 </p:sld>
 </file>
 
-<file path=ppt/slides/slide3.xml><?xml version="1.0" encoding="utf-8"?>
-<p:sld xmlns:a="http://schemas.openxmlformats.org/drawingml/2006/main" xmlns:r="http://schemas.openxmlformats.org/officeDocument/2006/relationships" xmlns:p="http://schemas.openxmlformats.org/presentationml/2006/main">
-  <p:cSld>
-    <p:spTree>
-      <p:nvGrpSpPr>
-        <p:cNvPr id="1" name="Shape 109"/>
-        <p:cNvGrpSpPr/>
-        <p:nvPr/>
-      </p:nvGrpSpPr>
-      <p:grpSpPr>
-        <a:xfrm>
-          <a:off x="0" y="0"/>
-          <a:ext cx="0" cy="0"/>
-          <a:chOff x="0" y="0"/>
-          <a:chExt cx="0" cy="0"/>
-        </a:xfrm>
-      </p:grpSpPr>
-      <p:sp>
-        <p:nvSpPr>
-          <p:cNvPr id="110" name="Google Shape;110;p16"/>
-          <p:cNvSpPr txBox="1">
-            <a:spLocks noGrp="1"/>
-          </p:cNvSpPr>
-          <p:nvPr>
-            <p:ph type="title"/>
-          </p:nvPr>
-        </p:nvSpPr>
-        <p:spPr>
-          <a:xfrm>
-            <a:off x="448965" y="281175"/>
-            <a:ext cx="8246070" cy="610820"/>
-          </a:xfrm>
-          <a:prstGeom prst="rect">
-            <a:avLst/>
-          </a:prstGeom>
-          <a:noFill/>
-          <a:ln>
-            <a:noFill/>
-          </a:ln>
-        </p:spPr>
-        <p:txBody>
-          <a:bodyPr spcFirstLastPara="1" wrap="square" lIns="91425" tIns="45700" rIns="91425" bIns="45700" anchor="ctr" anchorCtr="0">
-            <a:noAutofit/>
-          </a:bodyPr>
-          <a:lstStyle/>
-          <a:p>
-            <a:pPr marL="0" lvl="0" indent="0" algn="r" rtl="0">
-              <a:spcBef>
-                <a:spcPts val="0"/>
-              </a:spcBef>
-              <a:spcAft>
-                <a:spcPts val="0"/>
-              </a:spcAft>
-              <a:buClr>
-                <a:schemeClr val="lt1"/>
-              </a:buClr>
-              <a:buSzPts val="3240"/>
-              <a:buFont typeface="Calibri"/>
-              <a:buNone/>
-            </a:pPr>
-            <a:r>
-              <a:rPr lang="en-US" dirty="0">
-                <a:solidFill>
-                  <a:schemeClr val="accent1">
-                    <a:lumMod val="50000"/>
-                  </a:schemeClr>
-                </a:solidFill>
-              </a:rPr>
-              <a:t>Gmail Task</a:t>
-            </a:r>
-            <a:endParaRPr dirty="0">
-              <a:solidFill>
-                <a:schemeClr val="accent1">
-                  <a:lumMod val="50000"/>
-                </a:schemeClr>
-              </a:solidFill>
-            </a:endParaRPr>
-          </a:p>
-        </p:txBody>
-      </p:sp>
-      <p:sp>
-        <p:nvSpPr>
-          <p:cNvPr id="111" name="Google Shape;111;p16"/>
-          <p:cNvSpPr txBox="1">
-            <a:spLocks noGrp="1"/>
-          </p:cNvSpPr>
-          <p:nvPr>
-            <p:ph type="body" idx="1"/>
-          </p:nvPr>
-        </p:nvSpPr>
-        <p:spPr>
-          <a:xfrm>
-            <a:off x="260036" y="1068233"/>
-            <a:ext cx="7937607" cy="3972493"/>
-          </a:xfrm>
-          <a:prstGeom prst="rect">
-            <a:avLst/>
-          </a:prstGeom>
-          <a:noFill/>
-          <a:ln>
-            <a:noFill/>
-          </a:ln>
-        </p:spPr>
-        <p:txBody>
-          <a:bodyPr spcFirstLastPara="1" wrap="square" lIns="91425" tIns="45700" rIns="91425" bIns="45700" anchor="t" anchorCtr="0">
-            <a:noAutofit/>
-          </a:bodyPr>
-          <a:lstStyle/>
-          <a:p>
-            <a:r>
-              <a:rPr lang="en-US" dirty="0"/>
-              <a:t>The Question:</a:t>
-            </a:r>
-          </a:p>
-          <a:p>
-            <a:pPr lvl="1"/>
-            <a:r>
-              <a:rPr lang="en-US" sz="1400" dirty="0"/>
-              <a:t>Can I predict the data for  2020 based on my current available data and how accurate would be the predictions will be?</a:t>
-            </a:r>
-          </a:p>
-          <a:p>
-            <a:pPr lvl="1"/>
-            <a:r>
-              <a:rPr lang="en-US" sz="1400" dirty="0"/>
-              <a:t> After getting accurate predictions, can I fill 0s or missing days in my dataset?</a:t>
-            </a:r>
-          </a:p>
-          <a:p>
-            <a:r>
-              <a:rPr lang="en-US" dirty="0"/>
-              <a:t>Why was the question asked?</a:t>
-            </a:r>
-          </a:p>
-          <a:p>
-            <a:pPr lvl="1"/>
-            <a:r>
-              <a:rPr lang="en-US" sz="1400" dirty="0"/>
-              <a:t>To achieve the overall project goal of detecting anomalies and give the ITS department a firm understanding what is happening with Gmail throughout the year and allow the ITS department to prepare in advance to seasonal and overall trends.</a:t>
-            </a:r>
-          </a:p>
-          <a:p>
-            <a:pPr marL="50800" indent="0">
-              <a:buNone/>
-            </a:pPr>
-            <a:endParaRPr lang="en-US" sz="1600" dirty="0"/>
-          </a:p>
-        </p:txBody>
-      </p:sp>
-      <p:sp>
-        <p:nvSpPr>
-          <p:cNvPr id="2" name="Rectangle 1">
-            <a:extLst>
-              <a:ext uri="{FF2B5EF4-FFF2-40B4-BE49-F238E27FC236}">
-                <a16:creationId xmlns:a16="http://schemas.microsoft.com/office/drawing/2014/main" id="{569E382C-21BA-46E6-A57B-03AAD38D24D7}"/>
-              </a:ext>
-            </a:extLst>
-          </p:cNvPr>
-          <p:cNvSpPr/>
-          <p:nvPr/>
-        </p:nvSpPr>
-        <p:spPr>
-          <a:xfrm>
-            <a:off x="565446" y="1352071"/>
-            <a:ext cx="8318518" cy="2739211"/>
-          </a:xfrm>
-          <a:prstGeom prst="rect">
-            <a:avLst/>
-          </a:prstGeom>
-        </p:spPr>
-        <p:txBody>
-          <a:bodyPr wrap="square">
-            <a:spAutoFit/>
-          </a:bodyPr>
-          <a:lstStyle/>
-          <a:p>
-            <a:endParaRPr lang="en-US" sz="1800" dirty="0">
-              <a:solidFill>
-                <a:schemeClr val="bg2">
-                  <a:lumMod val="50000"/>
-                </a:schemeClr>
-              </a:solidFill>
-            </a:endParaRPr>
-          </a:p>
-          <a:p>
-            <a:endParaRPr lang="en-US" sz="1800" dirty="0">
-              <a:solidFill>
-                <a:schemeClr val="bg2">
-                  <a:lumMod val="50000"/>
-                </a:schemeClr>
-              </a:solidFill>
-            </a:endParaRPr>
-          </a:p>
-          <a:p>
-            <a:endParaRPr lang="en-US" sz="1800" dirty="0">
-              <a:solidFill>
-                <a:schemeClr val="bg2">
-                  <a:lumMod val="50000"/>
-                </a:schemeClr>
-              </a:solidFill>
-            </a:endParaRPr>
-          </a:p>
-          <a:p>
-            <a:r>
-              <a:rPr lang="en-US" sz="1800" dirty="0">
-                <a:solidFill>
-                  <a:schemeClr val="bg2">
-                    <a:lumMod val="50000"/>
-                  </a:schemeClr>
-                </a:solidFill>
-              </a:rPr>
-              <a:t>                         </a:t>
-            </a:r>
-          </a:p>
-          <a:p>
-            <a:endParaRPr lang="en-US" sz="1800" dirty="0">
-              <a:solidFill>
-                <a:schemeClr val="bg2">
-                  <a:lumMod val="50000"/>
-                </a:schemeClr>
-              </a:solidFill>
-            </a:endParaRPr>
-          </a:p>
-          <a:p>
-            <a:endParaRPr lang="en-US" sz="1800" dirty="0">
-              <a:solidFill>
-                <a:schemeClr val="bg2">
-                  <a:lumMod val="50000"/>
-                </a:schemeClr>
-              </a:solidFill>
-            </a:endParaRPr>
-          </a:p>
-          <a:p>
-            <a:endParaRPr lang="en-US" sz="1800" dirty="0">
-              <a:solidFill>
-                <a:schemeClr val="bg2">
-                  <a:lumMod val="50000"/>
-                </a:schemeClr>
-              </a:solidFill>
-            </a:endParaRPr>
-          </a:p>
-          <a:p>
-            <a:r>
-              <a:rPr lang="en-US" sz="1800" dirty="0">
-                <a:solidFill>
-                  <a:schemeClr val="bg2">
-                    <a:lumMod val="50000"/>
-                  </a:schemeClr>
-                </a:solidFill>
-              </a:rPr>
-              <a:t> </a:t>
-            </a:r>
-          </a:p>
-          <a:p>
-            <a:endParaRPr lang="en-US" dirty="0"/>
-          </a:p>
-          <a:p>
-            <a:r>
-              <a:rPr lang="en-US" dirty="0"/>
-              <a:t> </a:t>
-            </a:r>
-          </a:p>
-        </p:txBody>
-      </p:sp>
-    </p:spTree>
-  </p:cSld>
-  <p:clrMapOvr>
-    <a:masterClrMapping/>
-  </p:clrMapOvr>
-</p:sld>
-</file>
-
-<file path=ppt/slides/slide30.xml><?xml version="1.0" encoding="utf-8"?>
+<file path=ppt/slides/slide39.xml><?xml version="1.0" encoding="utf-8"?>
 <p:sld xmlns:a="http://schemas.openxmlformats.org/drawingml/2006/main" xmlns:r="http://schemas.openxmlformats.org/officeDocument/2006/relationships" xmlns:p="http://schemas.openxmlformats.org/presentationml/2006/main">
   <p:cSld>
     <p:spTree>
@@ -18189,7 +19522,129 @@
 </p:sld>
 </file>
 
-<file path=ppt/slides/slide31.xml><?xml version="1.0" encoding="utf-8"?>
+<file path=ppt/slides/slide4.xml><?xml version="1.0" encoding="utf-8"?>
+<p:sld xmlns:a="http://schemas.openxmlformats.org/drawingml/2006/main" xmlns:r="http://schemas.openxmlformats.org/officeDocument/2006/relationships" xmlns:p="http://schemas.openxmlformats.org/presentationml/2006/main">
+  <p:cSld>
+    <p:spTree>
+      <p:nvGrpSpPr>
+        <p:cNvPr id="1" name=""/>
+        <p:cNvGrpSpPr/>
+        <p:nvPr/>
+      </p:nvGrpSpPr>
+      <p:grpSpPr>
+        <a:xfrm>
+          <a:off x="0" y="0"/>
+          <a:ext cx="0" cy="0"/>
+          <a:chOff x="0" y="0"/>
+          <a:chExt cx="0" cy="0"/>
+        </a:xfrm>
+      </p:grpSpPr>
+      <p:sp>
+        <p:nvSpPr>
+          <p:cNvPr id="2" name="Title 1">
+            <a:extLst>
+              <a:ext uri="{FF2B5EF4-FFF2-40B4-BE49-F238E27FC236}">
+                <a16:creationId xmlns:a16="http://schemas.microsoft.com/office/drawing/2014/main" id="{D6E96934-9750-46EE-B6C4-8D1E4932E586}"/>
+              </a:ext>
+            </a:extLst>
+          </p:cNvPr>
+          <p:cNvSpPr>
+            <a:spLocks noGrp="1"/>
+          </p:cNvSpPr>
+          <p:nvPr>
+            <p:ph type="title"/>
+          </p:nvPr>
+        </p:nvSpPr>
+        <p:spPr/>
+        <p:txBody>
+          <a:bodyPr/>
+          <a:lstStyle/>
+          <a:p>
+            <a:r>
+              <a:rPr lang="en-US" dirty="0">
+                <a:solidFill>
+                  <a:schemeClr val="accent1">
+                    <a:lumMod val="50000"/>
+                  </a:schemeClr>
+                </a:solidFill>
+              </a:rPr>
+              <a:t>Progress made towards the task</a:t>
+            </a:r>
+          </a:p>
+        </p:txBody>
+      </p:sp>
+      <p:sp>
+        <p:nvSpPr>
+          <p:cNvPr id="5" name="Text Placeholder 4">
+            <a:extLst>
+              <a:ext uri="{FF2B5EF4-FFF2-40B4-BE49-F238E27FC236}">
+                <a16:creationId xmlns:a16="http://schemas.microsoft.com/office/drawing/2014/main" id="{5F5763BE-9E3F-4702-8C7C-99A4D695D079}"/>
+              </a:ext>
+            </a:extLst>
+          </p:cNvPr>
+          <p:cNvSpPr>
+            <a:spLocks noGrp="1"/>
+          </p:cNvSpPr>
+          <p:nvPr>
+            <p:ph type="body" idx="1"/>
+          </p:nvPr>
+        </p:nvSpPr>
+        <p:spPr/>
+        <p:txBody>
+          <a:bodyPr/>
+          <a:lstStyle/>
+          <a:p>
+            <a:r>
+              <a:rPr lang="en-US" dirty="0"/>
+              <a:t>Method Used to Answer the Question:</a:t>
+            </a:r>
+          </a:p>
+          <a:p>
+            <a:pPr lvl="1"/>
+            <a:r>
+              <a:rPr lang="en-US" sz="1600" dirty="0"/>
+              <a:t>Time series analysis using Facebook Prophet.</a:t>
+            </a:r>
+          </a:p>
+          <a:p>
+            <a:pPr lvl="1"/>
+            <a:r>
+              <a:rPr lang="en-US" sz="1400" dirty="0"/>
+              <a:t>Facebook Prophet is a procedure for forecasting time series data based on an additive or multiplicative model where non-linear trends are fit with yearly, weekly, and daily seasonality, plus holiday effects. It works best with time series that have strong seasonal effects.</a:t>
+            </a:r>
+          </a:p>
+          <a:p>
+            <a:r>
+              <a:rPr lang="en-US" dirty="0"/>
+              <a:t>What was done to solve for the question?</a:t>
+            </a:r>
+          </a:p>
+          <a:p>
+            <a:pPr lvl="1"/>
+            <a:r>
+              <a:rPr lang="en-US" sz="1400" dirty="0"/>
+              <a:t>Written a function that sent the time column and the attribute to the fb prophet function. The function returns a cross validation head and tail, and a plot of the prediction and the datapoints. Some predictions had negative values and  I went ahead and replaced negative values with 0. I filled 0s and missing days in the dataset with the mentor picked attributes with predicted values</a:t>
+            </a:r>
+          </a:p>
+          <a:p>
+            <a:endParaRPr lang="en-US" dirty="0"/>
+          </a:p>
+        </p:txBody>
+      </p:sp>
+    </p:spTree>
+    <p:extLst>
+      <p:ext uri="{BB962C8B-B14F-4D97-AF65-F5344CB8AC3E}">
+        <p14:creationId xmlns:p14="http://schemas.microsoft.com/office/powerpoint/2010/main" val="245916473"/>
+      </p:ext>
+    </p:extLst>
+  </p:cSld>
+  <p:clrMapOvr>
+    <a:masterClrMapping/>
+  </p:clrMapOvr>
+</p:sld>
+</file>
+
+<file path=ppt/slides/slide40.xml><?xml version="1.0" encoding="utf-8"?>
 <p:sld xmlns:a="http://schemas.openxmlformats.org/drawingml/2006/main" xmlns:r="http://schemas.openxmlformats.org/officeDocument/2006/relationships" xmlns:p="http://schemas.openxmlformats.org/presentationml/2006/main">
   <p:cSld>
     <p:spTree>
@@ -18350,7 +19805,7 @@
 </p:sld>
 </file>
 
-<file path=ppt/slides/slide32.xml><?xml version="1.0" encoding="utf-8"?>
+<file path=ppt/slides/slide41.xml><?xml version="1.0" encoding="utf-8"?>
 <p:sld xmlns:a="http://schemas.openxmlformats.org/drawingml/2006/main" xmlns:r="http://schemas.openxmlformats.org/officeDocument/2006/relationships" xmlns:p="http://schemas.openxmlformats.org/presentationml/2006/main">
   <p:cSld>
     <p:spTree>
@@ -18534,470 +19989,7 @@
 </p:sld>
 </file>
 
-<file path=ppt/slides/slide33.xml><?xml version="1.0" encoding="utf-8"?>
-<p:sld xmlns:a="http://schemas.openxmlformats.org/drawingml/2006/main" xmlns:r="http://schemas.openxmlformats.org/officeDocument/2006/relationships" xmlns:p="http://schemas.openxmlformats.org/presentationml/2006/main">
-  <p:cSld>
-    <p:spTree>
-      <p:nvGrpSpPr>
-        <p:cNvPr id="1" name=""/>
-        <p:cNvGrpSpPr/>
-        <p:nvPr/>
-      </p:nvGrpSpPr>
-      <p:grpSpPr>
-        <a:xfrm>
-          <a:off x="0" y="0"/>
-          <a:ext cx="0" cy="0"/>
-          <a:chOff x="0" y="0"/>
-          <a:chExt cx="0" cy="0"/>
-        </a:xfrm>
-      </p:grpSpPr>
-      <p:sp>
-        <p:nvSpPr>
-          <p:cNvPr id="2" name="Title 1"/>
-          <p:cNvSpPr>
-            <a:spLocks noGrp="1"/>
-          </p:cNvSpPr>
-          <p:nvPr>
-            <p:ph type="title"/>
-          </p:nvPr>
-        </p:nvSpPr>
-        <p:spPr/>
-        <p:txBody>
-          <a:bodyPr/>
-          <a:lstStyle/>
-          <a:p>
-            <a:r>
-              <a:rPr lang="en-US" dirty="0"/>
-              <a:t>Result</a:t>
-            </a:r>
-          </a:p>
-        </p:txBody>
-      </p:sp>
-      <p:sp>
-        <p:nvSpPr>
-          <p:cNvPr id="3" name="Text Placeholder 2"/>
-          <p:cNvSpPr>
-            <a:spLocks noGrp="1"/>
-          </p:cNvSpPr>
-          <p:nvPr>
-            <p:ph type="body" idx="1"/>
-          </p:nvPr>
-        </p:nvSpPr>
-        <p:spPr/>
-        <p:txBody>
-          <a:bodyPr/>
-          <a:lstStyle/>
-          <a:p>
-            <a:r>
-              <a:rPr lang="en-US" dirty="0"/>
-              <a:t>Increasing in data usage.</a:t>
-            </a:r>
-          </a:p>
-          <a:p>
-            <a:r>
-              <a:rPr lang="en-US" dirty="0"/>
-              <a:t>Predict data usage base on number of users.</a:t>
-            </a:r>
-          </a:p>
-          <a:p>
-            <a:r>
-              <a:rPr lang="en-US" dirty="0"/>
-              <a:t>Predict active users.</a:t>
-            </a:r>
-          </a:p>
-          <a:p>
-            <a:r>
-              <a:rPr lang="en-US" dirty="0"/>
-              <a:t>Visualization help to tell the increasing or decreasing of data usage.</a:t>
-            </a:r>
-          </a:p>
-        </p:txBody>
-      </p:sp>
-    </p:spTree>
-    <p:extLst>
-      <p:ext uri="{BB962C8B-B14F-4D97-AF65-F5344CB8AC3E}">
-        <p14:creationId xmlns:p14="http://schemas.microsoft.com/office/powerpoint/2010/main" val="1468027438"/>
-      </p:ext>
-    </p:extLst>
-  </p:cSld>
-  <p:clrMapOvr>
-    <a:masterClrMapping/>
-  </p:clrMapOvr>
-</p:sld>
-</file>
-
-<file path=ppt/slides/slide34.xml><?xml version="1.0" encoding="utf-8"?>
-<p:sld xmlns:a="http://schemas.openxmlformats.org/drawingml/2006/main" xmlns:r="http://schemas.openxmlformats.org/officeDocument/2006/relationships" xmlns:p="http://schemas.openxmlformats.org/presentationml/2006/main">
-  <p:cSld>
-    <p:spTree>
-      <p:nvGrpSpPr>
-        <p:cNvPr id="1" name="Shape 101"/>
-        <p:cNvGrpSpPr/>
-        <p:nvPr/>
-      </p:nvGrpSpPr>
-      <p:grpSpPr>
-        <a:xfrm>
-          <a:off x="0" y="0"/>
-          <a:ext cx="0" cy="0"/>
-          <a:chOff x="0" y="0"/>
-          <a:chExt cx="0" cy="0"/>
-        </a:xfrm>
-      </p:grpSpPr>
-      <p:sp>
-        <p:nvSpPr>
-          <p:cNvPr id="102" name="Google Shape;102;p15"/>
-          <p:cNvSpPr txBox="1">
-            <a:spLocks noGrp="1"/>
-          </p:cNvSpPr>
-          <p:nvPr>
-            <p:ph type="title"/>
-          </p:nvPr>
-        </p:nvSpPr>
-        <p:spPr>
-          <a:xfrm>
-            <a:off x="448965" y="281175"/>
-            <a:ext cx="8246070" cy="610820"/>
-          </a:xfrm>
-          <a:prstGeom prst="rect">
-            <a:avLst/>
-          </a:prstGeom>
-          <a:noFill/>
-          <a:ln>
-            <a:noFill/>
-          </a:ln>
-        </p:spPr>
-        <p:txBody>
-          <a:bodyPr spcFirstLastPara="1" wrap="square" lIns="91425" tIns="45700" rIns="91425" bIns="45700" anchor="ctr" anchorCtr="0">
-            <a:noAutofit/>
-          </a:bodyPr>
-          <a:lstStyle/>
-          <a:p>
-            <a:pPr lvl="0"/>
-            <a:r>
-              <a:rPr lang="en-US" dirty="0"/>
-              <a:t> </a:t>
-            </a:r>
-            <a:r>
-              <a:rPr lang="en-US" dirty="0">
-                <a:solidFill>
-                  <a:schemeClr val="accent1">
-                    <a:lumMod val="50000"/>
-                  </a:schemeClr>
-                </a:solidFill>
-              </a:rPr>
-              <a:t>Establishment of Machine Learning goals</a:t>
-            </a:r>
-            <a:endParaRPr dirty="0">
-              <a:solidFill>
-                <a:schemeClr val="accent1">
-                  <a:lumMod val="50000"/>
-                </a:schemeClr>
-              </a:solidFill>
-            </a:endParaRPr>
-          </a:p>
-        </p:txBody>
-      </p:sp>
-      <p:sp>
-        <p:nvSpPr>
-          <p:cNvPr id="103" name="Google Shape;103;p15"/>
-          <p:cNvSpPr txBox="1">
-            <a:spLocks noGrp="1"/>
-          </p:cNvSpPr>
-          <p:nvPr>
-            <p:ph type="body" idx="1"/>
-          </p:nvPr>
-        </p:nvSpPr>
-        <p:spPr>
-          <a:xfrm>
-            <a:off x="448966" y="1197405"/>
-            <a:ext cx="8246070" cy="3512210"/>
-          </a:xfrm>
-          <a:prstGeom prst="rect">
-            <a:avLst/>
-          </a:prstGeom>
-          <a:noFill/>
-          <a:ln>
-            <a:noFill/>
-          </a:ln>
-        </p:spPr>
-        <p:txBody>
-          <a:bodyPr spcFirstLastPara="1" wrap="square" lIns="91425" tIns="45700" rIns="91425" bIns="45700" anchor="t" anchorCtr="0">
-            <a:noAutofit/>
-          </a:bodyPr>
-          <a:lstStyle/>
-          <a:p>
-            <a:pPr marL="520700" indent="-342900"/>
-            <a:r>
-              <a:rPr lang="en-US" sz="2000" dirty="0"/>
-              <a:t>Prediction of future metric value based on the current data set values for top 6 metrics under Google Meet. </a:t>
-            </a:r>
-          </a:p>
-          <a:p>
-            <a:pPr marL="520700" indent="-342900"/>
-            <a:r>
-              <a:rPr lang="en-US" sz="2000" dirty="0"/>
-              <a:t>Time series forecasting is a technique for the prediction of events through a sequence of time.</a:t>
-            </a:r>
-          </a:p>
-        </p:txBody>
-      </p:sp>
-    </p:spTree>
-  </p:cSld>
-  <p:clrMapOvr>
-    <a:masterClrMapping/>
-  </p:clrMapOvr>
-</p:sld>
-</file>
-
-<file path=ppt/slides/slide35.xml><?xml version="1.0" encoding="utf-8"?>
-<p:sld xmlns:a="http://schemas.openxmlformats.org/drawingml/2006/main" xmlns:r="http://schemas.openxmlformats.org/officeDocument/2006/relationships" xmlns:p="http://schemas.openxmlformats.org/presentationml/2006/main">
-  <p:cSld>
-    <p:spTree>
-      <p:nvGrpSpPr>
-        <p:cNvPr id="1" name="Shape 109"/>
-        <p:cNvGrpSpPr/>
-        <p:nvPr/>
-      </p:nvGrpSpPr>
-      <p:grpSpPr>
-        <a:xfrm>
-          <a:off x="0" y="0"/>
-          <a:ext cx="0" cy="0"/>
-          <a:chOff x="0" y="0"/>
-          <a:chExt cx="0" cy="0"/>
-        </a:xfrm>
-      </p:grpSpPr>
-      <p:sp>
-        <p:nvSpPr>
-          <p:cNvPr id="110" name="Google Shape;110;p16"/>
-          <p:cNvSpPr txBox="1">
-            <a:spLocks noGrp="1"/>
-          </p:cNvSpPr>
-          <p:nvPr>
-            <p:ph type="title"/>
-          </p:nvPr>
-        </p:nvSpPr>
-        <p:spPr>
-          <a:xfrm>
-            <a:off x="448965" y="281175"/>
-            <a:ext cx="8246070" cy="610820"/>
-          </a:xfrm>
-          <a:prstGeom prst="rect">
-            <a:avLst/>
-          </a:prstGeom>
-          <a:noFill/>
-          <a:ln>
-            <a:noFill/>
-          </a:ln>
-        </p:spPr>
-        <p:txBody>
-          <a:bodyPr spcFirstLastPara="1" wrap="square" lIns="91425" tIns="45700" rIns="91425" bIns="45700" anchor="ctr" anchorCtr="0">
-            <a:noAutofit/>
-          </a:bodyPr>
-          <a:lstStyle/>
-          <a:p>
-            <a:pPr marL="0" lvl="0" indent="0" algn="r" rtl="0">
-              <a:spcBef>
-                <a:spcPts val="0"/>
-              </a:spcBef>
-              <a:spcAft>
-                <a:spcPts val="0"/>
-              </a:spcAft>
-              <a:buClr>
-                <a:schemeClr val="lt1"/>
-              </a:buClr>
-              <a:buSzPts val="3240"/>
-              <a:buFont typeface="Calibri"/>
-              <a:buNone/>
-            </a:pPr>
-            <a:r>
-              <a:rPr lang="en-US" dirty="0">
-                <a:solidFill>
-                  <a:schemeClr val="accent1">
-                    <a:lumMod val="50000"/>
-                  </a:schemeClr>
-                </a:solidFill>
-              </a:rPr>
-              <a:t>TASK BY MEMBER</a:t>
-            </a:r>
-            <a:endParaRPr dirty="0">
-              <a:solidFill>
-                <a:schemeClr val="accent1">
-                  <a:lumMod val="50000"/>
-                </a:schemeClr>
-              </a:solidFill>
-            </a:endParaRPr>
-          </a:p>
-        </p:txBody>
-      </p:sp>
-      <p:sp>
-        <p:nvSpPr>
-          <p:cNvPr id="111" name="Google Shape;111;p16"/>
-          <p:cNvSpPr txBox="1">
-            <a:spLocks noGrp="1"/>
-          </p:cNvSpPr>
-          <p:nvPr>
-            <p:ph type="body" idx="1"/>
-          </p:nvPr>
-        </p:nvSpPr>
-        <p:spPr>
-          <a:xfrm>
-            <a:off x="260036" y="1068233"/>
-            <a:ext cx="7937607" cy="3972493"/>
-          </a:xfrm>
-          <a:prstGeom prst="rect">
-            <a:avLst/>
-          </a:prstGeom>
-          <a:noFill/>
-          <a:ln>
-            <a:noFill/>
-          </a:ln>
-        </p:spPr>
-        <p:txBody>
-          <a:bodyPr spcFirstLastPara="1" wrap="square" lIns="91425" tIns="45700" rIns="91425" bIns="45700" anchor="t" anchorCtr="0">
-            <a:noAutofit/>
-          </a:bodyPr>
-          <a:lstStyle/>
-          <a:p>
-            <a:r>
-              <a:rPr lang="en-US" sz="2000" dirty="0"/>
-              <a:t>Question - Can we predict the metric values for next year based on the previous years data. How accurate will be our predictions?</a:t>
-            </a:r>
-          </a:p>
-          <a:p>
-            <a:r>
-              <a:rPr lang="en-US" sz="2000" dirty="0"/>
-              <a:t>Why was the question asked? - Our mentor is interested in finding the unexpected spikes, drops, trend changes and level shifts. It will allow them to prepare in advance for the next year.</a:t>
-            </a:r>
-          </a:p>
-          <a:p>
-            <a:endParaRPr lang="en-US" sz="2000" dirty="0"/>
-          </a:p>
-        </p:txBody>
-      </p:sp>
-      <p:sp>
-        <p:nvSpPr>
-          <p:cNvPr id="2" name="Rectangle 1">
-            <a:extLst>
-              <a:ext uri="{FF2B5EF4-FFF2-40B4-BE49-F238E27FC236}">
-                <a16:creationId xmlns:a16="http://schemas.microsoft.com/office/drawing/2014/main" id="{569E382C-21BA-46E6-A57B-03AAD38D24D7}"/>
-              </a:ext>
-            </a:extLst>
-          </p:cNvPr>
-          <p:cNvSpPr/>
-          <p:nvPr/>
-        </p:nvSpPr>
-        <p:spPr>
-          <a:xfrm>
-            <a:off x="565446" y="1352071"/>
-            <a:ext cx="8318518" cy="2739211"/>
-          </a:xfrm>
-          <a:prstGeom prst="rect">
-            <a:avLst/>
-          </a:prstGeom>
-        </p:spPr>
-        <p:txBody>
-          <a:bodyPr wrap="square">
-            <a:spAutoFit/>
-          </a:bodyPr>
-          <a:lstStyle/>
-          <a:p>
-            <a:endParaRPr lang="en-US" sz="1800" dirty="0">
-              <a:solidFill>
-                <a:schemeClr val="bg2">
-                  <a:lumMod val="50000"/>
-                </a:schemeClr>
-              </a:solidFill>
-            </a:endParaRPr>
-          </a:p>
-          <a:p>
-            <a:endParaRPr lang="en-US" sz="1800" dirty="0">
-              <a:solidFill>
-                <a:schemeClr val="bg2">
-                  <a:lumMod val="50000"/>
-                </a:schemeClr>
-              </a:solidFill>
-            </a:endParaRPr>
-          </a:p>
-          <a:p>
-            <a:endParaRPr lang="en-US" sz="1800" dirty="0">
-              <a:solidFill>
-                <a:schemeClr val="bg2">
-                  <a:lumMod val="50000"/>
-                </a:schemeClr>
-              </a:solidFill>
-            </a:endParaRPr>
-          </a:p>
-          <a:p>
-            <a:r>
-              <a:rPr lang="en-US" sz="1800" dirty="0">
-                <a:solidFill>
-                  <a:schemeClr val="bg2">
-                    <a:lumMod val="50000"/>
-                  </a:schemeClr>
-                </a:solidFill>
-              </a:rPr>
-              <a:t>                         </a:t>
-            </a:r>
-          </a:p>
-          <a:p>
-            <a:endParaRPr lang="en-US" sz="1800" dirty="0">
-              <a:solidFill>
-                <a:schemeClr val="bg2">
-                  <a:lumMod val="50000"/>
-                </a:schemeClr>
-              </a:solidFill>
-            </a:endParaRPr>
-          </a:p>
-          <a:p>
-            <a:endParaRPr lang="en-US" sz="1800" dirty="0">
-              <a:solidFill>
-                <a:schemeClr val="bg2">
-                  <a:lumMod val="50000"/>
-                </a:schemeClr>
-              </a:solidFill>
-            </a:endParaRPr>
-          </a:p>
-          <a:p>
-            <a:endParaRPr lang="en-US" sz="1800" dirty="0">
-              <a:solidFill>
-                <a:schemeClr val="bg2">
-                  <a:lumMod val="50000"/>
-                </a:schemeClr>
-              </a:solidFill>
-            </a:endParaRPr>
-          </a:p>
-          <a:p>
-            <a:r>
-              <a:rPr lang="en-US" sz="1800" dirty="0">
-                <a:solidFill>
-                  <a:schemeClr val="bg2">
-                    <a:lumMod val="50000"/>
-                  </a:schemeClr>
-                </a:solidFill>
-              </a:rPr>
-              <a:t> </a:t>
-            </a:r>
-          </a:p>
-          <a:p>
-            <a:endParaRPr lang="en-US" dirty="0"/>
-          </a:p>
-          <a:p>
-            <a:r>
-              <a:rPr lang="en-US" dirty="0"/>
-              <a:t> </a:t>
-            </a:r>
-          </a:p>
-        </p:txBody>
-      </p:sp>
-    </p:spTree>
-  </p:cSld>
-  <p:clrMapOvr>
-    <a:masterClrMapping/>
-  </p:clrMapOvr>
-</p:sld>
-</file>
-
-<file path=ppt/slides/slide36.xml><?xml version="1.0" encoding="utf-8"?>
+<file path=ppt/slides/slide5.xml><?xml version="1.0" encoding="utf-8"?>
 <p:sld xmlns:a="http://schemas.openxmlformats.org/drawingml/2006/main" xmlns:r="http://schemas.openxmlformats.org/officeDocument/2006/relationships" xmlns:p="http://schemas.openxmlformats.org/presentationml/2006/main">
   <p:cSld>
     <p:spTree>
@@ -19019,7 +20011,7 @@
           <p:cNvPr id="2" name="Title 1">
             <a:extLst>
               <a:ext uri="{FF2B5EF4-FFF2-40B4-BE49-F238E27FC236}">
-                <a16:creationId xmlns:a16="http://schemas.microsoft.com/office/drawing/2014/main" id="{D6E96934-9750-46EE-B6C4-8D1E4932E586}"/>
+                <a16:creationId xmlns:a16="http://schemas.microsoft.com/office/drawing/2014/main" id="{C11DBF9F-59B9-47AF-982C-431E2D686DFE}"/>
               </a:ext>
             </a:extLst>
           </p:cNvPr>
@@ -19036,351 +20028,23 @@
           <a:lstStyle/>
           <a:p>
             <a:r>
-              <a:rPr lang="en-US" dirty="0">
-                <a:solidFill>
-                  <a:schemeClr val="accent1">
-                    <a:lumMod val="50000"/>
-                  </a:schemeClr>
-                </a:solidFill>
-              </a:rPr>
-              <a:t>Progress made towards the task</a:t>
-            </a:r>
-          </a:p>
-        </p:txBody>
-      </p:sp>
-      <p:sp>
-        <p:nvSpPr>
-          <p:cNvPr id="5" name="Text Placeholder 4">
-            <a:extLst>
-              <a:ext uri="{FF2B5EF4-FFF2-40B4-BE49-F238E27FC236}">
-                <a16:creationId xmlns:a16="http://schemas.microsoft.com/office/drawing/2014/main" id="{5F5763BE-9E3F-4702-8C7C-99A4D695D079}"/>
-              </a:ext>
-            </a:extLst>
-          </p:cNvPr>
-          <p:cNvSpPr>
-            <a:spLocks noGrp="1"/>
-          </p:cNvSpPr>
-          <p:nvPr>
-            <p:ph type="body" idx="1"/>
-          </p:nvPr>
-        </p:nvSpPr>
-        <p:spPr/>
-        <p:txBody>
-          <a:bodyPr/>
-          <a:lstStyle/>
-          <a:p>
-            <a:pPr marL="50800" indent="0">
-              <a:buNone/>
-            </a:pPr>
-            <a:r>
-              <a:rPr lang="en-US" sz="2000" dirty="0"/>
-              <a:t>Method used and What was done to solve for the question?</a:t>
-            </a:r>
-          </a:p>
-          <a:p>
-            <a:pPr marL="50800" indent="0">
-              <a:buNone/>
-            </a:pPr>
-            <a:r>
-              <a:rPr lang="en-US" sz="1400" dirty="0"/>
-              <a:t>Facebook prophet is used to perform time series analysis on google meet metrics. </a:t>
-            </a:r>
-          </a:p>
-          <a:p>
-            <a:pPr marL="50800" indent="0">
-              <a:buNone/>
-            </a:pPr>
-            <a:r>
-              <a:rPr lang="en-US" sz="1400" dirty="0"/>
-              <a:t>The input to Prophet is always a data frame with two columns: ds and y. The ds (</a:t>
+              <a:rPr lang="en-US" dirty="0"/>
+              <a:t>MAPE for </a:t>
             </a:r>
             <a:r>
-              <a:rPr lang="en-US" sz="1400" dirty="0" err="1"/>
-              <a:t>datestamp</a:t>
+              <a:rPr lang="en-US" dirty="0" err="1"/>
+              <a:t>emails_sent</a:t>
             </a:r>
-            <a:r>
-              <a:rPr lang="en-US" sz="1400" dirty="0"/>
-              <a:t>) column and the y column represents the values of a metric we wish to forecast.</a:t>
-            </a:r>
-          </a:p>
-          <a:p>
-            <a:pPr marL="50800" indent="0">
-              <a:buNone/>
-            </a:pPr>
-            <a:r>
-              <a:rPr lang="en-US" sz="1400" dirty="0"/>
-              <a:t>We fit the model by instantiating a new Prophet object.</a:t>
-            </a:r>
-          </a:p>
-          <a:p>
-            <a:pPr marL="50800" indent="0">
-              <a:buNone/>
-            </a:pPr>
-            <a:endParaRPr lang="en-US" sz="1400" dirty="0"/>
+            <a:endParaRPr lang="en-US" dirty="0"/>
           </a:p>
         </p:txBody>
       </p:sp>
       <p:pic>
         <p:nvPicPr>
-          <p:cNvPr id="7" name="Picture 6" descr="A screenshot of a social media post&#10;&#10;Description automatically generated">
+          <p:cNvPr id="1028" name="Picture 4">
             <a:extLst>
               <a:ext uri="{FF2B5EF4-FFF2-40B4-BE49-F238E27FC236}">
-                <a16:creationId xmlns:a16="http://schemas.microsoft.com/office/drawing/2014/main" id="{F1A579E4-8940-4026-B1D6-F56CC51593C9}"/>
-              </a:ext>
-            </a:extLst>
-          </p:cNvPr>
-          <p:cNvPicPr>
-            <a:picLocks noChangeAspect="1"/>
-          </p:cNvPicPr>
-          <p:nvPr/>
-        </p:nvPicPr>
-        <p:blipFill>
-          <a:blip r:embed="rId2"/>
-          <a:stretch>
-            <a:fillRect/>
-          </a:stretch>
-        </p:blipFill>
-        <p:spPr>
-          <a:xfrm>
-            <a:off x="448964" y="2750885"/>
-            <a:ext cx="8095681" cy="1821116"/>
-          </a:xfrm>
-          <a:prstGeom prst="rect">
-            <a:avLst/>
-          </a:prstGeom>
-        </p:spPr>
-      </p:pic>
-    </p:spTree>
-    <p:extLst>
-      <p:ext uri="{BB962C8B-B14F-4D97-AF65-F5344CB8AC3E}">
-        <p14:creationId xmlns:p14="http://schemas.microsoft.com/office/powerpoint/2010/main" val="3620872367"/>
-      </p:ext>
-    </p:extLst>
-  </p:cSld>
-  <p:clrMapOvr>
-    <a:masterClrMapping/>
-  </p:clrMapOvr>
-</p:sld>
-</file>
-
-<file path=ppt/slides/slide37.xml><?xml version="1.0" encoding="utf-8"?>
-<p:sld xmlns:a="http://schemas.openxmlformats.org/drawingml/2006/main" xmlns:r="http://schemas.openxmlformats.org/officeDocument/2006/relationships" xmlns:p="http://schemas.openxmlformats.org/presentationml/2006/main">
-  <p:cSld>
-    <p:spTree>
-      <p:nvGrpSpPr>
-        <p:cNvPr id="1" name=""/>
-        <p:cNvGrpSpPr/>
-        <p:nvPr/>
-      </p:nvGrpSpPr>
-      <p:grpSpPr>
-        <a:xfrm>
-          <a:off x="0" y="0"/>
-          <a:ext cx="0" cy="0"/>
-          <a:chOff x="0" y="0"/>
-          <a:chExt cx="0" cy="0"/>
-        </a:xfrm>
-      </p:grpSpPr>
-      <p:sp>
-        <p:nvSpPr>
-          <p:cNvPr id="2" name="Title 1">
-            <a:extLst>
-              <a:ext uri="{FF2B5EF4-FFF2-40B4-BE49-F238E27FC236}">
-                <a16:creationId xmlns:a16="http://schemas.microsoft.com/office/drawing/2014/main" id="{D6E96934-9750-46EE-B6C4-8D1E4932E586}"/>
-              </a:ext>
-            </a:extLst>
-          </p:cNvPr>
-          <p:cNvSpPr>
-            <a:spLocks noGrp="1"/>
-          </p:cNvSpPr>
-          <p:nvPr>
-            <p:ph type="title"/>
-          </p:nvPr>
-        </p:nvSpPr>
-        <p:spPr/>
-        <p:txBody>
-          <a:bodyPr/>
-          <a:lstStyle/>
-          <a:p>
-            <a:r>
-              <a:rPr lang="en-US" dirty="0">
-                <a:solidFill>
-                  <a:schemeClr val="accent1">
-                    <a:lumMod val="50000"/>
-                  </a:schemeClr>
-                </a:solidFill>
-              </a:rPr>
-              <a:t>Progress made towards the task</a:t>
-            </a:r>
-          </a:p>
-        </p:txBody>
-      </p:sp>
-      <p:sp>
-        <p:nvSpPr>
-          <p:cNvPr id="5" name="Text Placeholder 4">
-            <a:extLst>
-              <a:ext uri="{FF2B5EF4-FFF2-40B4-BE49-F238E27FC236}">
-                <a16:creationId xmlns:a16="http://schemas.microsoft.com/office/drawing/2014/main" id="{5F5763BE-9E3F-4702-8C7C-99A4D695D079}"/>
-              </a:ext>
-            </a:extLst>
-          </p:cNvPr>
-          <p:cNvSpPr>
-            <a:spLocks noGrp="1"/>
-          </p:cNvSpPr>
-          <p:nvPr>
-            <p:ph type="body" idx="1"/>
-          </p:nvPr>
-        </p:nvSpPr>
-        <p:spPr/>
-        <p:txBody>
-          <a:bodyPr/>
-          <a:lstStyle/>
-          <a:p>
-            <a:pPr marL="50800" indent="0">
-              <a:buNone/>
-            </a:pPr>
-            <a:r>
-              <a:rPr lang="en-US" sz="1600" dirty="0"/>
-              <a:t>Predictions are made for the future period of 365 days(1 Year).</a:t>
-            </a:r>
-          </a:p>
-        </p:txBody>
-      </p:sp>
-      <p:pic>
-        <p:nvPicPr>
-          <p:cNvPr id="4" name="Picture 3" descr="A screenshot of a cell phone&#10;&#10;Description automatically generated">
-            <a:extLst>
-              <a:ext uri="{FF2B5EF4-FFF2-40B4-BE49-F238E27FC236}">
-                <a16:creationId xmlns:a16="http://schemas.microsoft.com/office/drawing/2014/main" id="{12AE89CE-9252-4C42-B469-A05A6B687E94}"/>
-              </a:ext>
-            </a:extLst>
-          </p:cNvPr>
-          <p:cNvPicPr>
-            <a:picLocks noChangeAspect="1"/>
-          </p:cNvPicPr>
-          <p:nvPr/>
-        </p:nvPicPr>
-        <p:blipFill>
-          <a:blip r:embed="rId2"/>
-          <a:stretch>
-            <a:fillRect/>
-          </a:stretch>
-        </p:blipFill>
-        <p:spPr>
-          <a:xfrm>
-            <a:off x="553250" y="1644384"/>
-            <a:ext cx="7184572" cy="3065231"/>
-          </a:xfrm>
-          <a:prstGeom prst="rect">
-            <a:avLst/>
-          </a:prstGeom>
-        </p:spPr>
-      </p:pic>
-    </p:spTree>
-    <p:extLst>
-      <p:ext uri="{BB962C8B-B14F-4D97-AF65-F5344CB8AC3E}">
-        <p14:creationId xmlns:p14="http://schemas.microsoft.com/office/powerpoint/2010/main" val="2237137994"/>
-      </p:ext>
-    </p:extLst>
-  </p:cSld>
-  <p:clrMapOvr>
-    <a:masterClrMapping/>
-  </p:clrMapOvr>
-</p:sld>
-</file>
-
-<file path=ppt/slides/slide38.xml><?xml version="1.0" encoding="utf-8"?>
-<p:sld xmlns:a="http://schemas.openxmlformats.org/drawingml/2006/main" xmlns:r="http://schemas.openxmlformats.org/officeDocument/2006/relationships" xmlns:p="http://schemas.openxmlformats.org/presentationml/2006/main">
-  <p:cSld>
-    <p:spTree>
-      <p:nvGrpSpPr>
-        <p:cNvPr id="1" name=""/>
-        <p:cNvGrpSpPr/>
-        <p:nvPr/>
-      </p:nvGrpSpPr>
-      <p:grpSpPr>
-        <a:xfrm>
-          <a:off x="0" y="0"/>
-          <a:ext cx="0" cy="0"/>
-          <a:chOff x="0" y="0"/>
-          <a:chExt cx="0" cy="0"/>
-        </a:xfrm>
-      </p:grpSpPr>
-      <p:sp>
-        <p:nvSpPr>
-          <p:cNvPr id="2" name="Title 1">
-            <a:extLst>
-              <a:ext uri="{FF2B5EF4-FFF2-40B4-BE49-F238E27FC236}">
-                <a16:creationId xmlns:a16="http://schemas.microsoft.com/office/drawing/2014/main" id="{D6E96934-9750-46EE-B6C4-8D1E4932E586}"/>
-              </a:ext>
-            </a:extLst>
-          </p:cNvPr>
-          <p:cNvSpPr>
-            <a:spLocks noGrp="1"/>
-          </p:cNvSpPr>
-          <p:nvPr>
-            <p:ph type="title"/>
-          </p:nvPr>
-        </p:nvSpPr>
-        <p:spPr/>
-        <p:txBody>
-          <a:bodyPr/>
-          <a:lstStyle/>
-          <a:p>
-            <a:r>
-              <a:rPr lang="en-US" dirty="0">
-                <a:solidFill>
-                  <a:schemeClr val="accent1">
-                    <a:lumMod val="50000"/>
-                  </a:schemeClr>
-                </a:solidFill>
-              </a:rPr>
-              <a:t>Outcomes/Implications</a:t>
-            </a:r>
-          </a:p>
-        </p:txBody>
-      </p:sp>
-      <p:sp>
-        <p:nvSpPr>
-          <p:cNvPr id="5" name="Text Placeholder 4">
-            <a:extLst>
-              <a:ext uri="{FF2B5EF4-FFF2-40B4-BE49-F238E27FC236}">
-                <a16:creationId xmlns:a16="http://schemas.microsoft.com/office/drawing/2014/main" id="{5F5763BE-9E3F-4702-8C7C-99A4D695D079}"/>
-              </a:ext>
-            </a:extLst>
-          </p:cNvPr>
-          <p:cNvSpPr>
-            <a:spLocks noGrp="1"/>
-          </p:cNvSpPr>
-          <p:nvPr>
-            <p:ph type="body" idx="1"/>
-          </p:nvPr>
-        </p:nvSpPr>
-        <p:spPr>
-          <a:xfrm>
-            <a:off x="376518" y="1167972"/>
-            <a:ext cx="8318518" cy="3541643"/>
-          </a:xfrm>
-        </p:spPr>
-        <p:txBody>
-          <a:bodyPr/>
-          <a:lstStyle/>
-          <a:p>
-            <a:pPr marL="50800" indent="0">
-              <a:buNone/>
-            </a:pPr>
-            <a:r>
-              <a:rPr lang="en-US" sz="1600" dirty="0"/>
-              <a:t>Time Series Analysis for Number of 30 day Active users in Google Meet</a:t>
-            </a:r>
-          </a:p>
-        </p:txBody>
-      </p:sp>
-      <p:pic>
-        <p:nvPicPr>
-          <p:cNvPr id="1026" name="Picture 2">
-            <a:extLst>
-              <a:ext uri="{FF2B5EF4-FFF2-40B4-BE49-F238E27FC236}">
-                <a16:creationId xmlns:a16="http://schemas.microsoft.com/office/drawing/2014/main" id="{3CB094FC-8CFD-424D-8C3D-F5D882FCDB18}"/>
+                <a16:creationId xmlns:a16="http://schemas.microsoft.com/office/drawing/2014/main" id="{9E8FC667-1949-4612-AA30-993D085A9B87}"/>
               </a:ext>
             </a:extLst>
           </p:cNvPr>
@@ -19390,7 +20054,7 @@
           <p:nvPr/>
         </p:nvPicPr>
         <p:blipFill>
-          <a:blip r:embed="rId3">
+          <a:blip r:embed="rId2">
             <a:extLst>
               <a:ext uri="{28A0092B-C50C-407E-A947-70E740481C1C}">
                 <a14:useLocalDpi xmlns:a14="http://schemas.microsoft.com/office/drawing/2010/main" val="0"/>
@@ -19404,8 +20068,8 @@
         </p:blipFill>
         <p:spPr bwMode="auto">
           <a:xfrm>
-            <a:off x="1190625" y="1690487"/>
-            <a:ext cx="6762750" cy="2900562"/>
+            <a:off x="1214437" y="1488282"/>
+            <a:ext cx="5772150" cy="3533775"/>
           </a:xfrm>
           <a:prstGeom prst="rect">
             <a:avLst/>
@@ -19425,7 +20089,7 @@
     </p:spTree>
     <p:extLst>
       <p:ext uri="{BB962C8B-B14F-4D97-AF65-F5344CB8AC3E}">
-        <p14:creationId xmlns:p14="http://schemas.microsoft.com/office/powerpoint/2010/main" val="3852371635"/>
+        <p14:creationId xmlns:p14="http://schemas.microsoft.com/office/powerpoint/2010/main" val="2701418769"/>
       </p:ext>
     </p:extLst>
   </p:cSld>
@@ -19435,282 +20099,7 @@
 </p:sld>
 </file>
 
-<file path=ppt/slides/slide39.xml><?xml version="1.0" encoding="utf-8"?>
-<p:sld xmlns:a="http://schemas.openxmlformats.org/drawingml/2006/main" xmlns:r="http://schemas.openxmlformats.org/officeDocument/2006/relationships" xmlns:p="http://schemas.openxmlformats.org/presentationml/2006/main">
-  <p:cSld>
-    <p:spTree>
-      <p:nvGrpSpPr>
-        <p:cNvPr id="1" name=""/>
-        <p:cNvGrpSpPr/>
-        <p:nvPr/>
-      </p:nvGrpSpPr>
-      <p:grpSpPr>
-        <a:xfrm>
-          <a:off x="0" y="0"/>
-          <a:ext cx="0" cy="0"/>
-          <a:chOff x="0" y="0"/>
-          <a:chExt cx="0" cy="0"/>
-        </a:xfrm>
-      </p:grpSpPr>
-      <p:sp>
-        <p:nvSpPr>
-          <p:cNvPr id="2" name="Title 1">
-            <a:extLst>
-              <a:ext uri="{FF2B5EF4-FFF2-40B4-BE49-F238E27FC236}">
-                <a16:creationId xmlns:a16="http://schemas.microsoft.com/office/drawing/2014/main" id="{D6E96934-9750-46EE-B6C4-8D1E4932E586}"/>
-              </a:ext>
-            </a:extLst>
-          </p:cNvPr>
-          <p:cNvSpPr>
-            <a:spLocks noGrp="1"/>
-          </p:cNvSpPr>
-          <p:nvPr>
-            <p:ph type="title"/>
-          </p:nvPr>
-        </p:nvSpPr>
-        <p:spPr/>
-        <p:txBody>
-          <a:bodyPr/>
-          <a:lstStyle/>
-          <a:p>
-            <a:r>
-              <a:rPr lang="en-US" dirty="0">
-                <a:solidFill>
-                  <a:schemeClr val="accent1">
-                    <a:lumMod val="50000"/>
-                  </a:schemeClr>
-                </a:solidFill>
-              </a:rPr>
-              <a:t>Outcomes/Implications</a:t>
-            </a:r>
-          </a:p>
-        </p:txBody>
-      </p:sp>
-      <p:sp>
-        <p:nvSpPr>
-          <p:cNvPr id="5" name="Text Placeholder 4">
-            <a:extLst>
-              <a:ext uri="{FF2B5EF4-FFF2-40B4-BE49-F238E27FC236}">
-                <a16:creationId xmlns:a16="http://schemas.microsoft.com/office/drawing/2014/main" id="{5F5763BE-9E3F-4702-8C7C-99A4D695D079}"/>
-              </a:ext>
-            </a:extLst>
-          </p:cNvPr>
-          <p:cNvSpPr>
-            <a:spLocks noGrp="1"/>
-          </p:cNvSpPr>
-          <p:nvPr>
-            <p:ph type="body" idx="1"/>
-          </p:nvPr>
-        </p:nvSpPr>
-        <p:spPr/>
-        <p:txBody>
-          <a:bodyPr/>
-          <a:lstStyle/>
-          <a:p>
-            <a:pPr marL="50800" indent="0">
-              <a:buNone/>
-            </a:pPr>
-            <a:r>
-              <a:rPr lang="en-US" sz="1600" dirty="0"/>
-              <a:t>Actual and Predicted Values</a:t>
-            </a:r>
-          </a:p>
-        </p:txBody>
-      </p:sp>
-      <p:pic>
-        <p:nvPicPr>
-          <p:cNvPr id="6" name="Picture 5">
-            <a:extLst>
-              <a:ext uri="{FF2B5EF4-FFF2-40B4-BE49-F238E27FC236}">
-                <a16:creationId xmlns:a16="http://schemas.microsoft.com/office/drawing/2014/main" id="{FE5B894F-A7E1-4E2E-9642-9E85F884F869}"/>
-              </a:ext>
-            </a:extLst>
-          </p:cNvPr>
-          <p:cNvPicPr>
-            <a:picLocks noChangeAspect="1"/>
-          </p:cNvPicPr>
-          <p:nvPr/>
-        </p:nvPicPr>
-        <p:blipFill rotWithShape="1">
-          <a:blip r:embed="rId3"/>
-          <a:srcRect t="8809"/>
-          <a:stretch/>
-        </p:blipFill>
-        <p:spPr>
-          <a:xfrm>
-            <a:off x="561770" y="1621331"/>
-            <a:ext cx="3868657" cy="3202816"/>
-          </a:xfrm>
-          <a:prstGeom prst="rect">
-            <a:avLst/>
-          </a:prstGeom>
-        </p:spPr>
-      </p:pic>
-      <p:pic>
-        <p:nvPicPr>
-          <p:cNvPr id="8" name="Picture 7">
-            <a:extLst>
-              <a:ext uri="{FF2B5EF4-FFF2-40B4-BE49-F238E27FC236}">
-                <a16:creationId xmlns:a16="http://schemas.microsoft.com/office/drawing/2014/main" id="{77015ABF-FE58-4F29-BDAA-BB3786FB0249}"/>
-              </a:ext>
-            </a:extLst>
-          </p:cNvPr>
-          <p:cNvPicPr>
-            <a:picLocks noChangeAspect="1"/>
-          </p:cNvPicPr>
-          <p:nvPr/>
-        </p:nvPicPr>
-        <p:blipFill rotWithShape="1">
-          <a:blip r:embed="rId4"/>
-          <a:srcRect t="7807"/>
-          <a:stretch/>
-        </p:blipFill>
-        <p:spPr>
-          <a:xfrm>
-            <a:off x="4625787" y="1583154"/>
-            <a:ext cx="3873889" cy="3202816"/>
-          </a:xfrm>
-          <a:prstGeom prst="rect">
-            <a:avLst/>
-          </a:prstGeom>
-        </p:spPr>
-      </p:pic>
-    </p:spTree>
-    <p:extLst>
-      <p:ext uri="{BB962C8B-B14F-4D97-AF65-F5344CB8AC3E}">
-        <p14:creationId xmlns:p14="http://schemas.microsoft.com/office/powerpoint/2010/main" val="2261876687"/>
-      </p:ext>
-    </p:extLst>
-  </p:cSld>
-  <p:clrMapOvr>
-    <a:masterClrMapping/>
-  </p:clrMapOvr>
-</p:sld>
-</file>
-
-<file path=ppt/slides/slide4.xml><?xml version="1.0" encoding="utf-8"?>
-<p:sld xmlns:a="http://schemas.openxmlformats.org/drawingml/2006/main" xmlns:r="http://schemas.openxmlformats.org/officeDocument/2006/relationships" xmlns:p="http://schemas.openxmlformats.org/presentationml/2006/main">
-  <p:cSld>
-    <p:spTree>
-      <p:nvGrpSpPr>
-        <p:cNvPr id="1" name=""/>
-        <p:cNvGrpSpPr/>
-        <p:nvPr/>
-      </p:nvGrpSpPr>
-      <p:grpSpPr>
-        <a:xfrm>
-          <a:off x="0" y="0"/>
-          <a:ext cx="0" cy="0"/>
-          <a:chOff x="0" y="0"/>
-          <a:chExt cx="0" cy="0"/>
-        </a:xfrm>
-      </p:grpSpPr>
-      <p:sp>
-        <p:nvSpPr>
-          <p:cNvPr id="2" name="Title 1">
-            <a:extLst>
-              <a:ext uri="{FF2B5EF4-FFF2-40B4-BE49-F238E27FC236}">
-                <a16:creationId xmlns:a16="http://schemas.microsoft.com/office/drawing/2014/main" id="{D6E96934-9750-46EE-B6C4-8D1E4932E586}"/>
-              </a:ext>
-            </a:extLst>
-          </p:cNvPr>
-          <p:cNvSpPr>
-            <a:spLocks noGrp="1"/>
-          </p:cNvSpPr>
-          <p:nvPr>
-            <p:ph type="title"/>
-          </p:nvPr>
-        </p:nvSpPr>
-        <p:spPr/>
-        <p:txBody>
-          <a:bodyPr/>
-          <a:lstStyle/>
-          <a:p>
-            <a:r>
-              <a:rPr lang="en-US" dirty="0">
-                <a:solidFill>
-                  <a:schemeClr val="accent1">
-                    <a:lumMod val="50000"/>
-                  </a:schemeClr>
-                </a:solidFill>
-              </a:rPr>
-              <a:t>Progress made towards the task</a:t>
-            </a:r>
-          </a:p>
-        </p:txBody>
-      </p:sp>
-      <p:sp>
-        <p:nvSpPr>
-          <p:cNvPr id="5" name="Text Placeholder 4">
-            <a:extLst>
-              <a:ext uri="{FF2B5EF4-FFF2-40B4-BE49-F238E27FC236}">
-                <a16:creationId xmlns:a16="http://schemas.microsoft.com/office/drawing/2014/main" id="{5F5763BE-9E3F-4702-8C7C-99A4D695D079}"/>
-              </a:ext>
-            </a:extLst>
-          </p:cNvPr>
-          <p:cNvSpPr>
-            <a:spLocks noGrp="1"/>
-          </p:cNvSpPr>
-          <p:nvPr>
-            <p:ph type="body" idx="1"/>
-          </p:nvPr>
-        </p:nvSpPr>
-        <p:spPr/>
-        <p:txBody>
-          <a:bodyPr/>
-          <a:lstStyle/>
-          <a:p>
-            <a:r>
-              <a:rPr lang="en-US" dirty="0"/>
-              <a:t>Method Used to Answer the Question:</a:t>
-            </a:r>
-          </a:p>
-          <a:p>
-            <a:pPr lvl="1"/>
-            <a:r>
-              <a:rPr lang="en-US" sz="1600" dirty="0"/>
-              <a:t>Time series analysis using Facebook Prophet.</a:t>
-            </a:r>
-          </a:p>
-          <a:p>
-            <a:pPr lvl="1"/>
-            <a:r>
-              <a:rPr lang="en-US" sz="1400" dirty="0"/>
-              <a:t>Facebook Prophet is a procedure for forecasting time series data based on an additive or multiplicative model where non-linear trends are fit with yearly, weekly, and daily seasonality, plus holiday effects. It works best with time series that have strong seasonal effects.</a:t>
-            </a:r>
-          </a:p>
-          <a:p>
-            <a:r>
-              <a:rPr lang="en-US" dirty="0"/>
-              <a:t>What was done to solve for the question?</a:t>
-            </a:r>
-          </a:p>
-          <a:p>
-            <a:pPr lvl="1"/>
-            <a:r>
-              <a:rPr lang="en-US" sz="1400" dirty="0"/>
-              <a:t>Written a function that sent the time column and the attribute to the fb prophet function. The function returns a cross validation head and tail, and a plot of the prediction and the datapoints. Some predictions had negative values and  I went ahead and replaced negative values with 0. I filled 0s and missing days in the dataset with the mentor picked attributes with predicted values</a:t>
-            </a:r>
-          </a:p>
-          <a:p>
-            <a:endParaRPr lang="en-US" dirty="0"/>
-          </a:p>
-        </p:txBody>
-      </p:sp>
-    </p:spTree>
-    <p:extLst>
-      <p:ext uri="{BB962C8B-B14F-4D97-AF65-F5344CB8AC3E}">
-        <p14:creationId xmlns:p14="http://schemas.microsoft.com/office/powerpoint/2010/main" val="245916473"/>
-      </p:ext>
-    </p:extLst>
-  </p:cSld>
-  <p:clrMapOvr>
-    <a:masterClrMapping/>
-  </p:clrMapOvr>
-</p:sld>
-</file>
-
-<file path=ppt/slides/slide40.xml><?xml version="1.0" encoding="utf-8"?>
+<file path=ppt/slides/slide6.xml><?xml version="1.0" encoding="utf-8"?>
 <p:sld xmlns:a="http://schemas.openxmlformats.org/drawingml/2006/main" xmlns:r="http://schemas.openxmlformats.org/officeDocument/2006/relationships" xmlns:p="http://schemas.openxmlformats.org/presentationml/2006/main">
   <p:cSld>
     <p:spTree>
@@ -19756,7 +20145,11 @@
                   </a:schemeClr>
                 </a:solidFill>
               </a:rPr>
-              <a:t>Outcomes/Implications</a:t>
+              <a:t>Description of the results/outcomes</a:t>
+            </a:r>
+            <a:r>
+              <a:rPr lang="en-US" dirty="0"/>
+              <a:t> </a:t>
             </a:r>
             <a:endParaRPr lang="en-US" dirty="0">
               <a:solidFill>
@@ -19790,274 +20183,6 @@
           <a:lstStyle/>
           <a:p>
             <a:r>
-              <a:rPr lang="en-US" sz="2000" dirty="0"/>
-              <a:t>Cross validations are done to assess prediction performance on a horizon of 70 days, starting with 210 days of training data in the first cutoff and then making predictions every 15 days.</a:t>
-            </a:r>
-          </a:p>
-        </p:txBody>
-      </p:sp>
-      <p:pic>
-        <p:nvPicPr>
-          <p:cNvPr id="5" name="Picture 4" descr="A screenshot of a social media post&#10;&#10;Description automatically generated">
-            <a:extLst>
-              <a:ext uri="{FF2B5EF4-FFF2-40B4-BE49-F238E27FC236}">
-                <a16:creationId xmlns:a16="http://schemas.microsoft.com/office/drawing/2014/main" id="{10299B16-FD77-4D94-B339-E957EC7E1F67}"/>
-              </a:ext>
-            </a:extLst>
-          </p:cNvPr>
-          <p:cNvPicPr>
-            <a:picLocks noChangeAspect="1"/>
-          </p:cNvPicPr>
-          <p:nvPr/>
-        </p:nvPicPr>
-        <p:blipFill>
-          <a:blip r:embed="rId2"/>
-          <a:stretch>
-            <a:fillRect/>
-          </a:stretch>
-        </p:blipFill>
-        <p:spPr>
-          <a:xfrm>
-            <a:off x="560934" y="2382049"/>
-            <a:ext cx="8029816" cy="2632975"/>
-          </a:xfrm>
-          <a:prstGeom prst="rect">
-            <a:avLst/>
-          </a:prstGeom>
-        </p:spPr>
-      </p:pic>
-    </p:spTree>
-    <p:extLst>
-      <p:ext uri="{BB962C8B-B14F-4D97-AF65-F5344CB8AC3E}">
-        <p14:creationId xmlns:p14="http://schemas.microsoft.com/office/powerpoint/2010/main" val="3211770332"/>
-      </p:ext>
-    </p:extLst>
-  </p:cSld>
-  <p:clrMapOvr>
-    <a:masterClrMapping/>
-  </p:clrMapOvr>
-</p:sld>
-</file>
-
-<file path=ppt/slides/slide41.xml><?xml version="1.0" encoding="utf-8"?>
-<p:sld xmlns:a="http://schemas.openxmlformats.org/drawingml/2006/main" xmlns:r="http://schemas.openxmlformats.org/officeDocument/2006/relationships" xmlns:p="http://schemas.openxmlformats.org/presentationml/2006/main">
-  <p:cSld>
-    <p:spTree>
-      <p:nvGrpSpPr>
-        <p:cNvPr id="1" name=""/>
-        <p:cNvGrpSpPr/>
-        <p:nvPr/>
-      </p:nvGrpSpPr>
-      <p:grpSpPr>
-        <a:xfrm>
-          <a:off x="0" y="0"/>
-          <a:ext cx="0" cy="0"/>
-          <a:chOff x="0" y="0"/>
-          <a:chExt cx="0" cy="0"/>
-        </a:xfrm>
-      </p:grpSpPr>
-      <p:sp>
-        <p:nvSpPr>
-          <p:cNvPr id="2" name="Title 1">
-            <a:extLst>
-              <a:ext uri="{FF2B5EF4-FFF2-40B4-BE49-F238E27FC236}">
-                <a16:creationId xmlns:a16="http://schemas.microsoft.com/office/drawing/2014/main" id="{539AB0A2-BE92-4F9B-826A-2DA25F2DAA81}"/>
-              </a:ext>
-            </a:extLst>
-          </p:cNvPr>
-          <p:cNvSpPr>
-            <a:spLocks noGrp="1"/>
-          </p:cNvSpPr>
-          <p:nvPr>
-            <p:ph type="title"/>
-          </p:nvPr>
-        </p:nvSpPr>
-        <p:spPr/>
-        <p:txBody>
-          <a:bodyPr/>
-          <a:lstStyle/>
-          <a:p>
-            <a:r>
-              <a:rPr lang="en-US" dirty="0">
-                <a:solidFill>
-                  <a:schemeClr val="accent1">
-                    <a:lumMod val="50000"/>
-                  </a:schemeClr>
-                </a:solidFill>
-              </a:rPr>
-              <a:t>Outcomes/Implications</a:t>
-            </a:r>
-            <a:endParaRPr lang="en-US" dirty="0">
-              <a:solidFill>
-                <a:schemeClr val="bg2">
-                  <a:lumMod val="50000"/>
-                </a:schemeClr>
-              </a:solidFill>
-            </a:endParaRPr>
-          </a:p>
-        </p:txBody>
-      </p:sp>
-      <p:sp>
-        <p:nvSpPr>
-          <p:cNvPr id="3" name="Text Placeholder 2">
-            <a:extLst>
-              <a:ext uri="{FF2B5EF4-FFF2-40B4-BE49-F238E27FC236}">
-                <a16:creationId xmlns:a16="http://schemas.microsoft.com/office/drawing/2014/main" id="{5580802E-E8F0-41FF-BF12-832CC490006F}"/>
-              </a:ext>
-            </a:extLst>
-          </p:cNvPr>
-          <p:cNvSpPr>
-            <a:spLocks noGrp="1"/>
-          </p:cNvSpPr>
-          <p:nvPr>
-            <p:ph type="body" idx="1"/>
-          </p:nvPr>
-        </p:nvSpPr>
-        <p:spPr/>
-        <p:txBody>
-          <a:bodyPr/>
-          <a:lstStyle/>
-          <a:p>
-            <a:r>
-              <a:rPr lang="en-US" sz="1400" dirty="0"/>
-              <a:t>The mean absolute percentage error (MAPE) is a statistical measure of how accurate a forecast system is. </a:t>
-            </a:r>
-          </a:p>
-          <a:p>
-            <a:pPr marL="50800" indent="0">
-              <a:buNone/>
-            </a:pPr>
-            <a:endParaRPr lang="en-US" sz="2000" dirty="0"/>
-          </a:p>
-        </p:txBody>
-      </p:sp>
-      <p:pic>
-        <p:nvPicPr>
-          <p:cNvPr id="5" name="Picture 4" descr="A screenshot of a cell phone&#10;&#10;Description automatically generated">
-            <a:extLst>
-              <a:ext uri="{FF2B5EF4-FFF2-40B4-BE49-F238E27FC236}">
-                <a16:creationId xmlns:a16="http://schemas.microsoft.com/office/drawing/2014/main" id="{E2B0B996-5C68-4339-A4CA-1D4DC560D5C1}"/>
-              </a:ext>
-            </a:extLst>
-          </p:cNvPr>
-          <p:cNvPicPr>
-            <a:picLocks noChangeAspect="1"/>
-          </p:cNvPicPr>
-          <p:nvPr/>
-        </p:nvPicPr>
-        <p:blipFill>
-          <a:blip r:embed="rId2"/>
-          <a:stretch>
-            <a:fillRect/>
-          </a:stretch>
-        </p:blipFill>
-        <p:spPr>
-          <a:xfrm>
-            <a:off x="790380" y="1813431"/>
-            <a:ext cx="7563239" cy="2933305"/>
-          </a:xfrm>
-          <a:prstGeom prst="rect">
-            <a:avLst/>
-          </a:prstGeom>
-        </p:spPr>
-      </p:pic>
-    </p:spTree>
-    <p:extLst>
-      <p:ext uri="{BB962C8B-B14F-4D97-AF65-F5344CB8AC3E}">
-        <p14:creationId xmlns:p14="http://schemas.microsoft.com/office/powerpoint/2010/main" val="3251422983"/>
-      </p:ext>
-    </p:extLst>
-  </p:cSld>
-  <p:clrMapOvr>
-    <a:masterClrMapping/>
-  </p:clrMapOvr>
-</p:sld>
-</file>
-
-<file path=ppt/slides/slide5.xml><?xml version="1.0" encoding="utf-8"?>
-<p:sld xmlns:a="http://schemas.openxmlformats.org/drawingml/2006/main" xmlns:r="http://schemas.openxmlformats.org/officeDocument/2006/relationships" xmlns:p="http://schemas.openxmlformats.org/presentationml/2006/main">
-  <p:cSld>
-    <p:spTree>
-      <p:nvGrpSpPr>
-        <p:cNvPr id="1" name=""/>
-        <p:cNvGrpSpPr/>
-        <p:nvPr/>
-      </p:nvGrpSpPr>
-      <p:grpSpPr>
-        <a:xfrm>
-          <a:off x="0" y="0"/>
-          <a:ext cx="0" cy="0"/>
-          <a:chOff x="0" y="0"/>
-          <a:chExt cx="0" cy="0"/>
-        </a:xfrm>
-      </p:grpSpPr>
-      <p:sp>
-        <p:nvSpPr>
-          <p:cNvPr id="2" name="Title 1">
-            <a:extLst>
-              <a:ext uri="{FF2B5EF4-FFF2-40B4-BE49-F238E27FC236}">
-                <a16:creationId xmlns:a16="http://schemas.microsoft.com/office/drawing/2014/main" id="{539AB0A2-BE92-4F9B-826A-2DA25F2DAA81}"/>
-              </a:ext>
-            </a:extLst>
-          </p:cNvPr>
-          <p:cNvSpPr>
-            <a:spLocks noGrp="1"/>
-          </p:cNvSpPr>
-          <p:nvPr>
-            <p:ph type="title"/>
-          </p:nvPr>
-        </p:nvSpPr>
-        <p:spPr/>
-        <p:txBody>
-          <a:bodyPr/>
-          <a:lstStyle/>
-          <a:p>
-            <a:r>
-              <a:rPr lang="en-US" dirty="0">
-                <a:solidFill>
-                  <a:schemeClr val="accent1">
-                    <a:lumMod val="50000"/>
-                  </a:schemeClr>
-                </a:solidFill>
-              </a:rPr>
-              <a:t>Description of the results/outcomes</a:t>
-            </a:r>
-            <a:r>
-              <a:rPr lang="en-US" dirty="0"/>
-              <a:t> </a:t>
-            </a:r>
-            <a:endParaRPr lang="en-US" dirty="0">
-              <a:solidFill>
-                <a:schemeClr val="bg2">
-                  <a:lumMod val="50000"/>
-                </a:schemeClr>
-              </a:solidFill>
-            </a:endParaRPr>
-          </a:p>
-        </p:txBody>
-      </p:sp>
-      <p:sp>
-        <p:nvSpPr>
-          <p:cNvPr id="3" name="Text Placeholder 2">
-            <a:extLst>
-              <a:ext uri="{FF2B5EF4-FFF2-40B4-BE49-F238E27FC236}">
-                <a16:creationId xmlns:a16="http://schemas.microsoft.com/office/drawing/2014/main" id="{5580802E-E8F0-41FF-BF12-832CC490006F}"/>
-              </a:ext>
-            </a:extLst>
-          </p:cNvPr>
-          <p:cNvSpPr>
-            <a:spLocks noGrp="1"/>
-          </p:cNvSpPr>
-          <p:nvPr>
-            <p:ph type="body" idx="1"/>
-          </p:nvPr>
-        </p:nvSpPr>
-        <p:spPr/>
-        <p:txBody>
-          <a:bodyPr/>
-          <a:lstStyle/>
-          <a:p>
-            <a:r>
               <a:rPr lang="en-US" dirty="0"/>
               <a:t>What were the outcomes</a:t>
             </a:r>
@@ -20066,7 +20191,7 @@
             <a:pPr lvl="1"/>
             <a:r>
               <a:rPr lang="en-US" sz="1600" dirty="0"/>
-              <a:t>For good majority of the attributes, I got a very good prediction where MAPE is close to 0 or around 20% at the end of the prediction period (365 days). </a:t>
+              <a:t>For good majority of the attributes, I got a very good prediction where MAPE is close to 6% or around 20% at the end of the prediction period (365 days). </a:t>
             </a:r>
             <a:r>
               <a:rPr lang="en-US" sz="1600" dirty="0" err="1"/>
@@ -20074,7 +20199,15 @@
             </a:r>
             <a:r>
               <a:rPr lang="en-US" sz="1600" dirty="0"/>
-              <a:t> has decent prediction of around 16% around 40 days into the future and 44% at the end of the prediction.</a:t>
+              <a:t> and </a:t>
+            </a:r>
+            <a:r>
+              <a:rPr lang="en-US" sz="1600" dirty="0" err="1"/>
+              <a:t>outbound_non_spam_emails</a:t>
+            </a:r>
+            <a:r>
+              <a:rPr lang="en-US" sz="1600" dirty="0"/>
+              <a:t> it has a pretty decent MAPE score of around 19% for both attributes for 40 days into the future prediction and around 35% and 38% at the end of the year prediction. </a:t>
             </a:r>
           </a:p>
           <a:p>
@@ -20113,144 +20246,7 @@
     </p:spTree>
     <p:extLst>
       <p:ext uri="{BB962C8B-B14F-4D97-AF65-F5344CB8AC3E}">
-        <p14:creationId xmlns:p14="http://schemas.microsoft.com/office/powerpoint/2010/main" val="2842419464"/>
-      </p:ext>
-    </p:extLst>
-  </p:cSld>
-  <p:clrMapOvr>
-    <a:masterClrMapping/>
-  </p:clrMapOvr>
-</p:sld>
-</file>
-
-<file path=ppt/slides/slide6.xml><?xml version="1.0" encoding="utf-8"?>
-<p:sld xmlns:a="http://schemas.openxmlformats.org/drawingml/2006/main" xmlns:r="http://schemas.openxmlformats.org/officeDocument/2006/relationships" xmlns:p="http://schemas.openxmlformats.org/presentationml/2006/main">
-  <p:cSld>
-    <p:spTree>
-      <p:nvGrpSpPr>
-        <p:cNvPr id="1" name=""/>
-        <p:cNvGrpSpPr/>
-        <p:nvPr/>
-      </p:nvGrpSpPr>
-      <p:grpSpPr>
-        <a:xfrm>
-          <a:off x="0" y="0"/>
-          <a:ext cx="0" cy="0"/>
-          <a:chOff x="0" y="0"/>
-          <a:chExt cx="0" cy="0"/>
-        </a:xfrm>
-      </p:grpSpPr>
-      <p:sp>
-        <p:nvSpPr>
-          <p:cNvPr id="2" name="Title 1">
-            <a:extLst>
-              <a:ext uri="{FF2B5EF4-FFF2-40B4-BE49-F238E27FC236}">
-                <a16:creationId xmlns:a16="http://schemas.microsoft.com/office/drawing/2014/main" id="{8816BD92-98BF-41C6-A3FE-360846D35915}"/>
-              </a:ext>
-            </a:extLst>
-          </p:cNvPr>
-          <p:cNvSpPr>
-            <a:spLocks noGrp="1"/>
-          </p:cNvSpPr>
-          <p:nvPr>
-            <p:ph type="title"/>
-          </p:nvPr>
-        </p:nvSpPr>
-        <p:spPr/>
-        <p:txBody>
-          <a:bodyPr/>
-          <a:lstStyle/>
-          <a:p>
-            <a:endParaRPr lang="en-US"/>
-          </a:p>
-        </p:txBody>
-      </p:sp>
-      <p:sp>
-        <p:nvSpPr>
-          <p:cNvPr id="3" name="Text Placeholder 2">
-            <a:extLst>
-              <a:ext uri="{FF2B5EF4-FFF2-40B4-BE49-F238E27FC236}">
-                <a16:creationId xmlns:a16="http://schemas.microsoft.com/office/drawing/2014/main" id="{F30F9B1D-BC3F-4243-97CC-4F6FF05CDC0D}"/>
-              </a:ext>
-            </a:extLst>
-          </p:cNvPr>
-          <p:cNvSpPr>
-            <a:spLocks noGrp="1"/>
-          </p:cNvSpPr>
-          <p:nvPr>
-            <p:ph type="body" idx="1"/>
-          </p:nvPr>
-        </p:nvSpPr>
-        <p:spPr/>
-        <p:txBody>
-          <a:bodyPr/>
-          <a:lstStyle/>
-          <a:p>
-            <a:r>
-              <a:rPr lang="en-US" dirty="0" err="1"/>
-              <a:t>Num_emails_received</a:t>
-            </a:r>
-            <a:endParaRPr lang="en-US" dirty="0"/>
-          </a:p>
-          <a:p>
-            <a:pPr marL="50800" indent="0">
-              <a:buNone/>
-            </a:pPr>
-            <a:endParaRPr lang="en-US" dirty="0"/>
-          </a:p>
-        </p:txBody>
-      </p:sp>
-      <p:pic>
-        <p:nvPicPr>
-          <p:cNvPr id="1030" name="Picture 6">
-            <a:extLst>
-              <a:ext uri="{FF2B5EF4-FFF2-40B4-BE49-F238E27FC236}">
-                <a16:creationId xmlns:a16="http://schemas.microsoft.com/office/drawing/2014/main" id="{0CEE2197-63F1-4E26-AE36-A6275B9FB6E8}"/>
-              </a:ext>
-            </a:extLst>
-          </p:cNvPr>
-          <p:cNvPicPr>
-            <a:picLocks noChangeAspect="1" noChangeArrowheads="1"/>
-          </p:cNvPicPr>
-          <p:nvPr/>
-        </p:nvPicPr>
-        <p:blipFill>
-          <a:blip r:embed="rId2">
-            <a:extLst>
-              <a:ext uri="{28A0092B-C50C-407E-A947-70E740481C1C}">
-                <a14:useLocalDpi xmlns:a14="http://schemas.microsoft.com/office/drawing/2010/main" val="0"/>
-              </a:ext>
-            </a:extLst>
-          </a:blip>
-          <a:srcRect/>
-          <a:stretch>
-            <a:fillRect/>
-          </a:stretch>
-        </p:blipFill>
-        <p:spPr bwMode="auto">
-          <a:xfrm>
-            <a:off x="659606" y="1878619"/>
-            <a:ext cx="6781800" cy="2955131"/>
-          </a:xfrm>
-          <a:prstGeom prst="rect">
-            <a:avLst/>
-          </a:prstGeom>
-          <a:noFill/>
-          <a:extLst>
-            <a:ext uri="{909E8E84-426E-40DD-AFC4-6F175D3DCCD1}">
-              <a14:hiddenFill xmlns:a14="http://schemas.microsoft.com/office/drawing/2010/main">
-                <a:solidFill>
-                  <a:srgbClr val="FFFFFF"/>
-                </a:solidFill>
-              </a14:hiddenFill>
-            </a:ext>
-          </a:extLst>
-        </p:spPr>
-      </p:pic>
-    </p:spTree>
-    <p:extLst>
-      <p:ext uri="{BB962C8B-B14F-4D97-AF65-F5344CB8AC3E}">
-        <p14:creationId xmlns:p14="http://schemas.microsoft.com/office/powerpoint/2010/main" val="3628628149"/>
+        <p14:creationId xmlns:p14="http://schemas.microsoft.com/office/powerpoint/2010/main" val="1084687996"/>
       </p:ext>
     </p:extLst>
   </p:cSld>
